--- a/figures/figure_components/figure1.pptx
+++ b/figures/figure_components/figure1.pptx
@@ -2,12 +2,15 @@
 <file path=ppt/presentation.xml><?xml version="1.0" encoding="utf-8"?>
 <p:presentation xmlns:a="http://schemas.openxmlformats.org/drawingml/2006/main" xmlns:r="http://schemas.openxmlformats.org/officeDocument/2006/relationships" xmlns:p="http://schemas.openxmlformats.org/presentationml/2006/main" saveSubsetFonts="1" autoCompressPictures="0">
   <p:sldMasterIdLst>
-    <p:sldMasterId id="2147483660" r:id="rId1"/>
+    <p:sldMasterId id="2147483696" r:id="rId1"/>
   </p:sldMasterIdLst>
+  <p:notesMasterIdLst>
+    <p:notesMasterId r:id="rId3"/>
+  </p:notesMasterIdLst>
   <p:sldIdLst>
     <p:sldId id="256" r:id="rId2"/>
   </p:sldIdLst>
-  <p:sldSz cx="12192000" cy="6629400"/>
+  <p:sldSz cx="7772400" cy="7315200"/>
   <p:notesSz cx="6858000" cy="9144000"/>
   <p:defaultTextStyle>
     <a:defPPr>
@@ -104,7 +107,445 @@
       </a:defRPr>
     </a:lvl9pPr>
   </p:defaultTextStyle>
+  <p:extLst>
+    <p:ext uri="{EFAFB233-063F-42B5-8137-9DF3F51BA10A}">
+      <p15:sldGuideLst xmlns:p15="http://schemas.microsoft.com/office/powerpoint/2012/main"/>
+    </p:ext>
+  </p:extLst>
 </p:presentation>
+</file>
+
+<file path=ppt/notesMasters/notesMaster1.xml><?xml version="1.0" encoding="utf-8"?>
+<p:notesMaster xmlns:a="http://schemas.openxmlformats.org/drawingml/2006/main" xmlns:r="http://schemas.openxmlformats.org/officeDocument/2006/relationships" xmlns:p="http://schemas.openxmlformats.org/presentationml/2006/main">
+  <p:cSld>
+    <p:bg>
+      <p:bgRef idx="1001">
+        <a:schemeClr val="bg1"/>
+      </p:bgRef>
+    </p:bg>
+    <p:spTree>
+      <p:nvGrpSpPr>
+        <p:cNvPr id="1" name=""/>
+        <p:cNvGrpSpPr/>
+        <p:nvPr/>
+      </p:nvGrpSpPr>
+      <p:grpSpPr>
+        <a:xfrm>
+          <a:off x="0" y="0"/>
+          <a:ext cx="0" cy="0"/>
+          <a:chOff x="0" y="0"/>
+          <a:chExt cx="0" cy="0"/>
+        </a:xfrm>
+      </p:grpSpPr>
+      <p:sp>
+        <p:nvSpPr>
+          <p:cNvPr id="2" name="Header Placeholder 1"/>
+          <p:cNvSpPr>
+            <a:spLocks noGrp="1"/>
+          </p:cNvSpPr>
+          <p:nvPr>
+            <p:ph type="hdr" sz="quarter"/>
+          </p:nvPr>
+        </p:nvSpPr>
+        <p:spPr>
+          <a:xfrm>
+            <a:off x="0" y="0"/>
+            <a:ext cx="2971800" cy="458788"/>
+          </a:xfrm>
+          <a:prstGeom prst="rect">
+            <a:avLst/>
+          </a:prstGeom>
+        </p:spPr>
+        <p:txBody>
+          <a:bodyPr vert="horz" lIns="91440" tIns="45720" rIns="91440" bIns="45720" rtlCol="0"/>
+          <a:lstStyle>
+            <a:lvl1pPr algn="l">
+              <a:defRPr sz="1200"/>
+            </a:lvl1pPr>
+          </a:lstStyle>
+          <a:p>
+            <a:endParaRPr lang="en-US"/>
+          </a:p>
+        </p:txBody>
+      </p:sp>
+      <p:sp>
+        <p:nvSpPr>
+          <p:cNvPr id="3" name="Date Placeholder 2"/>
+          <p:cNvSpPr>
+            <a:spLocks noGrp="1"/>
+          </p:cNvSpPr>
+          <p:nvPr>
+            <p:ph type="dt" idx="1"/>
+          </p:nvPr>
+        </p:nvSpPr>
+        <p:spPr>
+          <a:xfrm>
+            <a:off x="3884613" y="0"/>
+            <a:ext cx="2971800" cy="458788"/>
+          </a:xfrm>
+          <a:prstGeom prst="rect">
+            <a:avLst/>
+          </a:prstGeom>
+        </p:spPr>
+        <p:txBody>
+          <a:bodyPr vert="horz" lIns="91440" tIns="45720" rIns="91440" bIns="45720" rtlCol="0"/>
+          <a:lstStyle>
+            <a:lvl1pPr algn="r">
+              <a:defRPr sz="1200"/>
+            </a:lvl1pPr>
+          </a:lstStyle>
+          <a:p>
+            <a:fld id="{E725AA1D-7C9D-7F4F-BEEB-E662DEB71FAE}" type="datetimeFigureOut">
+              <a:rPr lang="en-US" smtClean="0"/>
+              <a:t>10/9/20</a:t>
+            </a:fld>
+            <a:endParaRPr lang="en-US"/>
+          </a:p>
+        </p:txBody>
+      </p:sp>
+      <p:sp>
+        <p:nvSpPr>
+          <p:cNvPr id="4" name="Slide Image Placeholder 3"/>
+          <p:cNvSpPr>
+            <a:spLocks noGrp="1" noRot="1" noChangeAspect="1"/>
+          </p:cNvSpPr>
+          <p:nvPr>
+            <p:ph type="sldImg" idx="2"/>
+          </p:nvPr>
+        </p:nvSpPr>
+        <p:spPr>
+          <a:xfrm>
+            <a:off x="1789113" y="1143000"/>
+            <a:ext cx="3279775" cy="3086100"/>
+          </a:xfrm>
+          <a:prstGeom prst="rect">
+            <a:avLst/>
+          </a:prstGeom>
+          <a:noFill/>
+          <a:ln w="12700">
+            <a:solidFill>
+              <a:prstClr val="black"/>
+            </a:solidFill>
+          </a:ln>
+        </p:spPr>
+        <p:txBody>
+          <a:bodyPr vert="horz" lIns="91440" tIns="45720" rIns="91440" bIns="45720" rtlCol="0" anchor="ctr"/>
+          <a:lstStyle/>
+          <a:p>
+            <a:endParaRPr lang="en-US"/>
+          </a:p>
+        </p:txBody>
+      </p:sp>
+      <p:sp>
+        <p:nvSpPr>
+          <p:cNvPr id="5" name="Notes Placeholder 4"/>
+          <p:cNvSpPr>
+            <a:spLocks noGrp="1"/>
+          </p:cNvSpPr>
+          <p:nvPr>
+            <p:ph type="body" sz="quarter" idx="3"/>
+          </p:nvPr>
+        </p:nvSpPr>
+        <p:spPr>
+          <a:xfrm>
+            <a:off x="685800" y="4400550"/>
+            <a:ext cx="5486400" cy="3600450"/>
+          </a:xfrm>
+          <a:prstGeom prst="rect">
+            <a:avLst/>
+          </a:prstGeom>
+        </p:spPr>
+        <p:txBody>
+          <a:bodyPr vert="horz" lIns="91440" tIns="45720" rIns="91440" bIns="45720" rtlCol="0"/>
+          <a:lstStyle/>
+          <a:p>
+            <a:pPr lvl="0"/>
+            <a:r>
+              <a:rPr lang="en-US"/>
+              <a:t>Edit Master text styles</a:t>
+            </a:r>
+          </a:p>
+          <a:p>
+            <a:pPr lvl="1"/>
+            <a:r>
+              <a:rPr lang="en-US"/>
+              <a:t>Second level</a:t>
+            </a:r>
+          </a:p>
+          <a:p>
+            <a:pPr lvl="2"/>
+            <a:r>
+              <a:rPr lang="en-US"/>
+              <a:t>Third level</a:t>
+            </a:r>
+          </a:p>
+          <a:p>
+            <a:pPr lvl="3"/>
+            <a:r>
+              <a:rPr lang="en-US"/>
+              <a:t>Fourth level</a:t>
+            </a:r>
+          </a:p>
+          <a:p>
+            <a:pPr lvl="4"/>
+            <a:r>
+              <a:rPr lang="en-US"/>
+              <a:t>Fifth level</a:t>
+            </a:r>
+          </a:p>
+        </p:txBody>
+      </p:sp>
+      <p:sp>
+        <p:nvSpPr>
+          <p:cNvPr id="6" name="Footer Placeholder 5"/>
+          <p:cNvSpPr>
+            <a:spLocks noGrp="1"/>
+          </p:cNvSpPr>
+          <p:nvPr>
+            <p:ph type="ftr" sz="quarter" idx="4"/>
+          </p:nvPr>
+        </p:nvSpPr>
+        <p:spPr>
+          <a:xfrm>
+            <a:off x="0" y="8685213"/>
+            <a:ext cx="2971800" cy="458787"/>
+          </a:xfrm>
+          <a:prstGeom prst="rect">
+            <a:avLst/>
+          </a:prstGeom>
+        </p:spPr>
+        <p:txBody>
+          <a:bodyPr vert="horz" lIns="91440" tIns="45720" rIns="91440" bIns="45720" rtlCol="0" anchor="b"/>
+          <a:lstStyle>
+            <a:lvl1pPr algn="l">
+              <a:defRPr sz="1200"/>
+            </a:lvl1pPr>
+          </a:lstStyle>
+          <a:p>
+            <a:endParaRPr lang="en-US"/>
+          </a:p>
+        </p:txBody>
+      </p:sp>
+      <p:sp>
+        <p:nvSpPr>
+          <p:cNvPr id="7" name="Slide Number Placeholder 6"/>
+          <p:cNvSpPr>
+            <a:spLocks noGrp="1"/>
+          </p:cNvSpPr>
+          <p:nvPr>
+            <p:ph type="sldNum" sz="quarter" idx="5"/>
+          </p:nvPr>
+        </p:nvSpPr>
+        <p:spPr>
+          <a:xfrm>
+            <a:off x="3884613" y="8685213"/>
+            <a:ext cx="2971800" cy="458787"/>
+          </a:xfrm>
+          <a:prstGeom prst="rect">
+            <a:avLst/>
+          </a:prstGeom>
+        </p:spPr>
+        <p:txBody>
+          <a:bodyPr vert="horz" lIns="91440" tIns="45720" rIns="91440" bIns="45720" rtlCol="0" anchor="b"/>
+          <a:lstStyle>
+            <a:lvl1pPr algn="r">
+              <a:defRPr sz="1200"/>
+            </a:lvl1pPr>
+          </a:lstStyle>
+          <a:p>
+            <a:fld id="{CBC5ECBB-9521-5949-9977-5BA23679845E}" type="slidenum">
+              <a:rPr lang="en-US" smtClean="0"/>
+              <a:t>‹#›</a:t>
+            </a:fld>
+            <a:endParaRPr lang="en-US"/>
+          </a:p>
+        </p:txBody>
+      </p:sp>
+    </p:spTree>
+    <p:extLst>
+      <p:ext uri="{BB962C8B-B14F-4D97-AF65-F5344CB8AC3E}">
+        <p14:creationId xmlns:p14="http://schemas.microsoft.com/office/powerpoint/2010/main" val="1866439343"/>
+      </p:ext>
+    </p:extLst>
+  </p:cSld>
+  <p:clrMap bg1="lt1" tx1="dk1" bg2="lt2" tx2="dk2" accent1="accent1" accent2="accent2" accent3="accent3" accent4="accent4" accent5="accent5" accent6="accent6" hlink="hlink" folHlink="folHlink"/>
+  <p:notesStyle>
+    <a:lvl1pPr marL="0" algn="l" defTabSz="914400" rtl="0" eaLnBrk="1" latinLnBrk="0" hangingPunct="1">
+      <a:defRPr sz="1200" kern="1200">
+        <a:solidFill>
+          <a:schemeClr val="tx1"/>
+        </a:solidFill>
+        <a:latin typeface="+mn-lt"/>
+        <a:ea typeface="+mn-ea"/>
+        <a:cs typeface="+mn-cs"/>
+      </a:defRPr>
+    </a:lvl1pPr>
+    <a:lvl2pPr marL="457200" algn="l" defTabSz="914400" rtl="0" eaLnBrk="1" latinLnBrk="0" hangingPunct="1">
+      <a:defRPr sz="1200" kern="1200">
+        <a:solidFill>
+          <a:schemeClr val="tx1"/>
+        </a:solidFill>
+        <a:latin typeface="+mn-lt"/>
+        <a:ea typeface="+mn-ea"/>
+        <a:cs typeface="+mn-cs"/>
+      </a:defRPr>
+    </a:lvl2pPr>
+    <a:lvl3pPr marL="914400" algn="l" defTabSz="914400" rtl="0" eaLnBrk="1" latinLnBrk="0" hangingPunct="1">
+      <a:defRPr sz="1200" kern="1200">
+        <a:solidFill>
+          <a:schemeClr val="tx1"/>
+        </a:solidFill>
+        <a:latin typeface="+mn-lt"/>
+        <a:ea typeface="+mn-ea"/>
+        <a:cs typeface="+mn-cs"/>
+      </a:defRPr>
+    </a:lvl3pPr>
+    <a:lvl4pPr marL="1371600" algn="l" defTabSz="914400" rtl="0" eaLnBrk="1" latinLnBrk="0" hangingPunct="1">
+      <a:defRPr sz="1200" kern="1200">
+        <a:solidFill>
+          <a:schemeClr val="tx1"/>
+        </a:solidFill>
+        <a:latin typeface="+mn-lt"/>
+        <a:ea typeface="+mn-ea"/>
+        <a:cs typeface="+mn-cs"/>
+      </a:defRPr>
+    </a:lvl4pPr>
+    <a:lvl5pPr marL="1828800" algn="l" defTabSz="914400" rtl="0" eaLnBrk="1" latinLnBrk="0" hangingPunct="1">
+      <a:defRPr sz="1200" kern="1200">
+        <a:solidFill>
+          <a:schemeClr val="tx1"/>
+        </a:solidFill>
+        <a:latin typeface="+mn-lt"/>
+        <a:ea typeface="+mn-ea"/>
+        <a:cs typeface="+mn-cs"/>
+      </a:defRPr>
+    </a:lvl5pPr>
+    <a:lvl6pPr marL="2286000" algn="l" defTabSz="914400" rtl="0" eaLnBrk="1" latinLnBrk="0" hangingPunct="1">
+      <a:defRPr sz="1200" kern="1200">
+        <a:solidFill>
+          <a:schemeClr val="tx1"/>
+        </a:solidFill>
+        <a:latin typeface="+mn-lt"/>
+        <a:ea typeface="+mn-ea"/>
+        <a:cs typeface="+mn-cs"/>
+      </a:defRPr>
+    </a:lvl6pPr>
+    <a:lvl7pPr marL="2743200" algn="l" defTabSz="914400" rtl="0" eaLnBrk="1" latinLnBrk="0" hangingPunct="1">
+      <a:defRPr sz="1200" kern="1200">
+        <a:solidFill>
+          <a:schemeClr val="tx1"/>
+        </a:solidFill>
+        <a:latin typeface="+mn-lt"/>
+        <a:ea typeface="+mn-ea"/>
+        <a:cs typeface="+mn-cs"/>
+      </a:defRPr>
+    </a:lvl7pPr>
+    <a:lvl8pPr marL="3200400" algn="l" defTabSz="914400" rtl="0" eaLnBrk="1" latinLnBrk="0" hangingPunct="1">
+      <a:defRPr sz="1200" kern="1200">
+        <a:solidFill>
+          <a:schemeClr val="tx1"/>
+        </a:solidFill>
+        <a:latin typeface="+mn-lt"/>
+        <a:ea typeface="+mn-ea"/>
+        <a:cs typeface="+mn-cs"/>
+      </a:defRPr>
+    </a:lvl8pPr>
+    <a:lvl9pPr marL="3657600" algn="l" defTabSz="914400" rtl="0" eaLnBrk="1" latinLnBrk="0" hangingPunct="1">
+      <a:defRPr sz="1200" kern="1200">
+        <a:solidFill>
+          <a:schemeClr val="tx1"/>
+        </a:solidFill>
+        <a:latin typeface="+mn-lt"/>
+        <a:ea typeface="+mn-ea"/>
+        <a:cs typeface="+mn-cs"/>
+      </a:defRPr>
+    </a:lvl9pPr>
+  </p:notesStyle>
+</p:notesMaster>
+</file>
+
+<file path=ppt/notesSlides/notesSlide1.xml><?xml version="1.0" encoding="utf-8"?>
+<p:notes xmlns:a="http://schemas.openxmlformats.org/drawingml/2006/main" xmlns:r="http://schemas.openxmlformats.org/officeDocument/2006/relationships" xmlns:p="http://schemas.openxmlformats.org/presentationml/2006/main">
+  <p:cSld>
+    <p:spTree>
+      <p:nvGrpSpPr>
+        <p:cNvPr id="1" name=""/>
+        <p:cNvGrpSpPr/>
+        <p:nvPr/>
+      </p:nvGrpSpPr>
+      <p:grpSpPr>
+        <a:xfrm>
+          <a:off x="0" y="0"/>
+          <a:ext cx="0" cy="0"/>
+          <a:chOff x="0" y="0"/>
+          <a:chExt cx="0" cy="0"/>
+        </a:xfrm>
+      </p:grpSpPr>
+      <p:sp>
+        <p:nvSpPr>
+          <p:cNvPr id="2" name="Slide Image Placeholder 1"/>
+          <p:cNvSpPr>
+            <a:spLocks noGrp="1" noRot="1" noChangeAspect="1"/>
+          </p:cNvSpPr>
+          <p:nvPr>
+            <p:ph type="sldImg"/>
+          </p:nvPr>
+        </p:nvSpPr>
+        <p:spPr/>
+      </p:sp>
+      <p:sp>
+        <p:nvSpPr>
+          <p:cNvPr id="3" name="Notes Placeholder 2"/>
+          <p:cNvSpPr>
+            <a:spLocks noGrp="1"/>
+          </p:cNvSpPr>
+          <p:nvPr>
+            <p:ph type="body" idx="1"/>
+          </p:nvPr>
+        </p:nvSpPr>
+        <p:spPr/>
+        <p:txBody>
+          <a:bodyPr/>
+          <a:lstStyle/>
+          <a:p>
+            <a:endParaRPr lang="en-US" dirty="0"/>
+          </a:p>
+        </p:txBody>
+      </p:sp>
+      <p:sp>
+        <p:nvSpPr>
+          <p:cNvPr id="4" name="Slide Number Placeholder 3"/>
+          <p:cNvSpPr>
+            <a:spLocks noGrp="1"/>
+          </p:cNvSpPr>
+          <p:nvPr>
+            <p:ph type="sldNum" sz="quarter" idx="5"/>
+          </p:nvPr>
+        </p:nvSpPr>
+        <p:spPr/>
+        <p:txBody>
+          <a:bodyPr/>
+          <a:lstStyle/>
+          <a:p>
+            <a:fld id="{CBC5ECBB-9521-5949-9977-5BA23679845E}" type="slidenum">
+              <a:rPr lang="en-US" smtClean="0"/>
+              <a:t>1</a:t>
+            </a:fld>
+            <a:endParaRPr lang="en-US"/>
+          </a:p>
+        </p:txBody>
+      </p:sp>
+    </p:spTree>
+    <p:extLst>
+      <p:ext uri="{BB962C8B-B14F-4D97-AF65-F5344CB8AC3E}">
+        <p14:creationId xmlns:p14="http://schemas.microsoft.com/office/powerpoint/2010/main" val="2310110961"/>
+      </p:ext>
+    </p:extLst>
+  </p:cSld>
+  <p:clrMapOvr>
+    <a:masterClrMapping/>
+  </p:clrMapOvr>
+</p:notes>
 </file>
 
 <file path=ppt/slideLayouts/slideLayout1.xml><?xml version="1.0" encoding="utf-8"?>
@@ -136,15 +577,15 @@
         </p:nvSpPr>
         <p:spPr>
           <a:xfrm>
-            <a:off x="1524000" y="1084951"/>
-            <a:ext cx="9144000" cy="2308013"/>
+            <a:off x="582930" y="1197187"/>
+            <a:ext cx="6606540" cy="2546773"/>
           </a:xfrm>
         </p:spPr>
         <p:txBody>
           <a:bodyPr anchor="b"/>
           <a:lstStyle>
             <a:lvl1pPr algn="ctr">
-              <a:defRPr sz="5800"/>
+              <a:defRPr sz="5100"/>
             </a:lvl1pPr>
           </a:lstStyle>
           <a:p>
@@ -168,8 +609,8 @@
         </p:nvSpPr>
         <p:spPr>
           <a:xfrm>
-            <a:off x="1524000" y="3481970"/>
-            <a:ext cx="9144000" cy="1600570"/>
+            <a:off x="971550" y="3842174"/>
+            <a:ext cx="5829300" cy="1766146"/>
           </a:xfrm>
         </p:spPr>
         <p:txBody>
@@ -177,39 +618,39 @@
           <a:lstStyle>
             <a:lvl1pPr marL="0" indent="0" algn="ctr">
               <a:buNone/>
-              <a:defRPr sz="2320"/>
+              <a:defRPr sz="2040"/>
             </a:lvl1pPr>
-            <a:lvl2pPr marL="441975" indent="0" algn="ctr">
-              <a:buNone/>
-              <a:defRPr sz="1933"/>
+            <a:lvl2pPr marL="388620" indent="0" algn="ctr">
+              <a:buNone/>
+              <a:defRPr sz="1700"/>
             </a:lvl2pPr>
-            <a:lvl3pPr marL="883950" indent="0" algn="ctr">
-              <a:buNone/>
-              <a:defRPr sz="1740"/>
+            <a:lvl3pPr marL="777240" indent="0" algn="ctr">
+              <a:buNone/>
+              <a:defRPr sz="1530"/>
             </a:lvl3pPr>
-            <a:lvl4pPr marL="1325926" indent="0" algn="ctr">
-              <a:buNone/>
-              <a:defRPr sz="1547"/>
+            <a:lvl4pPr marL="1165860" indent="0" algn="ctr">
+              <a:buNone/>
+              <a:defRPr sz="1360"/>
             </a:lvl4pPr>
-            <a:lvl5pPr marL="1767901" indent="0" algn="ctr">
-              <a:buNone/>
-              <a:defRPr sz="1547"/>
+            <a:lvl5pPr marL="1554480" indent="0" algn="ctr">
+              <a:buNone/>
+              <a:defRPr sz="1360"/>
             </a:lvl5pPr>
-            <a:lvl6pPr marL="2209876" indent="0" algn="ctr">
-              <a:buNone/>
-              <a:defRPr sz="1547"/>
+            <a:lvl6pPr marL="1943100" indent="0" algn="ctr">
+              <a:buNone/>
+              <a:defRPr sz="1360"/>
             </a:lvl6pPr>
-            <a:lvl7pPr marL="2651851" indent="0" algn="ctr">
-              <a:buNone/>
-              <a:defRPr sz="1547"/>
+            <a:lvl7pPr marL="2331720" indent="0" algn="ctr">
+              <a:buNone/>
+              <a:defRPr sz="1360"/>
             </a:lvl7pPr>
-            <a:lvl8pPr marL="3093827" indent="0" algn="ctr">
-              <a:buNone/>
-              <a:defRPr sz="1547"/>
+            <a:lvl8pPr marL="2720340" indent="0" algn="ctr">
+              <a:buNone/>
+              <a:defRPr sz="1360"/>
             </a:lvl8pPr>
-            <a:lvl9pPr marL="3535802" indent="0" algn="ctr">
-              <a:buNone/>
-              <a:defRPr sz="1547"/>
+            <a:lvl9pPr marL="3108960" indent="0" algn="ctr">
+              <a:buNone/>
+              <a:defRPr sz="1360"/>
             </a:lvl9pPr>
           </a:lstStyle>
           <a:p>
@@ -236,9 +677,9 @@
           <a:bodyPr/>
           <a:lstStyle/>
           <a:p>
-            <a:fld id="{58749126-4A29-7841-A2CD-BCBFE668F1B2}" type="datetimeFigureOut">
+            <a:fld id="{3797E91C-AF42-4F44-8ED6-C8D3580D5FBB}" type="datetimeFigureOut">
               <a:rPr lang="en-US" smtClean="0"/>
-              <a:t>9/30/20</a:t>
+              <a:t>10/9/20</a:t>
             </a:fld>
             <a:endParaRPr lang="en-US"/>
           </a:p>
@@ -278,7 +719,7 @@
           <a:bodyPr/>
           <a:lstStyle/>
           <a:p>
-            <a:fld id="{7B5027D2-4F26-8245-9719-1C4CDD60CB74}" type="slidenum">
+            <a:fld id="{B2FBE83E-1BC5-F642-9D68-9BF3B455B72C}" type="slidenum">
               <a:rPr lang="en-US" smtClean="0"/>
               <a:t>‹#›</a:t>
             </a:fld>
@@ -289,7 +730,7 @@
     </p:spTree>
     <p:extLst>
       <p:ext uri="{BB962C8B-B14F-4D97-AF65-F5344CB8AC3E}">
-        <p14:creationId xmlns:p14="http://schemas.microsoft.com/office/powerpoint/2010/main" val="243427947"/>
+        <p14:creationId xmlns:p14="http://schemas.microsoft.com/office/powerpoint/2010/main" val="1165468460"/>
       </p:ext>
     </p:extLst>
   </p:cSld>
@@ -406,9 +847,9 @@
           <a:bodyPr/>
           <a:lstStyle/>
           <a:p>
-            <a:fld id="{58749126-4A29-7841-A2CD-BCBFE668F1B2}" type="datetimeFigureOut">
+            <a:fld id="{3797E91C-AF42-4F44-8ED6-C8D3580D5FBB}" type="datetimeFigureOut">
               <a:rPr lang="en-US" smtClean="0"/>
-              <a:t>9/30/20</a:t>
+              <a:t>10/9/20</a:t>
             </a:fld>
             <a:endParaRPr lang="en-US"/>
           </a:p>
@@ -448,7 +889,7 @@
           <a:bodyPr/>
           <a:lstStyle/>
           <a:p>
-            <a:fld id="{7B5027D2-4F26-8245-9719-1C4CDD60CB74}" type="slidenum">
+            <a:fld id="{B2FBE83E-1BC5-F642-9D68-9BF3B455B72C}" type="slidenum">
               <a:rPr lang="en-US" smtClean="0"/>
               <a:t>‹#›</a:t>
             </a:fld>
@@ -459,7 +900,7 @@
     </p:spTree>
     <p:extLst>
       <p:ext uri="{BB962C8B-B14F-4D97-AF65-F5344CB8AC3E}">
-        <p14:creationId xmlns:p14="http://schemas.microsoft.com/office/powerpoint/2010/main" val="1319574698"/>
+        <p14:creationId xmlns:p14="http://schemas.microsoft.com/office/powerpoint/2010/main" val="1723109493"/>
       </p:ext>
     </p:extLst>
   </p:cSld>
@@ -498,8 +939,8 @@
         </p:nvSpPr>
         <p:spPr>
           <a:xfrm>
-            <a:off x="8724900" y="352954"/>
-            <a:ext cx="2628900" cy="5618110"/>
+            <a:off x="5562124" y="389467"/>
+            <a:ext cx="1675924" cy="6199294"/>
           </a:xfrm>
         </p:spPr>
         <p:txBody>
@@ -526,8 +967,8 @@
         </p:nvSpPr>
         <p:spPr>
           <a:xfrm>
-            <a:off x="838200" y="352954"/>
-            <a:ext cx="7734300" cy="5618110"/>
+            <a:off x="534353" y="389467"/>
+            <a:ext cx="4930616" cy="6199294"/>
           </a:xfrm>
         </p:spPr>
         <p:txBody>
@@ -586,9 +1027,9 @@
           <a:bodyPr/>
           <a:lstStyle/>
           <a:p>
-            <a:fld id="{58749126-4A29-7841-A2CD-BCBFE668F1B2}" type="datetimeFigureOut">
+            <a:fld id="{3797E91C-AF42-4F44-8ED6-C8D3580D5FBB}" type="datetimeFigureOut">
               <a:rPr lang="en-US" smtClean="0"/>
-              <a:t>9/30/20</a:t>
+              <a:t>10/9/20</a:t>
             </a:fld>
             <a:endParaRPr lang="en-US"/>
           </a:p>
@@ -628,7 +1069,7 @@
           <a:bodyPr/>
           <a:lstStyle/>
           <a:p>
-            <a:fld id="{7B5027D2-4F26-8245-9719-1C4CDD60CB74}" type="slidenum">
+            <a:fld id="{B2FBE83E-1BC5-F642-9D68-9BF3B455B72C}" type="slidenum">
               <a:rPr lang="en-US" smtClean="0"/>
               <a:t>‹#›</a:t>
             </a:fld>
@@ -639,7 +1080,7 @@
     </p:spTree>
     <p:extLst>
       <p:ext uri="{BB962C8B-B14F-4D97-AF65-F5344CB8AC3E}">
-        <p14:creationId xmlns:p14="http://schemas.microsoft.com/office/powerpoint/2010/main" val="83780902"/>
+        <p14:creationId xmlns:p14="http://schemas.microsoft.com/office/powerpoint/2010/main" val="1497774174"/>
       </p:ext>
     </p:extLst>
   </p:cSld>
@@ -756,9 +1197,9 @@
           <a:bodyPr/>
           <a:lstStyle/>
           <a:p>
-            <a:fld id="{58749126-4A29-7841-A2CD-BCBFE668F1B2}" type="datetimeFigureOut">
+            <a:fld id="{3797E91C-AF42-4F44-8ED6-C8D3580D5FBB}" type="datetimeFigureOut">
               <a:rPr lang="en-US" smtClean="0"/>
-              <a:t>9/30/20</a:t>
+              <a:t>10/9/20</a:t>
             </a:fld>
             <a:endParaRPr lang="en-US"/>
           </a:p>
@@ -798,7 +1239,7 @@
           <a:bodyPr/>
           <a:lstStyle/>
           <a:p>
-            <a:fld id="{7B5027D2-4F26-8245-9719-1C4CDD60CB74}" type="slidenum">
+            <a:fld id="{B2FBE83E-1BC5-F642-9D68-9BF3B455B72C}" type="slidenum">
               <a:rPr lang="en-US" smtClean="0"/>
               <a:t>‹#›</a:t>
             </a:fld>
@@ -809,7 +1250,7 @@
     </p:spTree>
     <p:extLst>
       <p:ext uri="{BB962C8B-B14F-4D97-AF65-F5344CB8AC3E}">
-        <p14:creationId xmlns:p14="http://schemas.microsoft.com/office/powerpoint/2010/main" val="464410527"/>
+        <p14:creationId xmlns:p14="http://schemas.microsoft.com/office/powerpoint/2010/main" val="3420654070"/>
       </p:ext>
     </p:extLst>
   </p:cSld>
@@ -848,15 +1289,15 @@
         </p:nvSpPr>
         <p:spPr>
           <a:xfrm>
-            <a:off x="831850" y="1652747"/>
-            <a:ext cx="10515600" cy="2757646"/>
+            <a:off x="530305" y="1823722"/>
+            <a:ext cx="6703695" cy="3042919"/>
           </a:xfrm>
         </p:spPr>
         <p:txBody>
           <a:bodyPr anchor="b"/>
           <a:lstStyle>
             <a:lvl1pPr>
-              <a:defRPr sz="5800"/>
+              <a:defRPr sz="5100"/>
             </a:lvl1pPr>
           </a:lstStyle>
           <a:p>
@@ -880,8 +1321,8 @@
         </p:nvSpPr>
         <p:spPr>
           <a:xfrm>
-            <a:off x="831850" y="4436481"/>
-            <a:ext cx="10515600" cy="1450181"/>
+            <a:off x="530305" y="4895429"/>
+            <a:ext cx="6703695" cy="1600199"/>
           </a:xfrm>
         </p:spPr>
         <p:txBody>
@@ -889,17 +1330,15 @@
           <a:lstStyle>
             <a:lvl1pPr marL="0" indent="0">
               <a:buNone/>
-              <a:defRPr sz="2320">
+              <a:defRPr sz="2040">
                 <a:solidFill>
-                  <a:schemeClr val="tx1">
-                    <a:tint val="75000"/>
-                  </a:schemeClr>
+                  <a:schemeClr val="tx1"/>
                 </a:solidFill>
               </a:defRPr>
             </a:lvl1pPr>
-            <a:lvl2pPr marL="441975" indent="0">
-              <a:buNone/>
-              <a:defRPr sz="1933">
+            <a:lvl2pPr marL="388620" indent="0">
+              <a:buNone/>
+              <a:defRPr sz="1700">
                 <a:solidFill>
                   <a:schemeClr val="tx1">
                     <a:tint val="75000"/>
@@ -907,9 +1346,9 @@
                 </a:solidFill>
               </a:defRPr>
             </a:lvl2pPr>
-            <a:lvl3pPr marL="883950" indent="0">
-              <a:buNone/>
-              <a:defRPr sz="1740">
+            <a:lvl3pPr marL="777240" indent="0">
+              <a:buNone/>
+              <a:defRPr sz="1530">
                 <a:solidFill>
                   <a:schemeClr val="tx1">
                     <a:tint val="75000"/>
@@ -917,9 +1356,9 @@
                 </a:solidFill>
               </a:defRPr>
             </a:lvl3pPr>
-            <a:lvl4pPr marL="1325926" indent="0">
-              <a:buNone/>
-              <a:defRPr sz="1547">
+            <a:lvl4pPr marL="1165860" indent="0">
+              <a:buNone/>
+              <a:defRPr sz="1360">
                 <a:solidFill>
                   <a:schemeClr val="tx1">
                     <a:tint val="75000"/>
@@ -927,9 +1366,9 @@
                 </a:solidFill>
               </a:defRPr>
             </a:lvl4pPr>
-            <a:lvl5pPr marL="1767901" indent="0">
-              <a:buNone/>
-              <a:defRPr sz="1547">
+            <a:lvl5pPr marL="1554480" indent="0">
+              <a:buNone/>
+              <a:defRPr sz="1360">
                 <a:solidFill>
                   <a:schemeClr val="tx1">
                     <a:tint val="75000"/>
@@ -937,9 +1376,9 @@
                 </a:solidFill>
               </a:defRPr>
             </a:lvl5pPr>
-            <a:lvl6pPr marL="2209876" indent="0">
-              <a:buNone/>
-              <a:defRPr sz="1547">
+            <a:lvl6pPr marL="1943100" indent="0">
+              <a:buNone/>
+              <a:defRPr sz="1360">
                 <a:solidFill>
                   <a:schemeClr val="tx1">
                     <a:tint val="75000"/>
@@ -947,9 +1386,9 @@
                 </a:solidFill>
               </a:defRPr>
             </a:lvl6pPr>
-            <a:lvl7pPr marL="2651851" indent="0">
-              <a:buNone/>
-              <a:defRPr sz="1547">
+            <a:lvl7pPr marL="2331720" indent="0">
+              <a:buNone/>
+              <a:defRPr sz="1360">
                 <a:solidFill>
                   <a:schemeClr val="tx1">
                     <a:tint val="75000"/>
@@ -957,9 +1396,9 @@
                 </a:solidFill>
               </a:defRPr>
             </a:lvl7pPr>
-            <a:lvl8pPr marL="3093827" indent="0">
-              <a:buNone/>
-              <a:defRPr sz="1547">
+            <a:lvl8pPr marL="2720340" indent="0">
+              <a:buNone/>
+              <a:defRPr sz="1360">
                 <a:solidFill>
                   <a:schemeClr val="tx1">
                     <a:tint val="75000"/>
@@ -967,9 +1406,9 @@
                 </a:solidFill>
               </a:defRPr>
             </a:lvl8pPr>
-            <a:lvl9pPr marL="3535802" indent="0">
-              <a:buNone/>
-              <a:defRPr sz="1547">
+            <a:lvl9pPr marL="3108960" indent="0">
+              <a:buNone/>
+              <a:defRPr sz="1360">
                 <a:solidFill>
                   <a:schemeClr val="tx1">
                     <a:tint val="75000"/>
@@ -1002,9 +1441,9 @@
           <a:bodyPr/>
           <a:lstStyle/>
           <a:p>
-            <a:fld id="{58749126-4A29-7841-A2CD-BCBFE668F1B2}" type="datetimeFigureOut">
+            <a:fld id="{3797E91C-AF42-4F44-8ED6-C8D3580D5FBB}" type="datetimeFigureOut">
               <a:rPr lang="en-US" smtClean="0"/>
-              <a:t>9/30/20</a:t>
+              <a:t>10/9/20</a:t>
             </a:fld>
             <a:endParaRPr lang="en-US"/>
           </a:p>
@@ -1044,7 +1483,7 @@
           <a:bodyPr/>
           <a:lstStyle/>
           <a:p>
-            <a:fld id="{7B5027D2-4F26-8245-9719-1C4CDD60CB74}" type="slidenum">
+            <a:fld id="{B2FBE83E-1BC5-F642-9D68-9BF3B455B72C}" type="slidenum">
               <a:rPr lang="en-US" smtClean="0"/>
               <a:t>‹#›</a:t>
             </a:fld>
@@ -1055,7 +1494,7 @@
     </p:spTree>
     <p:extLst>
       <p:ext uri="{BB962C8B-B14F-4D97-AF65-F5344CB8AC3E}">
-        <p14:creationId xmlns:p14="http://schemas.microsoft.com/office/powerpoint/2010/main" val="4240031659"/>
+        <p14:creationId xmlns:p14="http://schemas.microsoft.com/office/powerpoint/2010/main" val="1206502783"/>
       </p:ext>
     </p:extLst>
   </p:cSld>
@@ -1117,8 +1556,8 @@
         </p:nvSpPr>
         <p:spPr>
           <a:xfrm>
-            <a:off x="838200" y="1764771"/>
-            <a:ext cx="5181600" cy="4206293"/>
+            <a:off x="534353" y="1947333"/>
+            <a:ext cx="3303270" cy="4641427"/>
           </a:xfrm>
         </p:spPr>
         <p:txBody>
@@ -1174,8 +1613,8 @@
         </p:nvSpPr>
         <p:spPr>
           <a:xfrm>
-            <a:off x="6172200" y="1764771"/>
-            <a:ext cx="5181600" cy="4206293"/>
+            <a:off x="3934778" y="1947333"/>
+            <a:ext cx="3303270" cy="4641427"/>
           </a:xfrm>
         </p:spPr>
         <p:txBody>
@@ -1234,9 +1673,9 @@
           <a:bodyPr/>
           <a:lstStyle/>
           <a:p>
-            <a:fld id="{58749126-4A29-7841-A2CD-BCBFE668F1B2}" type="datetimeFigureOut">
+            <a:fld id="{3797E91C-AF42-4F44-8ED6-C8D3580D5FBB}" type="datetimeFigureOut">
               <a:rPr lang="en-US" smtClean="0"/>
-              <a:t>9/30/20</a:t>
+              <a:t>10/9/20</a:t>
             </a:fld>
             <a:endParaRPr lang="en-US"/>
           </a:p>
@@ -1276,7 +1715,7 @@
           <a:bodyPr/>
           <a:lstStyle/>
           <a:p>
-            <a:fld id="{7B5027D2-4F26-8245-9719-1C4CDD60CB74}" type="slidenum">
+            <a:fld id="{B2FBE83E-1BC5-F642-9D68-9BF3B455B72C}" type="slidenum">
               <a:rPr lang="en-US" smtClean="0"/>
               <a:t>‹#›</a:t>
             </a:fld>
@@ -1287,7 +1726,7 @@
     </p:spTree>
     <p:extLst>
       <p:ext uri="{BB962C8B-B14F-4D97-AF65-F5344CB8AC3E}">
-        <p14:creationId xmlns:p14="http://schemas.microsoft.com/office/powerpoint/2010/main" val="3948098449"/>
+        <p14:creationId xmlns:p14="http://schemas.microsoft.com/office/powerpoint/2010/main" val="2661361707"/>
       </p:ext>
     </p:extLst>
   </p:cSld>
@@ -1326,8 +1765,8 @@
         </p:nvSpPr>
         <p:spPr>
           <a:xfrm>
-            <a:off x="839788" y="352954"/>
-            <a:ext cx="10515600" cy="1281378"/>
+            <a:off x="535365" y="389468"/>
+            <a:ext cx="6703695" cy="1413934"/>
           </a:xfrm>
         </p:spPr>
         <p:txBody>
@@ -1354,8 +1793,8 @@
         </p:nvSpPr>
         <p:spPr>
           <a:xfrm>
-            <a:off x="839789" y="1625124"/>
-            <a:ext cx="5157787" cy="796448"/>
+            <a:off x="535366" y="1793241"/>
+            <a:ext cx="3288089" cy="878839"/>
           </a:xfrm>
         </p:spPr>
         <p:txBody>
@@ -1363,39 +1802,39 @@
           <a:lstStyle>
             <a:lvl1pPr marL="0" indent="0">
               <a:buNone/>
-              <a:defRPr sz="2320" b="1"/>
+              <a:defRPr sz="2040" b="1"/>
             </a:lvl1pPr>
-            <a:lvl2pPr marL="441975" indent="0">
-              <a:buNone/>
-              <a:defRPr sz="1933" b="1"/>
+            <a:lvl2pPr marL="388620" indent="0">
+              <a:buNone/>
+              <a:defRPr sz="1700" b="1"/>
             </a:lvl2pPr>
-            <a:lvl3pPr marL="883950" indent="0">
-              <a:buNone/>
-              <a:defRPr sz="1740" b="1"/>
+            <a:lvl3pPr marL="777240" indent="0">
+              <a:buNone/>
+              <a:defRPr sz="1530" b="1"/>
             </a:lvl3pPr>
-            <a:lvl4pPr marL="1325926" indent="0">
-              <a:buNone/>
-              <a:defRPr sz="1547" b="1"/>
+            <a:lvl4pPr marL="1165860" indent="0">
+              <a:buNone/>
+              <a:defRPr sz="1360" b="1"/>
             </a:lvl4pPr>
-            <a:lvl5pPr marL="1767901" indent="0">
-              <a:buNone/>
-              <a:defRPr sz="1547" b="1"/>
+            <a:lvl5pPr marL="1554480" indent="0">
+              <a:buNone/>
+              <a:defRPr sz="1360" b="1"/>
             </a:lvl5pPr>
-            <a:lvl6pPr marL="2209876" indent="0">
-              <a:buNone/>
-              <a:defRPr sz="1547" b="1"/>
+            <a:lvl6pPr marL="1943100" indent="0">
+              <a:buNone/>
+              <a:defRPr sz="1360" b="1"/>
             </a:lvl6pPr>
-            <a:lvl7pPr marL="2651851" indent="0">
-              <a:buNone/>
-              <a:defRPr sz="1547" b="1"/>
+            <a:lvl7pPr marL="2331720" indent="0">
+              <a:buNone/>
+              <a:defRPr sz="1360" b="1"/>
             </a:lvl7pPr>
-            <a:lvl8pPr marL="3093827" indent="0">
-              <a:buNone/>
-              <a:defRPr sz="1547" b="1"/>
+            <a:lvl8pPr marL="2720340" indent="0">
+              <a:buNone/>
+              <a:defRPr sz="1360" b="1"/>
             </a:lvl8pPr>
-            <a:lvl9pPr marL="3535802" indent="0">
-              <a:buNone/>
-              <a:defRPr sz="1547" b="1"/>
+            <a:lvl9pPr marL="3108960" indent="0">
+              <a:buNone/>
+              <a:defRPr sz="1360" b="1"/>
             </a:lvl9pPr>
           </a:lstStyle>
           <a:p>
@@ -1419,8 +1858,8 @@
         </p:nvSpPr>
         <p:spPr>
           <a:xfrm>
-            <a:off x="839789" y="2421573"/>
-            <a:ext cx="5157787" cy="3561768"/>
+            <a:off x="535366" y="2672080"/>
+            <a:ext cx="3288089" cy="3930227"/>
           </a:xfrm>
         </p:spPr>
         <p:txBody>
@@ -1476,8 +1915,8 @@
         </p:nvSpPr>
         <p:spPr>
           <a:xfrm>
-            <a:off x="6172200" y="1625124"/>
-            <a:ext cx="5183188" cy="796448"/>
+            <a:off x="3934778" y="1793241"/>
+            <a:ext cx="3304282" cy="878839"/>
           </a:xfrm>
         </p:spPr>
         <p:txBody>
@@ -1485,39 +1924,39 @@
           <a:lstStyle>
             <a:lvl1pPr marL="0" indent="0">
               <a:buNone/>
-              <a:defRPr sz="2320" b="1"/>
+              <a:defRPr sz="2040" b="1"/>
             </a:lvl1pPr>
-            <a:lvl2pPr marL="441975" indent="0">
-              <a:buNone/>
-              <a:defRPr sz="1933" b="1"/>
+            <a:lvl2pPr marL="388620" indent="0">
+              <a:buNone/>
+              <a:defRPr sz="1700" b="1"/>
             </a:lvl2pPr>
-            <a:lvl3pPr marL="883950" indent="0">
-              <a:buNone/>
-              <a:defRPr sz="1740" b="1"/>
+            <a:lvl3pPr marL="777240" indent="0">
+              <a:buNone/>
+              <a:defRPr sz="1530" b="1"/>
             </a:lvl3pPr>
-            <a:lvl4pPr marL="1325926" indent="0">
-              <a:buNone/>
-              <a:defRPr sz="1547" b="1"/>
+            <a:lvl4pPr marL="1165860" indent="0">
+              <a:buNone/>
+              <a:defRPr sz="1360" b="1"/>
             </a:lvl4pPr>
-            <a:lvl5pPr marL="1767901" indent="0">
-              <a:buNone/>
-              <a:defRPr sz="1547" b="1"/>
+            <a:lvl5pPr marL="1554480" indent="0">
+              <a:buNone/>
+              <a:defRPr sz="1360" b="1"/>
             </a:lvl5pPr>
-            <a:lvl6pPr marL="2209876" indent="0">
-              <a:buNone/>
-              <a:defRPr sz="1547" b="1"/>
+            <a:lvl6pPr marL="1943100" indent="0">
+              <a:buNone/>
+              <a:defRPr sz="1360" b="1"/>
             </a:lvl6pPr>
-            <a:lvl7pPr marL="2651851" indent="0">
-              <a:buNone/>
-              <a:defRPr sz="1547" b="1"/>
+            <a:lvl7pPr marL="2331720" indent="0">
+              <a:buNone/>
+              <a:defRPr sz="1360" b="1"/>
             </a:lvl7pPr>
-            <a:lvl8pPr marL="3093827" indent="0">
-              <a:buNone/>
-              <a:defRPr sz="1547" b="1"/>
+            <a:lvl8pPr marL="2720340" indent="0">
+              <a:buNone/>
+              <a:defRPr sz="1360" b="1"/>
             </a:lvl8pPr>
-            <a:lvl9pPr marL="3535802" indent="0">
-              <a:buNone/>
-              <a:defRPr sz="1547" b="1"/>
+            <a:lvl9pPr marL="3108960" indent="0">
+              <a:buNone/>
+              <a:defRPr sz="1360" b="1"/>
             </a:lvl9pPr>
           </a:lstStyle>
           <a:p>
@@ -1541,8 +1980,8 @@
         </p:nvSpPr>
         <p:spPr>
           <a:xfrm>
-            <a:off x="6172200" y="2421573"/>
-            <a:ext cx="5183188" cy="3561768"/>
+            <a:off x="3934778" y="2672080"/>
+            <a:ext cx="3304282" cy="3930227"/>
           </a:xfrm>
         </p:spPr>
         <p:txBody>
@@ -1601,9 +2040,9 @@
           <a:bodyPr/>
           <a:lstStyle/>
           <a:p>
-            <a:fld id="{58749126-4A29-7841-A2CD-BCBFE668F1B2}" type="datetimeFigureOut">
+            <a:fld id="{3797E91C-AF42-4F44-8ED6-C8D3580D5FBB}" type="datetimeFigureOut">
               <a:rPr lang="en-US" smtClean="0"/>
-              <a:t>9/30/20</a:t>
+              <a:t>10/9/20</a:t>
             </a:fld>
             <a:endParaRPr lang="en-US"/>
           </a:p>
@@ -1643,7 +2082,7 @@
           <a:bodyPr/>
           <a:lstStyle/>
           <a:p>
-            <a:fld id="{7B5027D2-4F26-8245-9719-1C4CDD60CB74}" type="slidenum">
+            <a:fld id="{B2FBE83E-1BC5-F642-9D68-9BF3B455B72C}" type="slidenum">
               <a:rPr lang="en-US" smtClean="0"/>
               <a:t>‹#›</a:t>
             </a:fld>
@@ -1654,7 +2093,7 @@
     </p:spTree>
     <p:extLst>
       <p:ext uri="{BB962C8B-B14F-4D97-AF65-F5344CB8AC3E}">
-        <p14:creationId xmlns:p14="http://schemas.microsoft.com/office/powerpoint/2010/main" val="1384143006"/>
+        <p14:creationId xmlns:p14="http://schemas.microsoft.com/office/powerpoint/2010/main" val="959469335"/>
       </p:ext>
     </p:extLst>
   </p:cSld>
@@ -1719,9 +2158,9 @@
           <a:bodyPr/>
           <a:lstStyle/>
           <a:p>
-            <a:fld id="{58749126-4A29-7841-A2CD-BCBFE668F1B2}" type="datetimeFigureOut">
+            <a:fld id="{3797E91C-AF42-4F44-8ED6-C8D3580D5FBB}" type="datetimeFigureOut">
               <a:rPr lang="en-US" smtClean="0"/>
-              <a:t>9/30/20</a:t>
+              <a:t>10/9/20</a:t>
             </a:fld>
             <a:endParaRPr lang="en-US"/>
           </a:p>
@@ -1761,7 +2200,7 @@
           <a:bodyPr/>
           <a:lstStyle/>
           <a:p>
-            <a:fld id="{7B5027D2-4F26-8245-9719-1C4CDD60CB74}" type="slidenum">
+            <a:fld id="{B2FBE83E-1BC5-F642-9D68-9BF3B455B72C}" type="slidenum">
               <a:rPr lang="en-US" smtClean="0"/>
               <a:t>‹#›</a:t>
             </a:fld>
@@ -1772,7 +2211,7 @@
     </p:spTree>
     <p:extLst>
       <p:ext uri="{BB962C8B-B14F-4D97-AF65-F5344CB8AC3E}">
-        <p14:creationId xmlns:p14="http://schemas.microsoft.com/office/powerpoint/2010/main" val="1607604892"/>
+        <p14:creationId xmlns:p14="http://schemas.microsoft.com/office/powerpoint/2010/main" val="971118471"/>
       </p:ext>
     </p:extLst>
   </p:cSld>
@@ -1814,9 +2253,9 @@
           <a:bodyPr/>
           <a:lstStyle/>
           <a:p>
-            <a:fld id="{58749126-4A29-7841-A2CD-BCBFE668F1B2}" type="datetimeFigureOut">
+            <a:fld id="{3797E91C-AF42-4F44-8ED6-C8D3580D5FBB}" type="datetimeFigureOut">
               <a:rPr lang="en-US" smtClean="0"/>
-              <a:t>9/30/20</a:t>
+              <a:t>10/9/20</a:t>
             </a:fld>
             <a:endParaRPr lang="en-US"/>
           </a:p>
@@ -1856,7 +2295,7 @@
           <a:bodyPr/>
           <a:lstStyle/>
           <a:p>
-            <a:fld id="{7B5027D2-4F26-8245-9719-1C4CDD60CB74}" type="slidenum">
+            <a:fld id="{B2FBE83E-1BC5-F642-9D68-9BF3B455B72C}" type="slidenum">
               <a:rPr lang="en-US" smtClean="0"/>
               <a:t>‹#›</a:t>
             </a:fld>
@@ -1867,7 +2306,7 @@
     </p:spTree>
     <p:extLst>
       <p:ext uri="{BB962C8B-B14F-4D97-AF65-F5344CB8AC3E}">
-        <p14:creationId xmlns:p14="http://schemas.microsoft.com/office/powerpoint/2010/main" val="4222784569"/>
+        <p14:creationId xmlns:p14="http://schemas.microsoft.com/office/powerpoint/2010/main" val="2319531923"/>
       </p:ext>
     </p:extLst>
   </p:cSld>
@@ -1906,15 +2345,15 @@
         </p:nvSpPr>
         <p:spPr>
           <a:xfrm>
-            <a:off x="839789" y="441960"/>
-            <a:ext cx="3932237" cy="1546860"/>
+            <a:off x="535365" y="487680"/>
+            <a:ext cx="2506801" cy="1706880"/>
           </a:xfrm>
         </p:spPr>
         <p:txBody>
           <a:bodyPr anchor="b"/>
           <a:lstStyle>
             <a:lvl1pPr>
-              <a:defRPr sz="3093"/>
+              <a:defRPr sz="2720"/>
             </a:lvl1pPr>
           </a:lstStyle>
           <a:p>
@@ -1938,39 +2377,39 @@
         </p:nvSpPr>
         <p:spPr>
           <a:xfrm>
-            <a:off x="5183188" y="954511"/>
-            <a:ext cx="6172200" cy="4711171"/>
+            <a:off x="3304282" y="1053255"/>
+            <a:ext cx="3934778" cy="5198533"/>
           </a:xfrm>
         </p:spPr>
         <p:txBody>
           <a:bodyPr/>
           <a:lstStyle>
             <a:lvl1pPr>
-              <a:defRPr sz="3093"/>
+              <a:defRPr sz="2720"/>
             </a:lvl1pPr>
             <a:lvl2pPr>
-              <a:defRPr sz="2707"/>
+              <a:defRPr sz="2380"/>
             </a:lvl2pPr>
             <a:lvl3pPr>
-              <a:defRPr sz="2320"/>
+              <a:defRPr sz="2040"/>
             </a:lvl3pPr>
             <a:lvl4pPr>
-              <a:defRPr sz="1933"/>
+              <a:defRPr sz="1700"/>
             </a:lvl4pPr>
             <a:lvl5pPr>
-              <a:defRPr sz="1933"/>
+              <a:defRPr sz="1700"/>
             </a:lvl5pPr>
             <a:lvl6pPr>
-              <a:defRPr sz="1933"/>
+              <a:defRPr sz="1700"/>
             </a:lvl6pPr>
             <a:lvl7pPr>
-              <a:defRPr sz="1933"/>
+              <a:defRPr sz="1700"/>
             </a:lvl7pPr>
             <a:lvl8pPr>
-              <a:defRPr sz="1933"/>
+              <a:defRPr sz="1700"/>
             </a:lvl8pPr>
             <a:lvl9pPr>
-              <a:defRPr sz="1933"/>
+              <a:defRPr sz="1700"/>
             </a:lvl9pPr>
           </a:lstStyle>
           <a:p>
@@ -2023,8 +2462,8 @@
         </p:nvSpPr>
         <p:spPr>
           <a:xfrm>
-            <a:off x="839789" y="1988820"/>
-            <a:ext cx="3932237" cy="3684535"/>
+            <a:off x="535365" y="2194560"/>
+            <a:ext cx="2506801" cy="4065694"/>
           </a:xfrm>
         </p:spPr>
         <p:txBody>
@@ -2032,39 +2471,39 @@
           <a:lstStyle>
             <a:lvl1pPr marL="0" indent="0">
               <a:buNone/>
-              <a:defRPr sz="1547"/>
+              <a:defRPr sz="1360"/>
             </a:lvl1pPr>
-            <a:lvl2pPr marL="441975" indent="0">
-              <a:buNone/>
-              <a:defRPr sz="1353"/>
+            <a:lvl2pPr marL="388620" indent="0">
+              <a:buNone/>
+              <a:defRPr sz="1190"/>
             </a:lvl2pPr>
-            <a:lvl3pPr marL="883950" indent="0">
-              <a:buNone/>
-              <a:defRPr sz="1160"/>
+            <a:lvl3pPr marL="777240" indent="0">
+              <a:buNone/>
+              <a:defRPr sz="1020"/>
             </a:lvl3pPr>
-            <a:lvl4pPr marL="1325926" indent="0">
-              <a:buNone/>
-              <a:defRPr sz="967"/>
+            <a:lvl4pPr marL="1165860" indent="0">
+              <a:buNone/>
+              <a:defRPr sz="850"/>
             </a:lvl4pPr>
-            <a:lvl5pPr marL="1767901" indent="0">
-              <a:buNone/>
-              <a:defRPr sz="967"/>
+            <a:lvl5pPr marL="1554480" indent="0">
+              <a:buNone/>
+              <a:defRPr sz="850"/>
             </a:lvl5pPr>
-            <a:lvl6pPr marL="2209876" indent="0">
-              <a:buNone/>
-              <a:defRPr sz="967"/>
+            <a:lvl6pPr marL="1943100" indent="0">
+              <a:buNone/>
+              <a:defRPr sz="850"/>
             </a:lvl6pPr>
-            <a:lvl7pPr marL="2651851" indent="0">
-              <a:buNone/>
-              <a:defRPr sz="967"/>
+            <a:lvl7pPr marL="2331720" indent="0">
+              <a:buNone/>
+              <a:defRPr sz="850"/>
             </a:lvl7pPr>
-            <a:lvl8pPr marL="3093827" indent="0">
-              <a:buNone/>
-              <a:defRPr sz="967"/>
+            <a:lvl8pPr marL="2720340" indent="0">
+              <a:buNone/>
+              <a:defRPr sz="850"/>
             </a:lvl8pPr>
-            <a:lvl9pPr marL="3535802" indent="0">
-              <a:buNone/>
-              <a:defRPr sz="967"/>
+            <a:lvl9pPr marL="3108960" indent="0">
+              <a:buNone/>
+              <a:defRPr sz="850"/>
             </a:lvl9pPr>
           </a:lstStyle>
           <a:p>
@@ -2091,9 +2530,9 @@
           <a:bodyPr/>
           <a:lstStyle/>
           <a:p>
-            <a:fld id="{58749126-4A29-7841-A2CD-BCBFE668F1B2}" type="datetimeFigureOut">
+            <a:fld id="{3797E91C-AF42-4F44-8ED6-C8D3580D5FBB}" type="datetimeFigureOut">
               <a:rPr lang="en-US" smtClean="0"/>
-              <a:t>9/30/20</a:t>
+              <a:t>10/9/20</a:t>
             </a:fld>
             <a:endParaRPr lang="en-US"/>
           </a:p>
@@ -2133,7 +2572,7 @@
           <a:bodyPr/>
           <a:lstStyle/>
           <a:p>
-            <a:fld id="{7B5027D2-4F26-8245-9719-1C4CDD60CB74}" type="slidenum">
+            <a:fld id="{B2FBE83E-1BC5-F642-9D68-9BF3B455B72C}" type="slidenum">
               <a:rPr lang="en-US" smtClean="0"/>
               <a:t>‹#›</a:t>
             </a:fld>
@@ -2144,7 +2583,7 @@
     </p:spTree>
     <p:extLst>
       <p:ext uri="{BB962C8B-B14F-4D97-AF65-F5344CB8AC3E}">
-        <p14:creationId xmlns:p14="http://schemas.microsoft.com/office/powerpoint/2010/main" val="122878214"/>
+        <p14:creationId xmlns:p14="http://schemas.microsoft.com/office/powerpoint/2010/main" val="431159289"/>
       </p:ext>
     </p:extLst>
   </p:cSld>
@@ -2183,15 +2622,15 @@
         </p:nvSpPr>
         <p:spPr>
           <a:xfrm>
-            <a:off x="839789" y="441960"/>
-            <a:ext cx="3932237" cy="1546860"/>
+            <a:off x="535365" y="487680"/>
+            <a:ext cx="2506801" cy="1706880"/>
           </a:xfrm>
         </p:spPr>
         <p:txBody>
           <a:bodyPr anchor="b"/>
           <a:lstStyle>
             <a:lvl1pPr>
-              <a:defRPr sz="3093"/>
+              <a:defRPr sz="2720"/>
             </a:lvl1pPr>
           </a:lstStyle>
           <a:p>
@@ -2215,8 +2654,8 @@
         </p:nvSpPr>
         <p:spPr>
           <a:xfrm>
-            <a:off x="5183188" y="954511"/>
-            <a:ext cx="6172200" cy="4711171"/>
+            <a:off x="3304282" y="1053255"/>
+            <a:ext cx="3934778" cy="5198533"/>
           </a:xfrm>
         </p:spPr>
         <p:txBody>
@@ -2224,39 +2663,39 @@
           <a:lstStyle>
             <a:lvl1pPr marL="0" indent="0">
               <a:buNone/>
-              <a:defRPr sz="3093"/>
+              <a:defRPr sz="2720"/>
             </a:lvl1pPr>
-            <a:lvl2pPr marL="441975" indent="0">
-              <a:buNone/>
-              <a:defRPr sz="2707"/>
+            <a:lvl2pPr marL="388620" indent="0">
+              <a:buNone/>
+              <a:defRPr sz="2380"/>
             </a:lvl2pPr>
-            <a:lvl3pPr marL="883950" indent="0">
-              <a:buNone/>
-              <a:defRPr sz="2320"/>
+            <a:lvl3pPr marL="777240" indent="0">
+              <a:buNone/>
+              <a:defRPr sz="2040"/>
             </a:lvl3pPr>
-            <a:lvl4pPr marL="1325926" indent="0">
-              <a:buNone/>
-              <a:defRPr sz="1933"/>
+            <a:lvl4pPr marL="1165860" indent="0">
+              <a:buNone/>
+              <a:defRPr sz="1700"/>
             </a:lvl4pPr>
-            <a:lvl5pPr marL="1767901" indent="0">
-              <a:buNone/>
-              <a:defRPr sz="1933"/>
+            <a:lvl5pPr marL="1554480" indent="0">
+              <a:buNone/>
+              <a:defRPr sz="1700"/>
             </a:lvl5pPr>
-            <a:lvl6pPr marL="2209876" indent="0">
-              <a:buNone/>
-              <a:defRPr sz="1933"/>
+            <a:lvl6pPr marL="1943100" indent="0">
+              <a:buNone/>
+              <a:defRPr sz="1700"/>
             </a:lvl6pPr>
-            <a:lvl7pPr marL="2651851" indent="0">
-              <a:buNone/>
-              <a:defRPr sz="1933"/>
+            <a:lvl7pPr marL="2331720" indent="0">
+              <a:buNone/>
+              <a:defRPr sz="1700"/>
             </a:lvl7pPr>
-            <a:lvl8pPr marL="3093827" indent="0">
-              <a:buNone/>
-              <a:defRPr sz="1933"/>
+            <a:lvl8pPr marL="2720340" indent="0">
+              <a:buNone/>
+              <a:defRPr sz="1700"/>
             </a:lvl8pPr>
-            <a:lvl9pPr marL="3535802" indent="0">
-              <a:buNone/>
-              <a:defRPr sz="1933"/>
+            <a:lvl9pPr marL="3108960" indent="0">
+              <a:buNone/>
+              <a:defRPr sz="1700"/>
             </a:lvl9pPr>
           </a:lstStyle>
           <a:p>
@@ -2280,8 +2719,8 @@
         </p:nvSpPr>
         <p:spPr>
           <a:xfrm>
-            <a:off x="839789" y="1988820"/>
-            <a:ext cx="3932237" cy="3684535"/>
+            <a:off x="535365" y="2194560"/>
+            <a:ext cx="2506801" cy="4065694"/>
           </a:xfrm>
         </p:spPr>
         <p:txBody>
@@ -2289,39 +2728,39 @@
           <a:lstStyle>
             <a:lvl1pPr marL="0" indent="0">
               <a:buNone/>
-              <a:defRPr sz="1547"/>
+              <a:defRPr sz="1360"/>
             </a:lvl1pPr>
-            <a:lvl2pPr marL="441975" indent="0">
-              <a:buNone/>
-              <a:defRPr sz="1353"/>
+            <a:lvl2pPr marL="388620" indent="0">
+              <a:buNone/>
+              <a:defRPr sz="1190"/>
             </a:lvl2pPr>
-            <a:lvl3pPr marL="883950" indent="0">
-              <a:buNone/>
-              <a:defRPr sz="1160"/>
+            <a:lvl3pPr marL="777240" indent="0">
+              <a:buNone/>
+              <a:defRPr sz="1020"/>
             </a:lvl3pPr>
-            <a:lvl4pPr marL="1325926" indent="0">
-              <a:buNone/>
-              <a:defRPr sz="967"/>
+            <a:lvl4pPr marL="1165860" indent="0">
+              <a:buNone/>
+              <a:defRPr sz="850"/>
             </a:lvl4pPr>
-            <a:lvl5pPr marL="1767901" indent="0">
-              <a:buNone/>
-              <a:defRPr sz="967"/>
+            <a:lvl5pPr marL="1554480" indent="0">
+              <a:buNone/>
+              <a:defRPr sz="850"/>
             </a:lvl5pPr>
-            <a:lvl6pPr marL="2209876" indent="0">
-              <a:buNone/>
-              <a:defRPr sz="967"/>
+            <a:lvl6pPr marL="1943100" indent="0">
+              <a:buNone/>
+              <a:defRPr sz="850"/>
             </a:lvl6pPr>
-            <a:lvl7pPr marL="2651851" indent="0">
-              <a:buNone/>
-              <a:defRPr sz="967"/>
+            <a:lvl7pPr marL="2331720" indent="0">
+              <a:buNone/>
+              <a:defRPr sz="850"/>
             </a:lvl7pPr>
-            <a:lvl8pPr marL="3093827" indent="0">
-              <a:buNone/>
-              <a:defRPr sz="967"/>
+            <a:lvl8pPr marL="2720340" indent="0">
+              <a:buNone/>
+              <a:defRPr sz="850"/>
             </a:lvl8pPr>
-            <a:lvl9pPr marL="3535802" indent="0">
-              <a:buNone/>
-              <a:defRPr sz="967"/>
+            <a:lvl9pPr marL="3108960" indent="0">
+              <a:buNone/>
+              <a:defRPr sz="850"/>
             </a:lvl9pPr>
           </a:lstStyle>
           <a:p>
@@ -2348,9 +2787,9 @@
           <a:bodyPr/>
           <a:lstStyle/>
           <a:p>
-            <a:fld id="{58749126-4A29-7841-A2CD-BCBFE668F1B2}" type="datetimeFigureOut">
+            <a:fld id="{3797E91C-AF42-4F44-8ED6-C8D3580D5FBB}" type="datetimeFigureOut">
               <a:rPr lang="en-US" smtClean="0"/>
-              <a:t>9/30/20</a:t>
+              <a:t>10/9/20</a:t>
             </a:fld>
             <a:endParaRPr lang="en-US"/>
           </a:p>
@@ -2390,7 +2829,7 @@
           <a:bodyPr/>
           <a:lstStyle/>
           <a:p>
-            <a:fld id="{7B5027D2-4F26-8245-9719-1C4CDD60CB74}" type="slidenum">
+            <a:fld id="{B2FBE83E-1BC5-F642-9D68-9BF3B455B72C}" type="slidenum">
               <a:rPr lang="en-US" smtClean="0"/>
               <a:t>‹#›</a:t>
             </a:fld>
@@ -2401,7 +2840,7 @@
     </p:spTree>
     <p:extLst>
       <p:ext uri="{BB962C8B-B14F-4D97-AF65-F5344CB8AC3E}">
-        <p14:creationId xmlns:p14="http://schemas.microsoft.com/office/powerpoint/2010/main" val="1588334397"/>
+        <p14:creationId xmlns:p14="http://schemas.microsoft.com/office/powerpoint/2010/main" val="892201670"/>
       </p:ext>
     </p:extLst>
   </p:cSld>
@@ -2445,8 +2884,8 @@
         </p:nvSpPr>
         <p:spPr>
           <a:xfrm>
-            <a:off x="838200" y="352954"/>
-            <a:ext cx="10515600" cy="1281378"/>
+            <a:off x="534353" y="389468"/>
+            <a:ext cx="6703695" cy="1413934"/>
           </a:xfrm>
           <a:prstGeom prst="rect">
             <a:avLst/>
@@ -2478,8 +2917,8 @@
         </p:nvSpPr>
         <p:spPr>
           <a:xfrm>
-            <a:off x="838200" y="1764771"/>
-            <a:ext cx="10515600" cy="4206293"/>
+            <a:off x="534353" y="1947333"/>
+            <a:ext cx="6703695" cy="4641427"/>
           </a:xfrm>
           <a:prstGeom prst="rect">
             <a:avLst/>
@@ -2540,8 +2979,8 @@
         </p:nvSpPr>
         <p:spPr>
           <a:xfrm>
-            <a:off x="838200" y="6144472"/>
-            <a:ext cx="2743200" cy="352954"/>
+            <a:off x="534353" y="6780108"/>
+            <a:ext cx="1748790" cy="389467"/>
           </a:xfrm>
           <a:prstGeom prst="rect">
             <a:avLst/>
@@ -2551,7 +2990,7 @@
           <a:bodyPr vert="horz" lIns="91440" tIns="45720" rIns="91440" bIns="45720" rtlCol="0" anchor="ctr"/>
           <a:lstStyle>
             <a:lvl1pPr algn="l">
-              <a:defRPr sz="1160">
+              <a:defRPr sz="1020">
                 <a:solidFill>
                   <a:schemeClr val="tx1">
                     <a:tint val="75000"/>
@@ -2561,9 +3000,9 @@
             </a:lvl1pPr>
           </a:lstStyle>
           <a:p>
-            <a:fld id="{58749126-4A29-7841-A2CD-BCBFE668F1B2}" type="datetimeFigureOut">
+            <a:fld id="{3797E91C-AF42-4F44-8ED6-C8D3580D5FBB}" type="datetimeFigureOut">
               <a:rPr lang="en-US" smtClean="0"/>
-              <a:t>9/30/20</a:t>
+              <a:t>10/9/20</a:t>
             </a:fld>
             <a:endParaRPr lang="en-US"/>
           </a:p>
@@ -2581,8 +3020,8 @@
         </p:nvSpPr>
         <p:spPr>
           <a:xfrm>
-            <a:off x="4038600" y="6144472"/>
-            <a:ext cx="4114800" cy="352954"/>
+            <a:off x="2574608" y="6780108"/>
+            <a:ext cx="2623185" cy="389467"/>
           </a:xfrm>
           <a:prstGeom prst="rect">
             <a:avLst/>
@@ -2592,7 +3031,7 @@
           <a:bodyPr vert="horz" lIns="91440" tIns="45720" rIns="91440" bIns="45720" rtlCol="0" anchor="ctr"/>
           <a:lstStyle>
             <a:lvl1pPr algn="ctr">
-              <a:defRPr sz="1160">
+              <a:defRPr sz="1020">
                 <a:solidFill>
                   <a:schemeClr val="tx1">
                     <a:tint val="75000"/>
@@ -2618,8 +3057,8 @@
         </p:nvSpPr>
         <p:spPr>
           <a:xfrm>
-            <a:off x="8610600" y="6144472"/>
-            <a:ext cx="2743200" cy="352954"/>
+            <a:off x="5489258" y="6780108"/>
+            <a:ext cx="1748790" cy="389467"/>
           </a:xfrm>
           <a:prstGeom prst="rect">
             <a:avLst/>
@@ -2629,7 +3068,7 @@
           <a:bodyPr vert="horz" lIns="91440" tIns="45720" rIns="91440" bIns="45720" rtlCol="0" anchor="ctr"/>
           <a:lstStyle>
             <a:lvl1pPr algn="r">
-              <a:defRPr sz="1160">
+              <a:defRPr sz="1020">
                 <a:solidFill>
                   <a:schemeClr val="tx1">
                     <a:tint val="75000"/>
@@ -2639,7 +3078,7 @@
             </a:lvl1pPr>
           </a:lstStyle>
           <a:p>
-            <a:fld id="{7B5027D2-4F26-8245-9719-1C4CDD60CB74}" type="slidenum">
+            <a:fld id="{B2FBE83E-1BC5-F642-9D68-9BF3B455B72C}" type="slidenum">
               <a:rPr lang="en-US" smtClean="0"/>
               <a:t>‹#›</a:t>
             </a:fld>
@@ -2650,27 +3089,27 @@
     </p:spTree>
     <p:extLst>
       <p:ext uri="{BB962C8B-B14F-4D97-AF65-F5344CB8AC3E}">
-        <p14:creationId xmlns:p14="http://schemas.microsoft.com/office/powerpoint/2010/main" val="3190230614"/>
+        <p14:creationId xmlns:p14="http://schemas.microsoft.com/office/powerpoint/2010/main" val="3914865587"/>
       </p:ext>
     </p:extLst>
   </p:cSld>
   <p:clrMap bg1="lt1" tx1="dk1" bg2="lt2" tx2="dk2" accent1="accent1" accent2="accent2" accent3="accent3" accent4="accent4" accent5="accent5" accent6="accent6" hlink="hlink" folHlink="folHlink"/>
   <p:sldLayoutIdLst>
-    <p:sldLayoutId id="2147483661" r:id="rId1"/>
-    <p:sldLayoutId id="2147483662" r:id="rId2"/>
-    <p:sldLayoutId id="2147483663" r:id="rId3"/>
-    <p:sldLayoutId id="2147483664" r:id="rId4"/>
-    <p:sldLayoutId id="2147483665" r:id="rId5"/>
-    <p:sldLayoutId id="2147483666" r:id="rId6"/>
-    <p:sldLayoutId id="2147483667" r:id="rId7"/>
-    <p:sldLayoutId id="2147483668" r:id="rId8"/>
-    <p:sldLayoutId id="2147483669" r:id="rId9"/>
-    <p:sldLayoutId id="2147483670" r:id="rId10"/>
-    <p:sldLayoutId id="2147483671" r:id="rId11"/>
+    <p:sldLayoutId id="2147483697" r:id="rId1"/>
+    <p:sldLayoutId id="2147483698" r:id="rId2"/>
+    <p:sldLayoutId id="2147483699" r:id="rId3"/>
+    <p:sldLayoutId id="2147483700" r:id="rId4"/>
+    <p:sldLayoutId id="2147483701" r:id="rId5"/>
+    <p:sldLayoutId id="2147483702" r:id="rId6"/>
+    <p:sldLayoutId id="2147483703" r:id="rId7"/>
+    <p:sldLayoutId id="2147483704" r:id="rId8"/>
+    <p:sldLayoutId id="2147483705" r:id="rId9"/>
+    <p:sldLayoutId id="2147483706" r:id="rId10"/>
+    <p:sldLayoutId id="2147483707" r:id="rId11"/>
   </p:sldLayoutIdLst>
   <p:txStyles>
     <p:titleStyle>
-      <a:lvl1pPr algn="l" defTabSz="883950" rtl="0" eaLnBrk="1" latinLnBrk="0" hangingPunct="1">
+      <a:lvl1pPr algn="l" defTabSz="777240" rtl="0" eaLnBrk="1" latinLnBrk="0" hangingPunct="1">
         <a:lnSpc>
           <a:spcPct val="90000"/>
         </a:lnSpc>
@@ -2678,7 +3117,7 @@
           <a:spcPct val="0"/>
         </a:spcBef>
         <a:buNone/>
-        <a:defRPr sz="4253" kern="1200">
+        <a:defRPr sz="3740" kern="1200">
           <a:solidFill>
             <a:schemeClr val="tx1"/>
           </a:solidFill>
@@ -2689,16 +3128,16 @@
       </a:lvl1pPr>
     </p:titleStyle>
     <p:bodyStyle>
-      <a:lvl1pPr marL="220988" indent="-220988" algn="l" defTabSz="883950" rtl="0" eaLnBrk="1" latinLnBrk="0" hangingPunct="1">
+      <a:lvl1pPr marL="194310" indent="-194310" algn="l" defTabSz="777240" rtl="0" eaLnBrk="1" latinLnBrk="0" hangingPunct="1">
         <a:lnSpc>
           <a:spcPct val="90000"/>
         </a:lnSpc>
         <a:spcBef>
-          <a:spcPts val="967"/>
+          <a:spcPts val="850"/>
         </a:spcBef>
         <a:buFont typeface="Arial" panose="020B0604020202020204" pitchFamily="34" charset="0"/>
         <a:buChar char="•"/>
-        <a:defRPr sz="2707" kern="1200">
+        <a:defRPr sz="2380" kern="1200">
           <a:solidFill>
             <a:schemeClr val="tx1"/>
           </a:solidFill>
@@ -2707,16 +3146,16 @@
           <a:cs typeface="+mn-cs"/>
         </a:defRPr>
       </a:lvl1pPr>
-      <a:lvl2pPr marL="662963" indent="-220988" algn="l" defTabSz="883950" rtl="0" eaLnBrk="1" latinLnBrk="0" hangingPunct="1">
+      <a:lvl2pPr marL="582930" indent="-194310" algn="l" defTabSz="777240" rtl="0" eaLnBrk="1" latinLnBrk="0" hangingPunct="1">
         <a:lnSpc>
           <a:spcPct val="90000"/>
         </a:lnSpc>
         <a:spcBef>
-          <a:spcPts val="483"/>
+          <a:spcPts val="425"/>
         </a:spcBef>
         <a:buFont typeface="Arial" panose="020B0604020202020204" pitchFamily="34" charset="0"/>
         <a:buChar char="•"/>
-        <a:defRPr sz="2320" kern="1200">
+        <a:defRPr sz="2040" kern="1200">
           <a:solidFill>
             <a:schemeClr val="tx1"/>
           </a:solidFill>
@@ -2725,16 +3164,16 @@
           <a:cs typeface="+mn-cs"/>
         </a:defRPr>
       </a:lvl2pPr>
-      <a:lvl3pPr marL="1104938" indent="-220988" algn="l" defTabSz="883950" rtl="0" eaLnBrk="1" latinLnBrk="0" hangingPunct="1">
+      <a:lvl3pPr marL="971550" indent="-194310" algn="l" defTabSz="777240" rtl="0" eaLnBrk="1" latinLnBrk="0" hangingPunct="1">
         <a:lnSpc>
           <a:spcPct val="90000"/>
         </a:lnSpc>
         <a:spcBef>
-          <a:spcPts val="483"/>
+          <a:spcPts val="425"/>
         </a:spcBef>
         <a:buFont typeface="Arial" panose="020B0604020202020204" pitchFamily="34" charset="0"/>
         <a:buChar char="•"/>
-        <a:defRPr sz="1933" kern="1200">
+        <a:defRPr sz="1700" kern="1200">
           <a:solidFill>
             <a:schemeClr val="tx1"/>
           </a:solidFill>
@@ -2743,16 +3182,16 @@
           <a:cs typeface="+mn-cs"/>
         </a:defRPr>
       </a:lvl3pPr>
-      <a:lvl4pPr marL="1546913" indent="-220988" algn="l" defTabSz="883950" rtl="0" eaLnBrk="1" latinLnBrk="0" hangingPunct="1">
+      <a:lvl4pPr marL="1360170" indent="-194310" algn="l" defTabSz="777240" rtl="0" eaLnBrk="1" latinLnBrk="0" hangingPunct="1">
         <a:lnSpc>
           <a:spcPct val="90000"/>
         </a:lnSpc>
         <a:spcBef>
-          <a:spcPts val="483"/>
+          <a:spcPts val="425"/>
         </a:spcBef>
         <a:buFont typeface="Arial" panose="020B0604020202020204" pitchFamily="34" charset="0"/>
         <a:buChar char="•"/>
-        <a:defRPr sz="1740" kern="1200">
+        <a:defRPr sz="1530" kern="1200">
           <a:solidFill>
             <a:schemeClr val="tx1"/>
           </a:solidFill>
@@ -2761,16 +3200,16 @@
           <a:cs typeface="+mn-cs"/>
         </a:defRPr>
       </a:lvl4pPr>
-      <a:lvl5pPr marL="1988889" indent="-220988" algn="l" defTabSz="883950" rtl="0" eaLnBrk="1" latinLnBrk="0" hangingPunct="1">
+      <a:lvl5pPr marL="1748790" indent="-194310" algn="l" defTabSz="777240" rtl="0" eaLnBrk="1" latinLnBrk="0" hangingPunct="1">
         <a:lnSpc>
           <a:spcPct val="90000"/>
         </a:lnSpc>
         <a:spcBef>
-          <a:spcPts val="483"/>
+          <a:spcPts val="425"/>
         </a:spcBef>
         <a:buFont typeface="Arial" panose="020B0604020202020204" pitchFamily="34" charset="0"/>
         <a:buChar char="•"/>
-        <a:defRPr sz="1740" kern="1200">
+        <a:defRPr sz="1530" kern="1200">
           <a:solidFill>
             <a:schemeClr val="tx1"/>
           </a:solidFill>
@@ -2779,16 +3218,16 @@
           <a:cs typeface="+mn-cs"/>
         </a:defRPr>
       </a:lvl5pPr>
-      <a:lvl6pPr marL="2430864" indent="-220988" algn="l" defTabSz="883950" rtl="0" eaLnBrk="1" latinLnBrk="0" hangingPunct="1">
+      <a:lvl6pPr marL="2137410" indent="-194310" algn="l" defTabSz="777240" rtl="0" eaLnBrk="1" latinLnBrk="0" hangingPunct="1">
         <a:lnSpc>
           <a:spcPct val="90000"/>
         </a:lnSpc>
         <a:spcBef>
-          <a:spcPts val="483"/>
+          <a:spcPts val="425"/>
         </a:spcBef>
         <a:buFont typeface="Arial" panose="020B0604020202020204" pitchFamily="34" charset="0"/>
         <a:buChar char="•"/>
-        <a:defRPr sz="1740" kern="1200">
+        <a:defRPr sz="1530" kern="1200">
           <a:solidFill>
             <a:schemeClr val="tx1"/>
           </a:solidFill>
@@ -2797,16 +3236,16 @@
           <a:cs typeface="+mn-cs"/>
         </a:defRPr>
       </a:lvl6pPr>
-      <a:lvl7pPr marL="2872839" indent="-220988" algn="l" defTabSz="883950" rtl="0" eaLnBrk="1" latinLnBrk="0" hangingPunct="1">
+      <a:lvl7pPr marL="2526030" indent="-194310" algn="l" defTabSz="777240" rtl="0" eaLnBrk="1" latinLnBrk="0" hangingPunct="1">
         <a:lnSpc>
           <a:spcPct val="90000"/>
         </a:lnSpc>
         <a:spcBef>
-          <a:spcPts val="483"/>
+          <a:spcPts val="425"/>
         </a:spcBef>
         <a:buFont typeface="Arial" panose="020B0604020202020204" pitchFamily="34" charset="0"/>
         <a:buChar char="•"/>
-        <a:defRPr sz="1740" kern="1200">
+        <a:defRPr sz="1530" kern="1200">
           <a:solidFill>
             <a:schemeClr val="tx1"/>
           </a:solidFill>
@@ -2815,16 +3254,16 @@
           <a:cs typeface="+mn-cs"/>
         </a:defRPr>
       </a:lvl7pPr>
-      <a:lvl8pPr marL="3314814" indent="-220988" algn="l" defTabSz="883950" rtl="0" eaLnBrk="1" latinLnBrk="0" hangingPunct="1">
+      <a:lvl8pPr marL="2914650" indent="-194310" algn="l" defTabSz="777240" rtl="0" eaLnBrk="1" latinLnBrk="0" hangingPunct="1">
         <a:lnSpc>
           <a:spcPct val="90000"/>
         </a:lnSpc>
         <a:spcBef>
-          <a:spcPts val="483"/>
+          <a:spcPts val="425"/>
         </a:spcBef>
         <a:buFont typeface="Arial" panose="020B0604020202020204" pitchFamily="34" charset="0"/>
         <a:buChar char="•"/>
-        <a:defRPr sz="1740" kern="1200">
+        <a:defRPr sz="1530" kern="1200">
           <a:solidFill>
             <a:schemeClr val="tx1"/>
           </a:solidFill>
@@ -2833,16 +3272,16 @@
           <a:cs typeface="+mn-cs"/>
         </a:defRPr>
       </a:lvl8pPr>
-      <a:lvl9pPr marL="3756790" indent="-220988" algn="l" defTabSz="883950" rtl="0" eaLnBrk="1" latinLnBrk="0" hangingPunct="1">
+      <a:lvl9pPr marL="3303270" indent="-194310" algn="l" defTabSz="777240" rtl="0" eaLnBrk="1" latinLnBrk="0" hangingPunct="1">
         <a:lnSpc>
           <a:spcPct val="90000"/>
         </a:lnSpc>
         <a:spcBef>
-          <a:spcPts val="483"/>
+          <a:spcPts val="425"/>
         </a:spcBef>
         <a:buFont typeface="Arial" panose="020B0604020202020204" pitchFamily="34" charset="0"/>
         <a:buChar char="•"/>
-        <a:defRPr sz="1740" kern="1200">
+        <a:defRPr sz="1530" kern="1200">
           <a:solidFill>
             <a:schemeClr val="tx1"/>
           </a:solidFill>
@@ -2856,8 +3295,8 @@
       <a:defPPr>
         <a:defRPr lang="en-US"/>
       </a:defPPr>
-      <a:lvl1pPr marL="0" algn="l" defTabSz="883950" rtl="0" eaLnBrk="1" latinLnBrk="0" hangingPunct="1">
-        <a:defRPr sz="1740" kern="1200">
+      <a:lvl1pPr marL="0" algn="l" defTabSz="777240" rtl="0" eaLnBrk="1" latinLnBrk="0" hangingPunct="1">
+        <a:defRPr sz="1530" kern="1200">
           <a:solidFill>
             <a:schemeClr val="tx1"/>
           </a:solidFill>
@@ -2866,8 +3305,8 @@
           <a:cs typeface="+mn-cs"/>
         </a:defRPr>
       </a:lvl1pPr>
-      <a:lvl2pPr marL="441975" algn="l" defTabSz="883950" rtl="0" eaLnBrk="1" latinLnBrk="0" hangingPunct="1">
-        <a:defRPr sz="1740" kern="1200">
+      <a:lvl2pPr marL="388620" algn="l" defTabSz="777240" rtl="0" eaLnBrk="1" latinLnBrk="0" hangingPunct="1">
+        <a:defRPr sz="1530" kern="1200">
           <a:solidFill>
             <a:schemeClr val="tx1"/>
           </a:solidFill>
@@ -2876,8 +3315,8 @@
           <a:cs typeface="+mn-cs"/>
         </a:defRPr>
       </a:lvl2pPr>
-      <a:lvl3pPr marL="883950" algn="l" defTabSz="883950" rtl="0" eaLnBrk="1" latinLnBrk="0" hangingPunct="1">
-        <a:defRPr sz="1740" kern="1200">
+      <a:lvl3pPr marL="777240" algn="l" defTabSz="777240" rtl="0" eaLnBrk="1" latinLnBrk="0" hangingPunct="1">
+        <a:defRPr sz="1530" kern="1200">
           <a:solidFill>
             <a:schemeClr val="tx1"/>
           </a:solidFill>
@@ -2886,8 +3325,8 @@
           <a:cs typeface="+mn-cs"/>
         </a:defRPr>
       </a:lvl3pPr>
-      <a:lvl4pPr marL="1325926" algn="l" defTabSz="883950" rtl="0" eaLnBrk="1" latinLnBrk="0" hangingPunct="1">
-        <a:defRPr sz="1740" kern="1200">
+      <a:lvl4pPr marL="1165860" algn="l" defTabSz="777240" rtl="0" eaLnBrk="1" latinLnBrk="0" hangingPunct="1">
+        <a:defRPr sz="1530" kern="1200">
           <a:solidFill>
             <a:schemeClr val="tx1"/>
           </a:solidFill>
@@ -2896,8 +3335,8 @@
           <a:cs typeface="+mn-cs"/>
         </a:defRPr>
       </a:lvl4pPr>
-      <a:lvl5pPr marL="1767901" algn="l" defTabSz="883950" rtl="0" eaLnBrk="1" latinLnBrk="0" hangingPunct="1">
-        <a:defRPr sz="1740" kern="1200">
+      <a:lvl5pPr marL="1554480" algn="l" defTabSz="777240" rtl="0" eaLnBrk="1" latinLnBrk="0" hangingPunct="1">
+        <a:defRPr sz="1530" kern="1200">
           <a:solidFill>
             <a:schemeClr val="tx1"/>
           </a:solidFill>
@@ -2906,8 +3345,8 @@
           <a:cs typeface="+mn-cs"/>
         </a:defRPr>
       </a:lvl5pPr>
-      <a:lvl6pPr marL="2209876" algn="l" defTabSz="883950" rtl="0" eaLnBrk="1" latinLnBrk="0" hangingPunct="1">
-        <a:defRPr sz="1740" kern="1200">
+      <a:lvl6pPr marL="1943100" algn="l" defTabSz="777240" rtl="0" eaLnBrk="1" latinLnBrk="0" hangingPunct="1">
+        <a:defRPr sz="1530" kern="1200">
           <a:solidFill>
             <a:schemeClr val="tx1"/>
           </a:solidFill>
@@ -2916,8 +3355,8 @@
           <a:cs typeface="+mn-cs"/>
         </a:defRPr>
       </a:lvl6pPr>
-      <a:lvl7pPr marL="2651851" algn="l" defTabSz="883950" rtl="0" eaLnBrk="1" latinLnBrk="0" hangingPunct="1">
-        <a:defRPr sz="1740" kern="1200">
+      <a:lvl7pPr marL="2331720" algn="l" defTabSz="777240" rtl="0" eaLnBrk="1" latinLnBrk="0" hangingPunct="1">
+        <a:defRPr sz="1530" kern="1200">
           <a:solidFill>
             <a:schemeClr val="tx1"/>
           </a:solidFill>
@@ -2926,8 +3365,8 @@
           <a:cs typeface="+mn-cs"/>
         </a:defRPr>
       </a:lvl7pPr>
-      <a:lvl8pPr marL="3093827" algn="l" defTabSz="883950" rtl="0" eaLnBrk="1" latinLnBrk="0" hangingPunct="1">
-        <a:defRPr sz="1740" kern="1200">
+      <a:lvl8pPr marL="2720340" algn="l" defTabSz="777240" rtl="0" eaLnBrk="1" latinLnBrk="0" hangingPunct="1">
+        <a:defRPr sz="1530" kern="1200">
           <a:solidFill>
             <a:schemeClr val="tx1"/>
           </a:solidFill>
@@ -2936,8 +3375,8 @@
           <a:cs typeface="+mn-cs"/>
         </a:defRPr>
       </a:lvl8pPr>
-      <a:lvl9pPr marL="3535802" algn="l" defTabSz="883950" rtl="0" eaLnBrk="1" latinLnBrk="0" hangingPunct="1">
-        <a:defRPr sz="1740" kern="1200">
+      <a:lvl9pPr marL="3108960" algn="l" defTabSz="777240" rtl="0" eaLnBrk="1" latinLnBrk="0" hangingPunct="1">
+        <a:defRPr sz="1530" kern="1200">
           <a:solidFill>
             <a:schemeClr val="tx1"/>
           </a:solidFill>
@@ -2968,267 +3407,12 @@
           <a:chExt cx="0" cy="0"/>
         </a:xfrm>
       </p:grpSpPr>
-      <p:pic>
-        <p:nvPicPr>
-          <p:cNvPr id="6" name="Picture 5">
+      <p:grpSp>
+        <p:nvGrpSpPr>
+          <p:cNvPr id="26" name="Group 25">
             <a:extLst>
               <a:ext uri="{FF2B5EF4-FFF2-40B4-BE49-F238E27FC236}">
-                <a16:creationId xmlns:a16="http://schemas.microsoft.com/office/drawing/2014/main" id="{D7EF5387-F249-454F-878E-F91582F9D1AF}"/>
-              </a:ext>
-            </a:extLst>
-          </p:cNvPr>
-          <p:cNvPicPr>
-            <a:picLocks noChangeAspect="1"/>
-          </p:cNvPicPr>
-          <p:nvPr/>
-        </p:nvPicPr>
-        <p:blipFill rotWithShape="1">
-          <a:blip r:embed="rId2"/>
-          <a:srcRect t="929" b="4152"/>
-          <a:stretch/>
-        </p:blipFill>
-        <p:spPr>
-          <a:xfrm>
-            <a:off x="6993861" y="234168"/>
-            <a:ext cx="5050994" cy="2757539"/>
-          </a:xfrm>
-          <a:prstGeom prst="rect">
-            <a:avLst/>
-          </a:prstGeom>
-        </p:spPr>
-      </p:pic>
-      <p:pic>
-        <p:nvPicPr>
-          <p:cNvPr id="7" name="Picture 6">
-            <a:extLst>
-              <a:ext uri="{FF2B5EF4-FFF2-40B4-BE49-F238E27FC236}">
-                <a16:creationId xmlns:a16="http://schemas.microsoft.com/office/drawing/2014/main" id="{E4485EF7-98B7-2649-BFDD-D3ACBB17BBA7}"/>
-              </a:ext>
-            </a:extLst>
-          </p:cNvPr>
-          <p:cNvPicPr>
-            <a:picLocks noChangeAspect="1"/>
-          </p:cNvPicPr>
-          <p:nvPr/>
-        </p:nvPicPr>
-        <p:blipFill rotWithShape="1">
-          <a:blip r:embed="rId3"/>
-          <a:srcRect t="1236" b="3421"/>
-          <a:stretch/>
-        </p:blipFill>
-        <p:spPr>
-          <a:xfrm>
-            <a:off x="6993861" y="3575260"/>
-            <a:ext cx="5101838" cy="2769888"/>
-          </a:xfrm>
-          <a:prstGeom prst="rect">
-            <a:avLst/>
-          </a:prstGeom>
-        </p:spPr>
-      </p:pic>
-      <p:sp>
-        <p:nvSpPr>
-          <p:cNvPr id="8" name="Rectangle 7">
-            <a:extLst>
-              <a:ext uri="{FF2B5EF4-FFF2-40B4-BE49-F238E27FC236}">
-                <a16:creationId xmlns:a16="http://schemas.microsoft.com/office/drawing/2014/main" id="{58FFBE60-72A6-BD46-AA14-3E567F2C2026}"/>
-              </a:ext>
-            </a:extLst>
-          </p:cNvPr>
-          <p:cNvSpPr/>
-          <p:nvPr/>
-        </p:nvSpPr>
-        <p:spPr>
-          <a:xfrm>
-            <a:off x="7051696" y="1808355"/>
-            <a:ext cx="981102" cy="307777"/>
-          </a:xfrm>
-          <a:prstGeom prst="rect">
-            <a:avLst/>
-          </a:prstGeom>
-        </p:spPr>
-        <p:txBody>
-          <a:bodyPr wrap="square">
-            <a:spAutoFit/>
-          </a:bodyPr>
-          <a:lstStyle/>
-          <a:p>
-            <a:r>
-              <a:rPr lang="en-US" sz="1400" dirty="0">
-                <a:solidFill>
-                  <a:srgbClr val="CB4335"/>
-                </a:solidFill>
-                <a:latin typeface="Arial" panose="020B0604020202020204" pitchFamily="34" charset="0"/>
-                <a:cs typeface="Arial" panose="020B0604020202020204" pitchFamily="34" charset="0"/>
-              </a:rPr>
-              <a:t>Lineage A</a:t>
-            </a:r>
-          </a:p>
-        </p:txBody>
-      </p:sp>
-      <p:sp>
-        <p:nvSpPr>
-          <p:cNvPr id="9" name="Rectangle 8">
-            <a:extLst>
-              <a:ext uri="{FF2B5EF4-FFF2-40B4-BE49-F238E27FC236}">
-                <a16:creationId xmlns:a16="http://schemas.microsoft.com/office/drawing/2014/main" id="{292A57D7-B8F1-9146-AA79-1D20B37996B3}"/>
-              </a:ext>
-            </a:extLst>
-          </p:cNvPr>
-          <p:cNvSpPr/>
-          <p:nvPr/>
-        </p:nvSpPr>
-        <p:spPr>
-          <a:xfrm>
-            <a:off x="7110815" y="2512074"/>
-            <a:ext cx="990977" cy="307777"/>
-          </a:xfrm>
-          <a:prstGeom prst="rect">
-            <a:avLst/>
-          </a:prstGeom>
-        </p:spPr>
-        <p:txBody>
-          <a:bodyPr wrap="square">
-            <a:spAutoFit/>
-          </a:bodyPr>
-          <a:lstStyle/>
-          <a:p>
-            <a:r>
-              <a:rPr lang="en-US" sz="1400" dirty="0">
-                <a:solidFill>
-                  <a:srgbClr val="FF9A00"/>
-                </a:solidFill>
-                <a:latin typeface="Arial" panose="020B0604020202020204" pitchFamily="34" charset="0"/>
-                <a:cs typeface="Arial" panose="020B0604020202020204" pitchFamily="34" charset="0"/>
-              </a:rPr>
-              <a:t>Lineage B</a:t>
-            </a:r>
-          </a:p>
-        </p:txBody>
-      </p:sp>
-      <p:sp>
-        <p:nvSpPr>
-          <p:cNvPr id="10" name="Rectangle 9">
-            <a:extLst>
-              <a:ext uri="{FF2B5EF4-FFF2-40B4-BE49-F238E27FC236}">
-                <a16:creationId xmlns:a16="http://schemas.microsoft.com/office/drawing/2014/main" id="{1D7F6A59-3F7B-D047-83CF-9942B1B545C2}"/>
-              </a:ext>
-            </a:extLst>
-          </p:cNvPr>
-          <p:cNvSpPr/>
-          <p:nvPr/>
-        </p:nvSpPr>
-        <p:spPr>
-          <a:xfrm>
-            <a:off x="7104907" y="5140500"/>
-            <a:ext cx="981102" cy="307777"/>
-          </a:xfrm>
-          <a:prstGeom prst="rect">
-            <a:avLst/>
-          </a:prstGeom>
-        </p:spPr>
-        <p:txBody>
-          <a:bodyPr wrap="square">
-            <a:spAutoFit/>
-          </a:bodyPr>
-          <a:lstStyle/>
-          <a:p>
-            <a:r>
-              <a:rPr lang="en-US" sz="1400" dirty="0">
-                <a:solidFill>
-                  <a:srgbClr val="CB4335"/>
-                </a:solidFill>
-                <a:latin typeface="Arial" panose="020B0604020202020204" pitchFamily="34" charset="0"/>
-                <a:cs typeface="Arial" panose="020B0604020202020204" pitchFamily="34" charset="0"/>
-              </a:rPr>
-              <a:t>Lineage A</a:t>
-            </a:r>
-          </a:p>
-        </p:txBody>
-      </p:sp>
-      <p:sp>
-        <p:nvSpPr>
-          <p:cNvPr id="11" name="Rectangle 10">
-            <a:extLst>
-              <a:ext uri="{FF2B5EF4-FFF2-40B4-BE49-F238E27FC236}">
-                <a16:creationId xmlns:a16="http://schemas.microsoft.com/office/drawing/2014/main" id="{830E70EE-368D-F443-9176-E4CCC4F26915}"/>
-              </a:ext>
-            </a:extLst>
-          </p:cNvPr>
-          <p:cNvSpPr/>
-          <p:nvPr/>
-        </p:nvSpPr>
-        <p:spPr>
-          <a:xfrm>
-            <a:off x="7164026" y="5844219"/>
-            <a:ext cx="990977" cy="307777"/>
-          </a:xfrm>
-          <a:prstGeom prst="rect">
-            <a:avLst/>
-          </a:prstGeom>
-        </p:spPr>
-        <p:txBody>
-          <a:bodyPr wrap="square">
-            <a:spAutoFit/>
-          </a:bodyPr>
-          <a:lstStyle/>
-          <a:p>
-            <a:r>
-              <a:rPr lang="en-US" sz="1400" dirty="0">
-                <a:solidFill>
-                  <a:srgbClr val="FF9A00"/>
-                </a:solidFill>
-                <a:latin typeface="Arial" panose="020B0604020202020204" pitchFamily="34" charset="0"/>
-                <a:cs typeface="Arial" panose="020B0604020202020204" pitchFamily="34" charset="0"/>
-              </a:rPr>
-              <a:t>Lineage B</a:t>
-            </a:r>
-          </a:p>
-        </p:txBody>
-      </p:sp>
-      <p:sp>
-        <p:nvSpPr>
-          <p:cNvPr id="12" name="Rectangle 11">
-            <a:extLst>
-              <a:ext uri="{FF2B5EF4-FFF2-40B4-BE49-F238E27FC236}">
-                <a16:creationId xmlns:a16="http://schemas.microsoft.com/office/drawing/2014/main" id="{F617CFDF-2B24-3143-AB23-25F38E82EA5D}"/>
-              </a:ext>
-            </a:extLst>
-          </p:cNvPr>
-          <p:cNvSpPr/>
-          <p:nvPr/>
-        </p:nvSpPr>
-        <p:spPr>
-          <a:xfrm>
-            <a:off x="6663925" y="3064033"/>
-            <a:ext cx="407484" cy="461665"/>
-          </a:xfrm>
-          <a:prstGeom prst="rect">
-            <a:avLst/>
-          </a:prstGeom>
-        </p:spPr>
-        <p:txBody>
-          <a:bodyPr wrap="square">
-            <a:spAutoFit/>
-          </a:bodyPr>
-          <a:lstStyle/>
-          <a:p>
-            <a:r>
-              <a:rPr lang="en-US" sz="2400" dirty="0">
-                <a:latin typeface="Arial" panose="020B0604020202020204" pitchFamily="34" charset="0"/>
-                <a:cs typeface="Arial" panose="020B0604020202020204" pitchFamily="34" charset="0"/>
-              </a:rPr>
-              <a:t>C</a:t>
-            </a:r>
-          </a:p>
-        </p:txBody>
-      </p:sp>
-      <p:grpSp>
-        <p:nvGrpSpPr>
-          <p:cNvPr id="13" name="Group 12">
-            <a:extLst>
-              <a:ext uri="{FF2B5EF4-FFF2-40B4-BE49-F238E27FC236}">
-                <a16:creationId xmlns:a16="http://schemas.microsoft.com/office/drawing/2014/main" id="{C44EE892-F7F8-1940-B721-0E628B110E9D}"/>
+                <a16:creationId xmlns:a16="http://schemas.microsoft.com/office/drawing/2014/main" id="{295BA0C0-7149-4F4F-BDE8-DB2DFD1858F3}"/>
               </a:ext>
             </a:extLst>
           </p:cNvPr>
@@ -3237,355 +3421,18 @@
         </p:nvGrpSpPr>
         <p:grpSpPr>
           <a:xfrm>
-            <a:off x="7021157" y="161056"/>
-            <a:ext cx="2281394" cy="1015663"/>
-            <a:chOff x="9375577" y="796000"/>
-            <a:chExt cx="2281394" cy="1015663"/>
-          </a:xfrm>
-        </p:grpSpPr>
-        <p:sp>
-          <p:nvSpPr>
-            <p:cNvPr id="14" name="TextBox 13">
-              <a:extLst>
-                <a:ext uri="{FF2B5EF4-FFF2-40B4-BE49-F238E27FC236}">
-                  <a16:creationId xmlns:a16="http://schemas.microsoft.com/office/drawing/2014/main" id="{52D3FF4F-9EDD-9E4F-8519-D746986F03A4}"/>
-                </a:ext>
-              </a:extLst>
-            </p:cNvPr>
-            <p:cNvSpPr txBox="1"/>
-            <p:nvPr/>
-          </p:nvSpPr>
-          <p:spPr>
-            <a:xfrm>
-              <a:off x="9375577" y="796000"/>
-              <a:ext cx="2281394" cy="1015663"/>
-            </a:xfrm>
-            <a:prstGeom prst="rect">
-              <a:avLst/>
-            </a:prstGeom>
-            <a:solidFill>
-              <a:schemeClr val="bg1"/>
-            </a:solidFill>
-            <a:ln w="15875" cap="rnd">
-              <a:solidFill>
-                <a:srgbClr val="D6D6D6"/>
-              </a:solidFill>
-            </a:ln>
-          </p:spPr>
-          <p:txBody>
-            <a:bodyPr wrap="none" rtlCol="0">
-              <a:spAutoFit/>
-            </a:bodyPr>
-            <a:lstStyle/>
-            <a:p>
-              <a:r>
-                <a:rPr lang="en-US" sz="1200" dirty="0">
-                  <a:latin typeface="Arial" panose="020B0604020202020204" pitchFamily="34" charset="0"/>
-                  <a:cs typeface="Arial" panose="020B0604020202020204" pitchFamily="34" charset="0"/>
-                </a:rPr>
-                <a:t>     </a:t>
-              </a:r>
-              <a:r>
-                <a:rPr lang="en-US" sz="1200" b="1" dirty="0">
-                  <a:latin typeface="Arial" panose="020B0604020202020204" pitchFamily="34" charset="0"/>
-                  <a:cs typeface="Arial" panose="020B0604020202020204" pitchFamily="34" charset="0"/>
-                </a:rPr>
-                <a:t>OC43 Spike 192 genotype</a:t>
-              </a:r>
-            </a:p>
-            <a:p>
-              <a:r>
-                <a:rPr lang="en-US" sz="1200" dirty="0">
-                  <a:latin typeface="Arial" panose="020B0604020202020204" pitchFamily="34" charset="0"/>
-                  <a:cs typeface="Arial" panose="020B0604020202020204" pitchFamily="34" charset="0"/>
-                </a:rPr>
-                <a:t>     L</a:t>
-              </a:r>
-            </a:p>
-            <a:p>
-              <a:r>
-                <a:rPr lang="en-US" sz="1200" dirty="0">
-                  <a:latin typeface="Arial" panose="020B0604020202020204" pitchFamily="34" charset="0"/>
-                  <a:cs typeface="Arial" panose="020B0604020202020204" pitchFamily="34" charset="0"/>
-                </a:rPr>
-                <a:t>     M</a:t>
-              </a:r>
-            </a:p>
-            <a:p>
-              <a:r>
-                <a:rPr lang="en-US" sz="1200" dirty="0">
-                  <a:latin typeface="Arial" panose="020B0604020202020204" pitchFamily="34" charset="0"/>
-                  <a:cs typeface="Arial" panose="020B0604020202020204" pitchFamily="34" charset="0"/>
-                </a:rPr>
-                <a:t>     S</a:t>
-              </a:r>
-            </a:p>
-            <a:p>
-              <a:r>
-                <a:rPr lang="en-US" sz="1200" dirty="0">
-                  <a:latin typeface="Arial" panose="020B0604020202020204" pitchFamily="34" charset="0"/>
-                  <a:cs typeface="Arial" panose="020B0604020202020204" pitchFamily="34" charset="0"/>
-                </a:rPr>
-                <a:t>     Y</a:t>
-              </a:r>
-            </a:p>
-          </p:txBody>
-        </p:sp>
-        <p:sp>
-          <p:nvSpPr>
-            <p:cNvPr id="15" name="Oval 14">
-              <a:extLst>
-                <a:ext uri="{FF2B5EF4-FFF2-40B4-BE49-F238E27FC236}">
-                  <a16:creationId xmlns:a16="http://schemas.microsoft.com/office/drawing/2014/main" id="{59E7E36B-F81D-9246-96B2-D9F870BB5AFE}"/>
-                </a:ext>
-              </a:extLst>
-            </p:cNvPr>
-            <p:cNvSpPr/>
-            <p:nvPr/>
-          </p:nvSpPr>
-          <p:spPr>
-            <a:xfrm>
-              <a:off x="9478834" y="1022324"/>
-              <a:ext cx="146304" cy="146304"/>
-            </a:xfrm>
-            <a:prstGeom prst="ellipse">
-              <a:avLst/>
-            </a:prstGeom>
-            <a:solidFill>
-              <a:srgbClr val="6DC2B3"/>
-            </a:solidFill>
-            <a:ln>
-              <a:noFill/>
-            </a:ln>
-          </p:spPr>
-          <p:style>
-            <a:lnRef idx="2">
-              <a:schemeClr val="accent1">
-                <a:shade val="50000"/>
-              </a:schemeClr>
-            </a:lnRef>
-            <a:fillRef idx="1">
-              <a:schemeClr val="accent1"/>
-            </a:fillRef>
-            <a:effectRef idx="0">
-              <a:schemeClr val="accent1"/>
-            </a:effectRef>
-            <a:fontRef idx="minor">
-              <a:schemeClr val="lt1"/>
-            </a:fontRef>
-          </p:style>
-          <p:txBody>
-            <a:bodyPr rot="0" spcFirstLastPara="0" vertOverflow="overflow" horzOverflow="overflow" vert="horz" wrap="square" lIns="91440" tIns="45720" rIns="91440" bIns="45720" numCol="1" spcCol="0" rtlCol="0" fromWordArt="0" anchor="ctr" anchorCtr="0" forceAA="0" compatLnSpc="1">
-              <a:prstTxWarp prst="textNoShape">
-                <a:avLst/>
-              </a:prstTxWarp>
-              <a:noAutofit/>
-            </a:bodyPr>
-            <a:lstStyle/>
-            <a:p>
-              <a:pPr algn="ctr"/>
-              <a:endParaRPr lang="en-US"/>
-            </a:p>
-          </p:txBody>
-        </p:sp>
-        <p:sp>
-          <p:nvSpPr>
-            <p:cNvPr id="16" name="Oval 15">
-              <a:extLst>
-                <a:ext uri="{FF2B5EF4-FFF2-40B4-BE49-F238E27FC236}">
-                  <a16:creationId xmlns:a16="http://schemas.microsoft.com/office/drawing/2014/main" id="{58C96790-DF44-D24B-9CD5-5D1F0AE21A23}"/>
-                </a:ext>
-              </a:extLst>
-            </p:cNvPr>
-            <p:cNvSpPr/>
-            <p:nvPr/>
-          </p:nvSpPr>
-          <p:spPr>
-            <a:xfrm>
-              <a:off x="9478834" y="1213705"/>
-              <a:ext cx="146304" cy="146304"/>
-            </a:xfrm>
-            <a:prstGeom prst="ellipse">
-              <a:avLst/>
-            </a:prstGeom>
-            <a:solidFill>
-              <a:srgbClr val="F7C446"/>
-            </a:solidFill>
-            <a:ln>
-              <a:noFill/>
-            </a:ln>
-          </p:spPr>
-          <p:style>
-            <a:lnRef idx="2">
-              <a:schemeClr val="accent1">
-                <a:shade val="50000"/>
-              </a:schemeClr>
-            </a:lnRef>
-            <a:fillRef idx="1">
-              <a:schemeClr val="accent1"/>
-            </a:fillRef>
-            <a:effectRef idx="0">
-              <a:schemeClr val="accent1"/>
-            </a:effectRef>
-            <a:fontRef idx="minor">
-              <a:schemeClr val="lt1"/>
-            </a:fontRef>
-          </p:style>
-          <p:txBody>
-            <a:bodyPr rot="0" spcFirstLastPara="0" vertOverflow="overflow" horzOverflow="overflow" vert="horz" wrap="square" lIns="91440" tIns="45720" rIns="91440" bIns="45720" numCol="1" spcCol="0" rtlCol="0" fromWordArt="0" anchor="ctr" anchorCtr="0" forceAA="0" compatLnSpc="1">
-              <a:prstTxWarp prst="textNoShape">
-                <a:avLst/>
-              </a:prstTxWarp>
-              <a:noAutofit/>
-            </a:bodyPr>
-            <a:lstStyle/>
-            <a:p>
-              <a:pPr algn="ctr"/>
-              <a:endParaRPr lang="en-US"/>
-            </a:p>
-          </p:txBody>
-        </p:sp>
-        <p:sp>
-          <p:nvSpPr>
-            <p:cNvPr id="17" name="Oval 16">
-              <a:extLst>
-                <a:ext uri="{FF2B5EF4-FFF2-40B4-BE49-F238E27FC236}">
-                  <a16:creationId xmlns:a16="http://schemas.microsoft.com/office/drawing/2014/main" id="{E651CC2A-D900-A146-9E8D-7614788B63BC}"/>
-                </a:ext>
-              </a:extLst>
-            </p:cNvPr>
-            <p:cNvSpPr/>
-            <p:nvPr/>
-          </p:nvSpPr>
-          <p:spPr>
-            <a:xfrm>
-              <a:off x="9478834" y="1405086"/>
-              <a:ext cx="146304" cy="146304"/>
-            </a:xfrm>
-            <a:prstGeom prst="ellipse">
-              <a:avLst/>
-            </a:prstGeom>
-            <a:solidFill>
-              <a:srgbClr val="5BACD3"/>
-            </a:solidFill>
-            <a:ln>
-              <a:noFill/>
-            </a:ln>
-          </p:spPr>
-          <p:style>
-            <a:lnRef idx="2">
-              <a:schemeClr val="accent1">
-                <a:shade val="50000"/>
-              </a:schemeClr>
-            </a:lnRef>
-            <a:fillRef idx="1">
-              <a:schemeClr val="accent1"/>
-            </a:fillRef>
-            <a:effectRef idx="0">
-              <a:schemeClr val="accent1"/>
-            </a:effectRef>
-            <a:fontRef idx="minor">
-              <a:schemeClr val="lt1"/>
-            </a:fontRef>
-          </p:style>
-          <p:txBody>
-            <a:bodyPr rot="0" spcFirstLastPara="0" vertOverflow="overflow" horzOverflow="overflow" vert="horz" wrap="square" lIns="91440" tIns="45720" rIns="91440" bIns="45720" numCol="1" spcCol="0" rtlCol="0" fromWordArt="0" anchor="ctr" anchorCtr="0" forceAA="0" compatLnSpc="1">
-              <a:prstTxWarp prst="textNoShape">
-                <a:avLst/>
-              </a:prstTxWarp>
-              <a:noAutofit/>
-            </a:bodyPr>
-            <a:lstStyle/>
-            <a:p>
-              <a:pPr algn="ctr"/>
-              <a:endParaRPr lang="en-US"/>
-            </a:p>
-          </p:txBody>
-        </p:sp>
-        <p:sp>
-          <p:nvSpPr>
-            <p:cNvPr id="18" name="Oval 17">
-              <a:extLst>
-                <a:ext uri="{FF2B5EF4-FFF2-40B4-BE49-F238E27FC236}">
-                  <a16:creationId xmlns:a16="http://schemas.microsoft.com/office/drawing/2014/main" id="{D8FA9659-2716-BF42-BAA1-88DDD2A8B5AF}"/>
-                </a:ext>
-              </a:extLst>
-            </p:cNvPr>
-            <p:cNvSpPr/>
-            <p:nvPr/>
-          </p:nvSpPr>
-          <p:spPr>
-            <a:xfrm>
-              <a:off x="9478834" y="1596467"/>
-              <a:ext cx="146304" cy="146304"/>
-            </a:xfrm>
-            <a:prstGeom prst="ellipse">
-              <a:avLst/>
-            </a:prstGeom>
-            <a:solidFill>
-              <a:srgbClr val="FF7F36"/>
-            </a:solidFill>
-            <a:ln>
-              <a:noFill/>
-            </a:ln>
-          </p:spPr>
-          <p:style>
-            <a:lnRef idx="2">
-              <a:schemeClr val="accent1">
-                <a:shade val="50000"/>
-              </a:schemeClr>
-            </a:lnRef>
-            <a:fillRef idx="1">
-              <a:schemeClr val="accent1"/>
-            </a:fillRef>
-            <a:effectRef idx="0">
-              <a:schemeClr val="accent1"/>
-            </a:effectRef>
-            <a:fontRef idx="minor">
-              <a:schemeClr val="lt1"/>
-            </a:fontRef>
-          </p:style>
-          <p:txBody>
-            <a:bodyPr rot="0" spcFirstLastPara="0" vertOverflow="overflow" horzOverflow="overflow" vert="horz" wrap="square" lIns="91440" tIns="45720" rIns="91440" bIns="45720" numCol="1" spcCol="0" rtlCol="0" fromWordArt="0" anchor="ctr" anchorCtr="0" forceAA="0" compatLnSpc="1">
-              <a:prstTxWarp prst="textNoShape">
-                <a:avLst/>
-              </a:prstTxWarp>
-              <a:noAutofit/>
-            </a:bodyPr>
-            <a:lstStyle/>
-            <a:p>
-              <a:pPr algn="ctr"/>
-              <a:endParaRPr lang="en-US"/>
-            </a:p>
-          </p:txBody>
-        </p:sp>
-      </p:grpSp>
-      <p:grpSp>
-        <p:nvGrpSpPr>
-          <p:cNvPr id="19" name="Group 18">
-            <a:extLst>
-              <a:ext uri="{FF2B5EF4-FFF2-40B4-BE49-F238E27FC236}">
-                <a16:creationId xmlns:a16="http://schemas.microsoft.com/office/drawing/2014/main" id="{13081CF5-0861-0749-8E55-89C7145B32EE}"/>
-              </a:ext>
-            </a:extLst>
-          </p:cNvPr>
-          <p:cNvGrpSpPr/>
-          <p:nvPr/>
-        </p:nvGrpSpPr>
-        <p:grpSpPr>
-          <a:xfrm>
-            <a:off x="6961094" y="3502660"/>
-            <a:ext cx="2281394" cy="1200329"/>
-            <a:chOff x="8879521" y="3999856"/>
-            <a:chExt cx="2281394" cy="1200329"/>
+            <a:off x="228600" y="47313"/>
+            <a:ext cx="3582932" cy="3468388"/>
+            <a:chOff x="68577" y="-2"/>
+            <a:chExt cx="3582932" cy="3468388"/>
           </a:xfrm>
         </p:grpSpPr>
         <p:grpSp>
           <p:nvGrpSpPr>
-            <p:cNvPr id="20" name="Group 19">
+            <p:cNvPr id="24" name="Group 23">
               <a:extLst>
                 <a:ext uri="{FF2B5EF4-FFF2-40B4-BE49-F238E27FC236}">
-                  <a16:creationId xmlns:a16="http://schemas.microsoft.com/office/drawing/2014/main" id="{0E8A7EDA-0BB1-EB46-BBA4-F967ED918B16}"/>
+                  <a16:creationId xmlns:a16="http://schemas.microsoft.com/office/drawing/2014/main" id="{B60038A5-69C0-1443-B9AB-D13905F4CA40}"/>
                 </a:ext>
               </a:extLst>
             </p:cNvPr>
@@ -3594,115 +3441,47 @@
           </p:nvGrpSpPr>
           <p:grpSpPr>
             <a:xfrm>
-              <a:off x="8879521" y="3999856"/>
-              <a:ext cx="2281394" cy="1200329"/>
-              <a:chOff x="9375577" y="796000"/>
-              <a:chExt cx="2281394" cy="1200329"/>
+              <a:off x="68577" y="-2"/>
+              <a:ext cx="3582932" cy="3282755"/>
+              <a:chOff x="68577" y="-2"/>
+              <a:chExt cx="3582932" cy="3282755"/>
             </a:xfrm>
           </p:grpSpPr>
-          <p:sp>
-            <p:nvSpPr>
-              <p:cNvPr id="22" name="TextBox 21">
+          <p:pic>
+            <p:nvPicPr>
+              <p:cNvPr id="7" name="Picture 6">
                 <a:extLst>
                   <a:ext uri="{FF2B5EF4-FFF2-40B4-BE49-F238E27FC236}">
-                    <a16:creationId xmlns:a16="http://schemas.microsoft.com/office/drawing/2014/main" id="{9B73479C-0121-5446-B8BA-2B1FE8B20EE9}"/>
+                    <a16:creationId xmlns:a16="http://schemas.microsoft.com/office/drawing/2014/main" id="{A880C645-8019-9243-8133-46DB1E1735F6}"/>
                   </a:ext>
                 </a:extLst>
               </p:cNvPr>
-              <p:cNvSpPr txBox="1"/>
+              <p:cNvPicPr>
+                <a:picLocks noChangeAspect="1"/>
+              </p:cNvPicPr>
               <p:nvPr/>
-            </p:nvSpPr>
+            </p:nvPicPr>
+            <p:blipFill rotWithShape="1">
+              <a:blip r:embed="rId3"/>
+              <a:srcRect t="2561" b="4205"/>
+              <a:stretch/>
+            </p:blipFill>
             <p:spPr>
               <a:xfrm>
-                <a:off x="9375577" y="796000"/>
-                <a:ext cx="2281394" cy="1200329"/>
+                <a:off x="68577" y="0"/>
+                <a:ext cx="3582932" cy="3282753"/>
               </a:xfrm>
               <a:prstGeom prst="rect">
                 <a:avLst/>
               </a:prstGeom>
-              <a:solidFill>
-                <a:schemeClr val="bg1"/>
-              </a:solidFill>
-              <a:ln w="15875" cap="rnd">
-                <a:solidFill>
-                  <a:srgbClr val="D6D6D6"/>
-                </a:solidFill>
-              </a:ln>
             </p:spPr>
-            <p:txBody>
-              <a:bodyPr wrap="none" rtlCol="0">
-                <a:spAutoFit/>
-              </a:bodyPr>
-              <a:lstStyle/>
-              <a:p>
-                <a:r>
-                  <a:rPr lang="en-US" sz="1200" dirty="0">
-                    <a:latin typeface="Arial" panose="020B0604020202020204" pitchFamily="34" charset="0"/>
-                    <a:cs typeface="Arial" panose="020B0604020202020204" pitchFamily="34" charset="0"/>
-                  </a:rPr>
-                  <a:t>     </a:t>
-                </a:r>
-                <a:r>
-                  <a:rPr lang="en-US" sz="1200" b="1" dirty="0">
-                    <a:latin typeface="Arial" panose="020B0604020202020204" pitchFamily="34" charset="0"/>
-                    <a:cs typeface="Arial" panose="020B0604020202020204" pitchFamily="34" charset="0"/>
-                  </a:rPr>
-                  <a:t>OC43 Spike 262 genotype</a:t>
-                </a:r>
-              </a:p>
-              <a:p>
-                <a:r>
-                  <a:rPr lang="en-US" sz="1200" dirty="0">
-                    <a:latin typeface="Arial" panose="020B0604020202020204" pitchFamily="34" charset="0"/>
-                    <a:cs typeface="Arial" panose="020B0604020202020204" pitchFamily="34" charset="0"/>
-                  </a:rPr>
-                  <a:t>     R</a:t>
-                </a:r>
-              </a:p>
-              <a:p>
-                <a:r>
-                  <a:rPr lang="en-US" sz="1200" dirty="0">
-                    <a:latin typeface="Arial" panose="020B0604020202020204" pitchFamily="34" charset="0"/>
-                    <a:cs typeface="Arial" panose="020B0604020202020204" pitchFamily="34" charset="0"/>
-                  </a:rPr>
-                  <a:t>     L</a:t>
-                </a:r>
-              </a:p>
-              <a:p>
-                <a:r>
-                  <a:rPr lang="en-US" sz="1200" dirty="0">
-                    <a:latin typeface="Arial" panose="020B0604020202020204" pitchFamily="34" charset="0"/>
-                    <a:cs typeface="Arial" panose="020B0604020202020204" pitchFamily="34" charset="0"/>
-                  </a:rPr>
-                  <a:t>     P</a:t>
-                </a:r>
-              </a:p>
-              <a:p>
-                <a:r>
-                  <a:rPr lang="en-US" sz="1200" dirty="0">
-                    <a:latin typeface="Arial" panose="020B0604020202020204" pitchFamily="34" charset="0"/>
-                    <a:cs typeface="Arial" panose="020B0604020202020204" pitchFamily="34" charset="0"/>
-                  </a:rPr>
-                  <a:t>     S</a:t>
-                </a:r>
-              </a:p>
-              <a:p>
-                <a:r>
-                  <a:rPr lang="en-US" sz="1200" dirty="0">
-                    <a:latin typeface="Arial" panose="020B0604020202020204" pitchFamily="34" charset="0"/>
-                    <a:cs typeface="Arial" panose="020B0604020202020204" pitchFamily="34" charset="0"/>
-                  </a:rPr>
-                  <a:t>     A</a:t>
-                </a:r>
-              </a:p>
-            </p:txBody>
-          </p:sp>
+          </p:pic>
           <p:sp>
             <p:nvSpPr>
-              <p:cNvPr id="23" name="Oval 22">
+              <p:cNvPr id="10" name="Rectangle 9">
                 <a:extLst>
                   <a:ext uri="{FF2B5EF4-FFF2-40B4-BE49-F238E27FC236}">
-                    <a16:creationId xmlns:a16="http://schemas.microsoft.com/office/drawing/2014/main" id="{5E454745-0CD3-8043-8169-D2CEA0425AB2}"/>
+                    <a16:creationId xmlns:a16="http://schemas.microsoft.com/office/drawing/2014/main" id="{C9598E97-D89C-EC46-A8F8-A604E04C41C3}"/>
                   </a:ext>
                 </a:extLst>
               </p:cNvPr>
@@ -3711,14 +3490,14 @@
             </p:nvSpPr>
             <p:spPr>
               <a:xfrm>
-                <a:off x="9478834" y="1022324"/>
-                <a:ext cx="146304" cy="146304"/>
+                <a:off x="1266372" y="2387131"/>
+                <a:ext cx="64970" cy="64970"/>
               </a:xfrm>
-              <a:prstGeom prst="ellipse">
+              <a:prstGeom prst="rect">
                 <a:avLst/>
               </a:prstGeom>
               <a:solidFill>
-                <a:srgbClr val="6DC2B3"/>
+                <a:schemeClr val="bg1"/>
               </a:solidFill>
               <a:ln>
                 <a:noFill/>
@@ -3756,10 +3535,10 @@
           </p:sp>
           <p:sp>
             <p:nvSpPr>
-              <p:cNvPr id="24" name="Oval 23">
+              <p:cNvPr id="11" name="Rectangle 10">
                 <a:extLst>
                   <a:ext uri="{FF2B5EF4-FFF2-40B4-BE49-F238E27FC236}">
-                    <a16:creationId xmlns:a16="http://schemas.microsoft.com/office/drawing/2014/main" id="{C0AD404E-9986-8A40-8603-9ECA6687FCCA}"/>
+                    <a16:creationId xmlns:a16="http://schemas.microsoft.com/office/drawing/2014/main" id="{17A87B3E-C523-6F48-9269-29EB0A33372E}"/>
                   </a:ext>
                 </a:extLst>
               </p:cNvPr>
@@ -3768,14 +3547,14 @@
             </p:nvSpPr>
             <p:spPr>
               <a:xfrm>
-                <a:off x="9478834" y="1213705"/>
-                <a:ext cx="146304" cy="146304"/>
+                <a:off x="134792" y="2766533"/>
+                <a:ext cx="54645" cy="78672"/>
               </a:xfrm>
-              <a:prstGeom prst="ellipse">
+              <a:prstGeom prst="rect">
                 <a:avLst/>
               </a:prstGeom>
               <a:solidFill>
-                <a:srgbClr val="F7C446"/>
+                <a:schemeClr val="bg1"/>
               </a:solidFill>
               <a:ln>
                 <a:noFill/>
@@ -3813,10 +3592,10 @@
           </p:sp>
           <p:sp>
             <p:nvSpPr>
-              <p:cNvPr id="25" name="Oval 24">
+              <p:cNvPr id="13" name="Rectangle 12">
                 <a:extLst>
                   <a:ext uri="{FF2B5EF4-FFF2-40B4-BE49-F238E27FC236}">
-                    <a16:creationId xmlns:a16="http://schemas.microsoft.com/office/drawing/2014/main" id="{ADDFF2FD-0AC5-0041-B4F6-7B9898960B86}"/>
+                    <a16:creationId xmlns:a16="http://schemas.microsoft.com/office/drawing/2014/main" id="{83CB56DB-EA3D-6947-AA90-435CA232CE34}"/>
                   </a:ext>
                 </a:extLst>
               </p:cNvPr>
@@ -3825,14 +3604,222 @@
             </p:nvSpPr>
             <p:spPr>
               <a:xfrm>
-                <a:off x="9478834" y="1405086"/>
-                <a:ext cx="146304" cy="146304"/>
+                <a:off x="103348" y="-2"/>
+                <a:ext cx="739220" cy="194111"/>
               </a:xfrm>
-              <a:prstGeom prst="ellipse">
+              <a:prstGeom prst="rect">
                 <a:avLst/>
               </a:prstGeom>
               <a:solidFill>
-                <a:srgbClr val="5BACD3"/>
+                <a:schemeClr val="bg1"/>
+              </a:solidFill>
+              <a:ln>
+                <a:noFill/>
+              </a:ln>
+            </p:spPr>
+            <p:style>
+              <a:lnRef idx="2">
+                <a:schemeClr val="accent1">
+                  <a:shade val="50000"/>
+                </a:schemeClr>
+              </a:lnRef>
+              <a:fillRef idx="1">
+                <a:schemeClr val="accent1"/>
+              </a:fillRef>
+              <a:effectRef idx="0">
+                <a:schemeClr val="accent1"/>
+              </a:effectRef>
+              <a:fontRef idx="minor">
+                <a:schemeClr val="lt1"/>
+              </a:fontRef>
+            </p:style>
+            <p:txBody>
+              <a:bodyPr rot="0" spcFirstLastPara="0" vertOverflow="overflow" horzOverflow="overflow" vert="horz" wrap="square" lIns="91440" tIns="45720" rIns="91440" bIns="45720" numCol="1" spcCol="0" rtlCol="0" fromWordArt="0" anchor="ctr" anchorCtr="0" forceAA="0" compatLnSpc="1">
+                <a:prstTxWarp prst="textNoShape">
+                  <a:avLst/>
+                </a:prstTxWarp>
+                <a:noAutofit/>
+              </a:bodyPr>
+              <a:lstStyle/>
+              <a:p>
+                <a:pPr algn="ctr"/>
+                <a:endParaRPr lang="en-US" dirty="0"/>
+              </a:p>
+            </p:txBody>
+          </p:sp>
+        </p:grpSp>
+        <p:sp>
+          <p:nvSpPr>
+            <p:cNvPr id="25" name="Rectangle 24">
+              <a:extLst>
+                <a:ext uri="{FF2B5EF4-FFF2-40B4-BE49-F238E27FC236}">
+                  <a16:creationId xmlns:a16="http://schemas.microsoft.com/office/drawing/2014/main" id="{77A2D840-2707-B242-9465-3CE386F2C6C1}"/>
+                </a:ext>
+              </a:extLst>
+            </p:cNvPr>
+            <p:cNvSpPr/>
+            <p:nvPr/>
+          </p:nvSpPr>
+          <p:spPr>
+            <a:xfrm>
+              <a:off x="111335" y="3222165"/>
+              <a:ext cx="3499676" cy="246221"/>
+            </a:xfrm>
+            <a:prstGeom prst="rect">
+              <a:avLst/>
+            </a:prstGeom>
+          </p:spPr>
+          <p:txBody>
+            <a:bodyPr wrap="none">
+              <a:spAutoFit/>
+            </a:bodyPr>
+            <a:lstStyle/>
+            <a:p>
+              <a:r>
+                <a:rPr lang="en-US" sz="1000" dirty="0">
+                  <a:solidFill>
+                    <a:prstClr val="black"/>
+                  </a:solidFill>
+                  <a:latin typeface="Arial" panose="020B0604020202020204" pitchFamily="34" charset="0"/>
+                  <a:cs typeface="Arial" panose="020B0604020202020204" pitchFamily="34" charset="0"/>
+                </a:rPr>
+                <a:t>1960    1968    1976     1984    1992     2000    2008    2016</a:t>
+              </a:r>
+            </a:p>
+          </p:txBody>
+        </p:sp>
+      </p:grpSp>
+      <p:sp>
+        <p:nvSpPr>
+          <p:cNvPr id="4" name="Rectangle 3">
+            <a:extLst>
+              <a:ext uri="{FF2B5EF4-FFF2-40B4-BE49-F238E27FC236}">
+                <a16:creationId xmlns:a16="http://schemas.microsoft.com/office/drawing/2014/main" id="{AC2BE269-273A-0242-90B2-2FF8CCBFD305}"/>
+              </a:ext>
+            </a:extLst>
+          </p:cNvPr>
+          <p:cNvSpPr/>
+          <p:nvPr/>
+        </p:nvSpPr>
+        <p:spPr>
+          <a:xfrm>
+            <a:off x="161505" y="2116"/>
+            <a:ext cx="389850" cy="461665"/>
+          </a:xfrm>
+          <a:prstGeom prst="rect">
+            <a:avLst/>
+          </a:prstGeom>
+        </p:spPr>
+        <p:txBody>
+          <a:bodyPr wrap="none">
+            <a:spAutoFit/>
+          </a:bodyPr>
+          <a:lstStyle/>
+          <a:p>
+            <a:r>
+              <a:rPr lang="en-US" sz="2400" dirty="0">
+                <a:solidFill>
+                  <a:prstClr val="black"/>
+                </a:solidFill>
+                <a:latin typeface="Arial" panose="020B0604020202020204" pitchFamily="34" charset="0"/>
+                <a:cs typeface="Arial" panose="020B0604020202020204" pitchFamily="34" charset="0"/>
+              </a:rPr>
+              <a:t>A</a:t>
+            </a:r>
+          </a:p>
+        </p:txBody>
+      </p:sp>
+      <p:grpSp>
+        <p:nvGrpSpPr>
+          <p:cNvPr id="33" name="Group 32">
+            <a:extLst>
+              <a:ext uri="{FF2B5EF4-FFF2-40B4-BE49-F238E27FC236}">
+                <a16:creationId xmlns:a16="http://schemas.microsoft.com/office/drawing/2014/main" id="{7127BDDC-8A9B-2F49-B2F4-1CFE1D701093}"/>
+              </a:ext>
+            </a:extLst>
+          </p:cNvPr>
+          <p:cNvGrpSpPr/>
+          <p:nvPr/>
+        </p:nvGrpSpPr>
+        <p:grpSpPr>
+          <a:xfrm>
+            <a:off x="3997608" y="0"/>
+            <a:ext cx="3693099" cy="3508390"/>
+            <a:chOff x="3715054" y="1"/>
+            <a:chExt cx="3693099" cy="3508390"/>
+          </a:xfrm>
+        </p:grpSpPr>
+        <p:grpSp>
+          <p:nvGrpSpPr>
+            <p:cNvPr id="34" name="Group 33">
+              <a:extLst>
+                <a:ext uri="{FF2B5EF4-FFF2-40B4-BE49-F238E27FC236}">
+                  <a16:creationId xmlns:a16="http://schemas.microsoft.com/office/drawing/2014/main" id="{27EE0DC2-F6E2-D44F-8686-EBCFE7D92AA6}"/>
+                </a:ext>
+              </a:extLst>
+            </p:cNvPr>
+            <p:cNvGrpSpPr/>
+            <p:nvPr/>
+          </p:nvGrpSpPr>
+          <p:grpSpPr>
+            <a:xfrm>
+              <a:off x="3715054" y="1"/>
+              <a:ext cx="3693099" cy="3282753"/>
+              <a:chOff x="7282755" y="-80681"/>
+              <a:chExt cx="7366214" cy="6547742"/>
+            </a:xfrm>
+          </p:grpSpPr>
+          <p:pic>
+            <p:nvPicPr>
+              <p:cNvPr id="36" name="Picture 35">
+                <a:extLst>
+                  <a:ext uri="{FF2B5EF4-FFF2-40B4-BE49-F238E27FC236}">
+                    <a16:creationId xmlns:a16="http://schemas.microsoft.com/office/drawing/2014/main" id="{99A52703-D878-984A-A609-3DD8E3E21507}"/>
+                  </a:ext>
+                </a:extLst>
+              </p:cNvPr>
+              <p:cNvPicPr>
+                <a:picLocks noChangeAspect="1"/>
+              </p:cNvPicPr>
+              <p:nvPr/>
+            </p:nvPicPr>
+            <p:blipFill rotWithShape="1">
+              <a:blip r:embed="rId4"/>
+              <a:srcRect t="514" b="4010"/>
+              <a:stretch/>
+            </p:blipFill>
+            <p:spPr>
+              <a:xfrm>
+                <a:off x="7511279" y="-80681"/>
+                <a:ext cx="7137690" cy="6547742"/>
+              </a:xfrm>
+              <a:prstGeom prst="rect">
+                <a:avLst/>
+              </a:prstGeom>
+            </p:spPr>
+          </p:pic>
+          <p:sp>
+            <p:nvSpPr>
+              <p:cNvPr id="37" name="Rectangle 36">
+                <a:extLst>
+                  <a:ext uri="{FF2B5EF4-FFF2-40B4-BE49-F238E27FC236}">
+                    <a16:creationId xmlns:a16="http://schemas.microsoft.com/office/drawing/2014/main" id="{FC27EAF4-CF02-074A-ABE0-A20AFCB1A2DC}"/>
+                  </a:ext>
+                </a:extLst>
+              </p:cNvPr>
+              <p:cNvSpPr/>
+              <p:nvPr/>
+            </p:nvSpPr>
+            <p:spPr>
+              <a:xfrm>
+                <a:off x="13724877" y="-80681"/>
+                <a:ext cx="924091" cy="80681"/>
+              </a:xfrm>
+              <a:prstGeom prst="rect">
+                <a:avLst/>
+              </a:prstGeom>
+              <a:solidFill>
+                <a:schemeClr val="bg1"/>
               </a:solidFill>
               <a:ln>
                 <a:noFill/>
@@ -3870,10 +3857,10 @@
           </p:sp>
           <p:sp>
             <p:nvSpPr>
-              <p:cNvPr id="26" name="Oval 25">
+              <p:cNvPr id="38" name="Rectangle 37">
                 <a:extLst>
                   <a:ext uri="{FF2B5EF4-FFF2-40B4-BE49-F238E27FC236}">
-                    <a16:creationId xmlns:a16="http://schemas.microsoft.com/office/drawing/2014/main" id="{AD98A7E2-DB0E-AA46-8461-AB8725D7B53E}"/>
+                    <a16:creationId xmlns:a16="http://schemas.microsoft.com/office/drawing/2014/main" id="{00E97BA6-DA47-7E49-93A9-22AA4B4CDFD5}"/>
                   </a:ext>
                 </a:extLst>
               </p:cNvPr>
@@ -3882,14 +3869,14 @@
             </p:nvSpPr>
             <p:spPr>
               <a:xfrm>
-                <a:off x="9478834" y="1596467"/>
-                <a:ext cx="146304" cy="146304"/>
+                <a:off x="7282755" y="-76470"/>
+                <a:ext cx="1507267" cy="325046"/>
               </a:xfrm>
-              <a:prstGeom prst="ellipse">
+              <a:prstGeom prst="rect">
                 <a:avLst/>
               </a:prstGeom>
               <a:solidFill>
-                <a:srgbClr val="FF7F36"/>
+                <a:schemeClr val="bg1"/>
               </a:solidFill>
               <a:ln>
                 <a:noFill/>
@@ -3928,10 +3915,10 @@
         </p:grpSp>
         <p:sp>
           <p:nvSpPr>
-            <p:cNvPr id="21" name="Oval 20">
+            <p:cNvPr id="35" name="Rectangle 34">
               <a:extLst>
                 <a:ext uri="{FF2B5EF4-FFF2-40B4-BE49-F238E27FC236}">
-                  <a16:creationId xmlns:a16="http://schemas.microsoft.com/office/drawing/2014/main" id="{A2653014-5AB1-744F-8F72-47974D014525}"/>
+                  <a16:creationId xmlns:a16="http://schemas.microsoft.com/office/drawing/2014/main" id="{E0D3D897-87D8-8946-9DF4-B3F646541364}"/>
                 </a:ext>
               </a:extLst>
             </p:cNvPr>
@@ -3940,14 +3927,504 @@
           </p:nvSpPr>
           <p:spPr>
             <a:xfrm>
-              <a:off x="8982778" y="4991704"/>
-              <a:ext cx="146304" cy="146304"/>
+              <a:off x="3805146" y="3262170"/>
+              <a:ext cx="3323346" cy="246221"/>
             </a:xfrm>
-            <a:prstGeom prst="ellipse">
+            <a:prstGeom prst="rect">
+              <a:avLst/>
+            </a:prstGeom>
+          </p:spPr>
+          <p:txBody>
+            <a:bodyPr wrap="none">
+              <a:spAutoFit/>
+            </a:bodyPr>
+            <a:lstStyle/>
+            <a:p>
+              <a:r>
+                <a:rPr lang="en-US" sz="1000" dirty="0">
+                  <a:solidFill>
+                    <a:prstClr val="black"/>
+                  </a:solidFill>
+                  <a:latin typeface="Arial" panose="020B0604020202020204" pitchFamily="34" charset="0"/>
+                  <a:cs typeface="Arial" panose="020B0604020202020204" pitchFamily="34" charset="0"/>
+                </a:rPr>
+                <a:t>1985     1990     1995      2000      2005      2010     2015</a:t>
+              </a:r>
+            </a:p>
+          </p:txBody>
+        </p:sp>
+      </p:grpSp>
+      <p:sp>
+        <p:nvSpPr>
+          <p:cNvPr id="5" name="Rectangle 4">
+            <a:extLst>
+              <a:ext uri="{FF2B5EF4-FFF2-40B4-BE49-F238E27FC236}">
+                <a16:creationId xmlns:a16="http://schemas.microsoft.com/office/drawing/2014/main" id="{D1F36886-7B7F-0944-871C-7728422EBC57}"/>
+              </a:ext>
+            </a:extLst>
+          </p:cNvPr>
+          <p:cNvSpPr/>
+          <p:nvPr/>
+        </p:nvSpPr>
+        <p:spPr>
+          <a:xfrm>
+            <a:off x="3926104" y="2116"/>
+            <a:ext cx="389850" cy="461665"/>
+          </a:xfrm>
+          <a:prstGeom prst="rect">
+            <a:avLst/>
+          </a:prstGeom>
+        </p:spPr>
+        <p:txBody>
+          <a:bodyPr wrap="none">
+            <a:spAutoFit/>
+          </a:bodyPr>
+          <a:lstStyle/>
+          <a:p>
+            <a:r>
+              <a:rPr lang="en-US" sz="2400" dirty="0">
+                <a:solidFill>
+                  <a:prstClr val="black"/>
+                </a:solidFill>
+                <a:latin typeface="Arial" panose="020B0604020202020204" pitchFamily="34" charset="0"/>
+                <a:cs typeface="Arial" panose="020B0604020202020204" pitchFamily="34" charset="0"/>
+              </a:rPr>
+              <a:t>B</a:t>
+            </a:r>
+          </a:p>
+        </p:txBody>
+      </p:sp>
+      <p:sp>
+        <p:nvSpPr>
+          <p:cNvPr id="39" name="Rectangle 38">
+            <a:extLst>
+              <a:ext uri="{FF2B5EF4-FFF2-40B4-BE49-F238E27FC236}">
+                <a16:creationId xmlns:a16="http://schemas.microsoft.com/office/drawing/2014/main" id="{3F58F477-7EBB-3A43-806A-98ED0621C0BC}"/>
+              </a:ext>
+            </a:extLst>
+          </p:cNvPr>
+          <p:cNvSpPr/>
+          <p:nvPr/>
+        </p:nvSpPr>
+        <p:spPr>
+          <a:xfrm>
+            <a:off x="2490330" y="96656"/>
+            <a:ext cx="652743" cy="307777"/>
+          </a:xfrm>
+          <a:prstGeom prst="rect">
+            <a:avLst/>
+          </a:prstGeom>
+          <a:solidFill>
+            <a:schemeClr val="bg1"/>
+          </a:solidFill>
+        </p:spPr>
+        <p:txBody>
+          <a:bodyPr wrap="none">
+            <a:spAutoFit/>
+          </a:bodyPr>
+          <a:lstStyle/>
+          <a:p>
+            <a:r>
+              <a:rPr lang="en-US" sz="1400" dirty="0">
+                <a:solidFill>
+                  <a:prstClr val="black"/>
+                </a:solidFill>
+                <a:latin typeface="Arial" panose="020B0604020202020204" pitchFamily="34" charset="0"/>
+                <a:cs typeface="Arial" panose="020B0604020202020204" pitchFamily="34" charset="0"/>
+              </a:rPr>
+              <a:t>OC43</a:t>
+            </a:r>
+          </a:p>
+        </p:txBody>
+      </p:sp>
+      <p:sp>
+        <p:nvSpPr>
+          <p:cNvPr id="41" name="Rectangle 40">
+            <a:extLst>
+              <a:ext uri="{FF2B5EF4-FFF2-40B4-BE49-F238E27FC236}">
+                <a16:creationId xmlns:a16="http://schemas.microsoft.com/office/drawing/2014/main" id="{E6A159CD-D4BE-B441-8FCA-0B74966CB59A}"/>
+              </a:ext>
+            </a:extLst>
+          </p:cNvPr>
+          <p:cNvSpPr/>
+          <p:nvPr/>
+        </p:nvSpPr>
+        <p:spPr>
+          <a:xfrm>
+            <a:off x="5599918" y="79059"/>
+            <a:ext cx="603050" cy="307777"/>
+          </a:xfrm>
+          <a:prstGeom prst="rect">
+            <a:avLst/>
+          </a:prstGeom>
+          <a:solidFill>
+            <a:schemeClr val="bg1"/>
+          </a:solidFill>
+        </p:spPr>
+        <p:txBody>
+          <a:bodyPr wrap="none">
+            <a:spAutoFit/>
+          </a:bodyPr>
+          <a:lstStyle/>
+          <a:p>
+            <a:r>
+              <a:rPr lang="en-US" sz="1400" dirty="0">
+                <a:solidFill>
+                  <a:prstClr val="black"/>
+                </a:solidFill>
+                <a:latin typeface="Arial" panose="020B0604020202020204" pitchFamily="34" charset="0"/>
+                <a:cs typeface="Arial" panose="020B0604020202020204" pitchFamily="34" charset="0"/>
+              </a:rPr>
+              <a:t>229E</a:t>
+            </a:r>
+          </a:p>
+        </p:txBody>
+      </p:sp>
+      <p:grpSp>
+        <p:nvGrpSpPr>
+          <p:cNvPr id="19" name="Group 18">
+            <a:extLst>
+              <a:ext uri="{FF2B5EF4-FFF2-40B4-BE49-F238E27FC236}">
+                <a16:creationId xmlns:a16="http://schemas.microsoft.com/office/drawing/2014/main" id="{131D62E8-7A66-1E4A-B4A2-98D77D729DD8}"/>
+              </a:ext>
+            </a:extLst>
+          </p:cNvPr>
+          <p:cNvGrpSpPr/>
+          <p:nvPr/>
+        </p:nvGrpSpPr>
+        <p:grpSpPr>
+          <a:xfrm>
+            <a:off x="3893427" y="3804448"/>
+            <a:ext cx="3839523" cy="3436202"/>
+            <a:chOff x="3910230" y="3743098"/>
+            <a:chExt cx="3839523" cy="3436202"/>
+          </a:xfrm>
+        </p:grpSpPr>
+        <p:grpSp>
+          <p:nvGrpSpPr>
+            <p:cNvPr id="18" name="Group 17">
+              <a:extLst>
+                <a:ext uri="{FF2B5EF4-FFF2-40B4-BE49-F238E27FC236}">
+                  <a16:creationId xmlns:a16="http://schemas.microsoft.com/office/drawing/2014/main" id="{287DB14F-EF46-6443-9172-AA10CDEA9EF6}"/>
+                </a:ext>
+              </a:extLst>
+            </p:cNvPr>
+            <p:cNvGrpSpPr/>
+            <p:nvPr/>
+          </p:nvGrpSpPr>
+          <p:grpSpPr>
+            <a:xfrm>
+              <a:off x="4040405" y="3743098"/>
+              <a:ext cx="3709348" cy="3436202"/>
+              <a:chOff x="4040405" y="3743098"/>
+              <a:chExt cx="3709348" cy="3436202"/>
+            </a:xfrm>
+          </p:grpSpPr>
+          <p:pic>
+            <p:nvPicPr>
+              <p:cNvPr id="17" name="Picture 16">
+                <a:extLst>
+                  <a:ext uri="{FF2B5EF4-FFF2-40B4-BE49-F238E27FC236}">
+                    <a16:creationId xmlns:a16="http://schemas.microsoft.com/office/drawing/2014/main" id="{00749A09-4F48-F84D-91B8-3B54E676A841}"/>
+                  </a:ext>
+                </a:extLst>
+              </p:cNvPr>
+              <p:cNvPicPr>
+                <a:picLocks noChangeAspect="1"/>
+              </p:cNvPicPr>
+              <p:nvPr/>
+            </p:nvPicPr>
+            <p:blipFill rotWithShape="1">
+              <a:blip r:embed="rId5"/>
+              <a:srcRect l="2078" t="3999" b="2598"/>
+              <a:stretch/>
+            </p:blipFill>
+            <p:spPr>
+              <a:xfrm>
+                <a:off x="4040405" y="3821299"/>
+                <a:ext cx="3645901" cy="3116294"/>
+              </a:xfrm>
+              <a:prstGeom prst="rect">
+                <a:avLst/>
+              </a:prstGeom>
+            </p:spPr>
+          </p:pic>
+          <p:grpSp>
+            <p:nvGrpSpPr>
+              <p:cNvPr id="61" name="Group 60">
+                <a:extLst>
+                  <a:ext uri="{FF2B5EF4-FFF2-40B4-BE49-F238E27FC236}">
+                    <a16:creationId xmlns:a16="http://schemas.microsoft.com/office/drawing/2014/main" id="{77710EB9-0921-FF47-80D0-1EC8A47D818B}"/>
+                  </a:ext>
+                </a:extLst>
+              </p:cNvPr>
+              <p:cNvGrpSpPr/>
+              <p:nvPr/>
+            </p:nvGrpSpPr>
+            <p:grpSpPr>
+              <a:xfrm>
+                <a:off x="4109013" y="3743098"/>
+                <a:ext cx="3640740" cy="3436202"/>
+                <a:chOff x="4109013" y="3743098"/>
+                <a:chExt cx="3640740" cy="3436202"/>
+              </a:xfrm>
+            </p:grpSpPr>
+            <p:grpSp>
+              <p:nvGrpSpPr>
+                <p:cNvPr id="59" name="Group 58">
+                  <a:extLst>
+                    <a:ext uri="{FF2B5EF4-FFF2-40B4-BE49-F238E27FC236}">
+                      <a16:creationId xmlns:a16="http://schemas.microsoft.com/office/drawing/2014/main" id="{820125F9-5010-3448-8123-37202D4EF49B}"/>
+                    </a:ext>
+                  </a:extLst>
+                </p:cNvPr>
+                <p:cNvGrpSpPr/>
+                <p:nvPr/>
+              </p:nvGrpSpPr>
+              <p:grpSpPr>
+                <a:xfrm>
+                  <a:off x="4155545" y="3743098"/>
+                  <a:ext cx="728687" cy="2793653"/>
+                  <a:chOff x="4506469" y="4005624"/>
+                  <a:chExt cx="1375138" cy="5272031"/>
+                </a:xfrm>
+              </p:grpSpPr>
+              <p:sp>
+                <p:nvSpPr>
+                  <p:cNvPr id="56" name="Rectangle 55">
+                    <a:extLst>
+                      <a:ext uri="{FF2B5EF4-FFF2-40B4-BE49-F238E27FC236}">
+                        <a16:creationId xmlns:a16="http://schemas.microsoft.com/office/drawing/2014/main" id="{AC704486-B2D8-544D-8CCB-36073A551F18}"/>
+                      </a:ext>
+                    </a:extLst>
+                  </p:cNvPr>
+                  <p:cNvSpPr/>
+                  <p:nvPr/>
+                </p:nvSpPr>
+                <p:spPr>
+                  <a:xfrm>
+                    <a:off x="4506469" y="4005624"/>
+                    <a:ext cx="1375138" cy="295156"/>
+                  </a:xfrm>
+                  <a:prstGeom prst="rect">
+                    <a:avLst/>
+                  </a:prstGeom>
+                  <a:solidFill>
+                    <a:schemeClr val="bg1"/>
+                  </a:solidFill>
+                  <a:ln>
+                    <a:noFill/>
+                  </a:ln>
+                </p:spPr>
+                <p:style>
+                  <a:lnRef idx="2">
+                    <a:schemeClr val="accent1">
+                      <a:shade val="50000"/>
+                    </a:schemeClr>
+                  </a:lnRef>
+                  <a:fillRef idx="1">
+                    <a:schemeClr val="accent1"/>
+                  </a:fillRef>
+                  <a:effectRef idx="0">
+                    <a:schemeClr val="accent1"/>
+                  </a:effectRef>
+                  <a:fontRef idx="minor">
+                    <a:schemeClr val="lt1"/>
+                  </a:fontRef>
+                </p:style>
+                <p:txBody>
+                  <a:bodyPr rot="0" spcFirstLastPara="0" vertOverflow="overflow" horzOverflow="overflow" vert="horz" wrap="square" lIns="91440" tIns="45720" rIns="91440" bIns="45720" numCol="1" spcCol="0" rtlCol="0" fromWordArt="0" anchor="ctr" anchorCtr="0" forceAA="0" compatLnSpc="1">
+                    <a:prstTxWarp prst="textNoShape">
+                      <a:avLst/>
+                    </a:prstTxWarp>
+                    <a:noAutofit/>
+                  </a:bodyPr>
+                  <a:lstStyle/>
+                  <a:p>
+                    <a:pPr algn="ctr"/>
+                    <a:endParaRPr lang="en-US"/>
+                  </a:p>
+                </p:txBody>
+              </p:sp>
+              <p:sp>
+                <p:nvSpPr>
+                  <p:cNvPr id="57" name="Rectangle 56">
+                    <a:extLst>
+                      <a:ext uri="{FF2B5EF4-FFF2-40B4-BE49-F238E27FC236}">
+                        <a16:creationId xmlns:a16="http://schemas.microsoft.com/office/drawing/2014/main" id="{B6F81E4E-FBCF-4A49-818B-0381A17B3B4C}"/>
+                      </a:ext>
+                    </a:extLst>
+                  </p:cNvPr>
+                  <p:cNvSpPr/>
+                  <p:nvPr/>
+                </p:nvSpPr>
+                <p:spPr>
+                  <a:xfrm>
+                    <a:off x="5754746" y="7432087"/>
+                    <a:ext cx="120511" cy="153293"/>
+                  </a:xfrm>
+                  <a:prstGeom prst="rect">
+                    <a:avLst/>
+                  </a:prstGeom>
+                  <a:solidFill>
+                    <a:schemeClr val="bg1"/>
+                  </a:solidFill>
+                  <a:ln>
+                    <a:noFill/>
+                  </a:ln>
+                </p:spPr>
+                <p:style>
+                  <a:lnRef idx="2">
+                    <a:schemeClr val="accent1">
+                      <a:shade val="50000"/>
+                    </a:schemeClr>
+                  </a:lnRef>
+                  <a:fillRef idx="1">
+                    <a:schemeClr val="accent1"/>
+                  </a:fillRef>
+                  <a:effectRef idx="0">
+                    <a:schemeClr val="accent1"/>
+                  </a:effectRef>
+                  <a:fontRef idx="minor">
+                    <a:schemeClr val="lt1"/>
+                  </a:fontRef>
+                </p:style>
+                <p:txBody>
+                  <a:bodyPr rot="0" spcFirstLastPara="0" vertOverflow="overflow" horzOverflow="overflow" vert="horz" wrap="square" lIns="91440" tIns="45720" rIns="91440" bIns="45720" numCol="1" spcCol="0" rtlCol="0" fromWordArt="0" anchor="ctr" anchorCtr="0" forceAA="0" compatLnSpc="1">
+                    <a:prstTxWarp prst="textNoShape">
+                      <a:avLst/>
+                    </a:prstTxWarp>
+                    <a:noAutofit/>
+                  </a:bodyPr>
+                  <a:lstStyle/>
+                  <a:p>
+                    <a:pPr algn="ctr"/>
+                    <a:endParaRPr lang="en-US"/>
+                  </a:p>
+                </p:txBody>
+              </p:sp>
+              <p:sp>
+                <p:nvSpPr>
+                  <p:cNvPr id="58" name="Rectangle 57">
+                    <a:extLst>
+                      <a:ext uri="{FF2B5EF4-FFF2-40B4-BE49-F238E27FC236}">
+                        <a16:creationId xmlns:a16="http://schemas.microsoft.com/office/drawing/2014/main" id="{A74560E0-80B2-8243-8F38-CFA19FCAA438}"/>
+                      </a:ext>
+                    </a:extLst>
+                  </p:cNvPr>
+                  <p:cNvSpPr/>
+                  <p:nvPr/>
+                </p:nvSpPr>
+                <p:spPr>
+                  <a:xfrm>
+                    <a:off x="4522344" y="9124362"/>
+                    <a:ext cx="120511" cy="153293"/>
+                  </a:xfrm>
+                  <a:prstGeom prst="rect">
+                    <a:avLst/>
+                  </a:prstGeom>
+                  <a:solidFill>
+                    <a:schemeClr val="bg1"/>
+                  </a:solidFill>
+                  <a:ln>
+                    <a:noFill/>
+                  </a:ln>
+                </p:spPr>
+                <p:style>
+                  <a:lnRef idx="2">
+                    <a:schemeClr val="accent1">
+                      <a:shade val="50000"/>
+                    </a:schemeClr>
+                  </a:lnRef>
+                  <a:fillRef idx="1">
+                    <a:schemeClr val="accent1"/>
+                  </a:fillRef>
+                  <a:effectRef idx="0">
+                    <a:schemeClr val="accent1"/>
+                  </a:effectRef>
+                  <a:fontRef idx="minor">
+                    <a:schemeClr val="lt1"/>
+                  </a:fontRef>
+                </p:style>
+                <p:txBody>
+                  <a:bodyPr rot="0" spcFirstLastPara="0" vertOverflow="overflow" horzOverflow="overflow" vert="horz" wrap="square" lIns="91440" tIns="45720" rIns="91440" bIns="45720" numCol="1" spcCol="0" rtlCol="0" fromWordArt="0" anchor="ctr" anchorCtr="0" forceAA="0" compatLnSpc="1">
+                    <a:prstTxWarp prst="textNoShape">
+                      <a:avLst/>
+                    </a:prstTxWarp>
+                    <a:noAutofit/>
+                  </a:bodyPr>
+                  <a:lstStyle/>
+                  <a:p>
+                    <a:pPr algn="ctr"/>
+                    <a:endParaRPr lang="en-US"/>
+                  </a:p>
+                </p:txBody>
+              </p:sp>
+            </p:grpSp>
+            <p:sp>
+              <p:nvSpPr>
+                <p:cNvPr id="60" name="Rectangle 59">
+                  <a:extLst>
+                    <a:ext uri="{FF2B5EF4-FFF2-40B4-BE49-F238E27FC236}">
+                      <a16:creationId xmlns:a16="http://schemas.microsoft.com/office/drawing/2014/main" id="{1C0A3D67-A8DC-9644-B836-91FCD9C2DEA3}"/>
+                    </a:ext>
+                  </a:extLst>
+                </p:cNvPr>
+                <p:cNvSpPr/>
+                <p:nvPr/>
+              </p:nvSpPr>
+              <p:spPr>
+                <a:xfrm>
+                  <a:off x="4109013" y="6933079"/>
+                  <a:ext cx="3640740" cy="246221"/>
+                </a:xfrm>
+                <a:prstGeom prst="rect">
+                  <a:avLst/>
+                </a:prstGeom>
+              </p:spPr>
+              <p:txBody>
+                <a:bodyPr wrap="none">
+                  <a:spAutoFit/>
+                </a:bodyPr>
+                <a:lstStyle/>
+                <a:p>
+                  <a:r>
+                    <a:rPr lang="en-US" sz="1000" dirty="0">
+                      <a:solidFill>
+                        <a:prstClr val="black"/>
+                      </a:solidFill>
+                      <a:latin typeface="Arial" panose="020B0604020202020204" pitchFamily="34" charset="0"/>
+                      <a:cs typeface="Arial" panose="020B0604020202020204" pitchFamily="34" charset="0"/>
+                    </a:rPr>
+                    <a:t>1952   1960   1968   1976   1984   1992   2000    2008   2016</a:t>
+                  </a:r>
+                </a:p>
+              </p:txBody>
+            </p:sp>
+          </p:grpSp>
+        </p:grpSp>
+        <p:sp>
+          <p:nvSpPr>
+            <p:cNvPr id="54" name="Rectangle 53">
+              <a:extLst>
+                <a:ext uri="{FF2B5EF4-FFF2-40B4-BE49-F238E27FC236}">
+                  <a16:creationId xmlns:a16="http://schemas.microsoft.com/office/drawing/2014/main" id="{BC881808-5DA6-7E41-9093-3D31BEE4FE30}"/>
+                </a:ext>
+              </a:extLst>
+            </p:cNvPr>
+            <p:cNvSpPr/>
+            <p:nvPr/>
+          </p:nvSpPr>
+          <p:spPr>
+            <a:xfrm>
+              <a:off x="3910230" y="3783093"/>
+              <a:ext cx="754840" cy="187949"/>
+            </a:xfrm>
+            <a:prstGeom prst="rect">
               <a:avLst/>
             </a:prstGeom>
             <a:solidFill>
-              <a:srgbClr val="A2D674"/>
+              <a:schemeClr val="bg1"/>
             </a:solidFill>
             <a:ln>
               <a:noFill/>
@@ -3986,10 +4463,10 @@
       </p:grpSp>
       <p:sp>
         <p:nvSpPr>
-          <p:cNvPr id="27" name="Rectangle 26">
+          <p:cNvPr id="62" name="Rectangle 61">
             <a:extLst>
               <a:ext uri="{FF2B5EF4-FFF2-40B4-BE49-F238E27FC236}">
-                <a16:creationId xmlns:a16="http://schemas.microsoft.com/office/drawing/2014/main" id="{33B2A77A-F378-DA46-8DBA-4A9B94347BAA}"/>
+                <a16:creationId xmlns:a16="http://schemas.microsoft.com/office/drawing/2014/main" id="{F38F6563-B353-0540-93EA-92F0CBBEB351}"/>
               </a:ext>
             </a:extLst>
           </p:cNvPr>
@@ -3998,38 +4475,533 @@
         </p:nvSpPr>
         <p:spPr>
           <a:xfrm>
-            <a:off x="7233148" y="6321382"/>
-            <a:ext cx="4733988" cy="246221"/>
+            <a:off x="3997608" y="3610590"/>
+            <a:ext cx="407484" cy="461665"/>
           </a:xfrm>
           <a:prstGeom prst="rect">
             <a:avLst/>
           </a:prstGeom>
         </p:spPr>
         <p:txBody>
-          <a:bodyPr wrap="square">
+          <a:bodyPr wrap="none">
             <a:spAutoFit/>
           </a:bodyPr>
           <a:lstStyle/>
           <a:p>
             <a:r>
-              <a:rPr lang="en-US" sz="1000" dirty="0">
+              <a:rPr lang="en-US" sz="2400" dirty="0">
                 <a:solidFill>
                   <a:prstClr val="black"/>
                 </a:solidFill>
                 <a:latin typeface="Arial" panose="020B0604020202020204" pitchFamily="34" charset="0"/>
                 <a:cs typeface="Arial" panose="020B0604020202020204" pitchFamily="34" charset="0"/>
               </a:rPr>
-              <a:t>1960       1967       1974       1981       1988       1995        2002       2009       2016</a:t>
-            </a:r>
-          </a:p>
-        </p:txBody>
-      </p:sp>
-      <p:sp>
-        <p:nvSpPr>
-          <p:cNvPr id="28" name="Rectangle 27">
+              <a:t>D</a:t>
+            </a:r>
+          </a:p>
+        </p:txBody>
+      </p:sp>
+      <p:grpSp>
+        <p:nvGrpSpPr>
+          <p:cNvPr id="23" name="Group 22">
             <a:extLst>
               <a:ext uri="{FF2B5EF4-FFF2-40B4-BE49-F238E27FC236}">
-                <a16:creationId xmlns:a16="http://schemas.microsoft.com/office/drawing/2014/main" id="{BE424F56-8F25-D443-8D01-E359415CDBA6}"/>
+                <a16:creationId xmlns:a16="http://schemas.microsoft.com/office/drawing/2014/main" id="{100F8F77-836A-394F-B07D-76C2BF762654}"/>
+              </a:ext>
+            </a:extLst>
+          </p:cNvPr>
+          <p:cNvGrpSpPr/>
+          <p:nvPr/>
+        </p:nvGrpSpPr>
+        <p:grpSpPr>
+          <a:xfrm>
+            <a:off x="107175" y="3782862"/>
+            <a:ext cx="3922869" cy="3436202"/>
+            <a:chOff x="153764" y="3743098"/>
+            <a:chExt cx="3922869" cy="3436202"/>
+          </a:xfrm>
+        </p:grpSpPr>
+        <p:grpSp>
+          <p:nvGrpSpPr>
+            <p:cNvPr id="22" name="Group 21">
+              <a:extLst>
+                <a:ext uri="{FF2B5EF4-FFF2-40B4-BE49-F238E27FC236}">
+                  <a16:creationId xmlns:a16="http://schemas.microsoft.com/office/drawing/2014/main" id="{A8597D40-CEF6-8C43-A7FC-85CF60475862}"/>
+                </a:ext>
+              </a:extLst>
+            </p:cNvPr>
+            <p:cNvGrpSpPr/>
+            <p:nvPr/>
+          </p:nvGrpSpPr>
+          <p:grpSpPr>
+            <a:xfrm>
+              <a:off x="153764" y="3743098"/>
+              <a:ext cx="3922869" cy="3436202"/>
+              <a:chOff x="153764" y="3743098"/>
+              <a:chExt cx="3922869" cy="3436202"/>
+            </a:xfrm>
+          </p:grpSpPr>
+          <p:grpSp>
+            <p:nvGrpSpPr>
+              <p:cNvPr id="52" name="Group 51">
+                <a:extLst>
+                  <a:ext uri="{FF2B5EF4-FFF2-40B4-BE49-F238E27FC236}">
+                    <a16:creationId xmlns:a16="http://schemas.microsoft.com/office/drawing/2014/main" id="{8EA84201-144A-C545-A127-628B8E640CFE}"/>
+                  </a:ext>
+                </a:extLst>
+              </p:cNvPr>
+              <p:cNvGrpSpPr/>
+              <p:nvPr/>
+            </p:nvGrpSpPr>
+            <p:grpSpPr>
+              <a:xfrm>
+                <a:off x="153764" y="3743098"/>
+                <a:ext cx="3922869" cy="3436202"/>
+                <a:chOff x="-23067" y="3683831"/>
+                <a:chExt cx="3922869" cy="3436202"/>
+              </a:xfrm>
+            </p:grpSpPr>
+            <p:grpSp>
+              <p:nvGrpSpPr>
+                <p:cNvPr id="50" name="Group 49">
+                  <a:extLst>
+                    <a:ext uri="{FF2B5EF4-FFF2-40B4-BE49-F238E27FC236}">
+                      <a16:creationId xmlns:a16="http://schemas.microsoft.com/office/drawing/2014/main" id="{9F4F6E32-B09D-3249-85D0-B8441CB3A34A}"/>
+                    </a:ext>
+                  </a:extLst>
+                </p:cNvPr>
+                <p:cNvGrpSpPr/>
+                <p:nvPr/>
+              </p:nvGrpSpPr>
+              <p:grpSpPr>
+                <a:xfrm>
+                  <a:off x="146290" y="3683831"/>
+                  <a:ext cx="2371162" cy="3085908"/>
+                  <a:chOff x="6104692" y="2432331"/>
+                  <a:chExt cx="4786528" cy="6229343"/>
+                </a:xfrm>
+              </p:grpSpPr>
+              <p:sp>
+                <p:nvSpPr>
+                  <p:cNvPr id="47" name="Rectangle 46">
+                    <a:extLst>
+                      <a:ext uri="{FF2B5EF4-FFF2-40B4-BE49-F238E27FC236}">
+                        <a16:creationId xmlns:a16="http://schemas.microsoft.com/office/drawing/2014/main" id="{CA0D4FA6-6201-BC42-B3F3-F0E25B253EB4}"/>
+                      </a:ext>
+                    </a:extLst>
+                  </p:cNvPr>
+                  <p:cNvSpPr/>
+                  <p:nvPr/>
+                </p:nvSpPr>
+                <p:spPr>
+                  <a:xfrm>
+                    <a:off x="6104692" y="2432331"/>
+                    <a:ext cx="1523752" cy="379402"/>
+                  </a:xfrm>
+                  <a:prstGeom prst="rect">
+                    <a:avLst/>
+                  </a:prstGeom>
+                  <a:solidFill>
+                    <a:schemeClr val="bg1"/>
+                  </a:solidFill>
+                  <a:ln>
+                    <a:noFill/>
+                  </a:ln>
+                </p:spPr>
+                <p:style>
+                  <a:lnRef idx="2">
+                    <a:schemeClr val="accent1">
+                      <a:shade val="50000"/>
+                    </a:schemeClr>
+                  </a:lnRef>
+                  <a:fillRef idx="1">
+                    <a:schemeClr val="accent1"/>
+                  </a:fillRef>
+                  <a:effectRef idx="0">
+                    <a:schemeClr val="accent1"/>
+                  </a:effectRef>
+                  <a:fontRef idx="minor">
+                    <a:schemeClr val="lt1"/>
+                  </a:fontRef>
+                </p:style>
+                <p:txBody>
+                  <a:bodyPr rot="0" spcFirstLastPara="0" vertOverflow="overflow" horzOverflow="overflow" vert="horz" wrap="square" lIns="91440" tIns="45720" rIns="91440" bIns="45720" numCol="1" spcCol="0" rtlCol="0" fromWordArt="0" anchor="ctr" anchorCtr="0" forceAA="0" compatLnSpc="1">
+                    <a:prstTxWarp prst="textNoShape">
+                      <a:avLst/>
+                    </a:prstTxWarp>
+                    <a:noAutofit/>
+                  </a:bodyPr>
+                  <a:lstStyle/>
+                  <a:p>
+                    <a:pPr algn="ctr"/>
+                    <a:endParaRPr lang="en-US"/>
+                  </a:p>
+                </p:txBody>
+              </p:sp>
+              <p:sp>
+                <p:nvSpPr>
+                  <p:cNvPr id="48" name="Rectangle 47">
+                    <a:extLst>
+                      <a:ext uri="{FF2B5EF4-FFF2-40B4-BE49-F238E27FC236}">
+                        <a16:creationId xmlns:a16="http://schemas.microsoft.com/office/drawing/2014/main" id="{279780D8-0DAC-0B4B-B83C-022C3148D075}"/>
+                      </a:ext>
+                    </a:extLst>
+                  </p:cNvPr>
+                  <p:cNvSpPr/>
+                  <p:nvPr/>
+                </p:nvSpPr>
+                <p:spPr>
+                  <a:xfrm>
+                    <a:off x="7748337" y="5461462"/>
+                    <a:ext cx="143374" cy="188234"/>
+                  </a:xfrm>
+                  <a:prstGeom prst="rect">
+                    <a:avLst/>
+                  </a:prstGeom>
+                  <a:solidFill>
+                    <a:schemeClr val="bg1"/>
+                  </a:solidFill>
+                  <a:ln>
+                    <a:noFill/>
+                  </a:ln>
+                </p:spPr>
+                <p:style>
+                  <a:lnRef idx="2">
+                    <a:schemeClr val="accent1">
+                      <a:shade val="50000"/>
+                    </a:schemeClr>
+                  </a:lnRef>
+                  <a:fillRef idx="1">
+                    <a:schemeClr val="accent1"/>
+                  </a:fillRef>
+                  <a:effectRef idx="0">
+                    <a:schemeClr val="accent1"/>
+                  </a:effectRef>
+                  <a:fontRef idx="minor">
+                    <a:schemeClr val="lt1"/>
+                  </a:fontRef>
+                </p:style>
+                <p:txBody>
+                  <a:bodyPr rot="0" spcFirstLastPara="0" vertOverflow="overflow" horzOverflow="overflow" vert="horz" wrap="square" lIns="91440" tIns="45720" rIns="91440" bIns="45720" numCol="1" spcCol="0" rtlCol="0" fromWordArt="0" anchor="ctr" anchorCtr="0" forceAA="0" compatLnSpc="1">
+                    <a:prstTxWarp prst="textNoShape">
+                      <a:avLst/>
+                    </a:prstTxWarp>
+                    <a:noAutofit/>
+                  </a:bodyPr>
+                  <a:lstStyle/>
+                  <a:p>
+                    <a:pPr algn="ctr"/>
+                    <a:endParaRPr lang="en-US"/>
+                  </a:p>
+                </p:txBody>
+              </p:sp>
+              <p:sp>
+                <p:nvSpPr>
+                  <p:cNvPr id="49" name="Rectangle 48">
+                    <a:extLst>
+                      <a:ext uri="{FF2B5EF4-FFF2-40B4-BE49-F238E27FC236}">
+                        <a16:creationId xmlns:a16="http://schemas.microsoft.com/office/drawing/2014/main" id="{2D665D3F-0702-3147-826E-0D1C86FBE783}"/>
+                      </a:ext>
+                    </a:extLst>
+                  </p:cNvPr>
+                  <p:cNvSpPr/>
+                  <p:nvPr/>
+                </p:nvSpPr>
+                <p:spPr>
+                  <a:xfrm>
+                    <a:off x="10747846" y="8473440"/>
+                    <a:ext cx="143374" cy="188234"/>
+                  </a:xfrm>
+                  <a:prstGeom prst="rect">
+                    <a:avLst/>
+                  </a:prstGeom>
+                  <a:solidFill>
+                    <a:schemeClr val="bg1"/>
+                  </a:solidFill>
+                  <a:ln>
+                    <a:noFill/>
+                  </a:ln>
+                </p:spPr>
+                <p:style>
+                  <a:lnRef idx="2">
+                    <a:schemeClr val="accent1">
+                      <a:shade val="50000"/>
+                    </a:schemeClr>
+                  </a:lnRef>
+                  <a:fillRef idx="1">
+                    <a:schemeClr val="accent1"/>
+                  </a:fillRef>
+                  <a:effectRef idx="0">
+                    <a:schemeClr val="accent1"/>
+                  </a:effectRef>
+                  <a:fontRef idx="minor">
+                    <a:schemeClr val="lt1"/>
+                  </a:fontRef>
+                </p:style>
+                <p:txBody>
+                  <a:bodyPr rot="0" spcFirstLastPara="0" vertOverflow="overflow" horzOverflow="overflow" vert="horz" wrap="square" lIns="91440" tIns="45720" rIns="91440" bIns="45720" numCol="1" spcCol="0" rtlCol="0" fromWordArt="0" anchor="ctr" anchorCtr="0" forceAA="0" compatLnSpc="1">
+                    <a:prstTxWarp prst="textNoShape">
+                      <a:avLst/>
+                    </a:prstTxWarp>
+                    <a:noAutofit/>
+                  </a:bodyPr>
+                  <a:lstStyle/>
+                  <a:p>
+                    <a:pPr algn="ctr"/>
+                    <a:endParaRPr lang="en-US"/>
+                  </a:p>
+                </p:txBody>
+              </p:sp>
+            </p:grpSp>
+            <p:sp>
+              <p:nvSpPr>
+                <p:cNvPr id="51" name="Rectangle 50">
+                  <a:extLst>
+                    <a:ext uri="{FF2B5EF4-FFF2-40B4-BE49-F238E27FC236}">
+                      <a16:creationId xmlns:a16="http://schemas.microsoft.com/office/drawing/2014/main" id="{37916D32-F79C-2245-A901-DBD514602B9E}"/>
+                    </a:ext>
+                  </a:extLst>
+                </p:cNvPr>
+                <p:cNvSpPr/>
+                <p:nvPr/>
+              </p:nvSpPr>
+              <p:spPr>
+                <a:xfrm>
+                  <a:off x="-23067" y="6873812"/>
+                  <a:ext cx="3922869" cy="246221"/>
+                </a:xfrm>
+                <a:prstGeom prst="rect">
+                  <a:avLst/>
+                </a:prstGeom>
+              </p:spPr>
+              <p:txBody>
+                <a:bodyPr wrap="none">
+                  <a:spAutoFit/>
+                </a:bodyPr>
+                <a:lstStyle/>
+                <a:p>
+                  <a:r>
+                    <a:rPr lang="en-US" sz="1000" dirty="0">
+                      <a:solidFill>
+                        <a:prstClr val="black"/>
+                      </a:solidFill>
+                      <a:latin typeface="Arial" panose="020B0604020202020204" pitchFamily="34" charset="0"/>
+                      <a:cs typeface="Arial" panose="020B0604020202020204" pitchFamily="34" charset="0"/>
+                    </a:rPr>
+                    <a:t>1968    1974    1980    1986    1992    1998    2004    2010    2016</a:t>
+                  </a:r>
+                </a:p>
+              </p:txBody>
+            </p:sp>
+          </p:grpSp>
+          <p:pic>
+            <p:nvPicPr>
+              <p:cNvPr id="21" name="Picture 20">
+                <a:extLst>
+                  <a:ext uri="{FF2B5EF4-FFF2-40B4-BE49-F238E27FC236}">
+                    <a16:creationId xmlns:a16="http://schemas.microsoft.com/office/drawing/2014/main" id="{D928ED36-0726-6C4B-9DF4-3604C4F679C2}"/>
+                  </a:ext>
+                </a:extLst>
+              </p:cNvPr>
+              <p:cNvPicPr>
+                <a:picLocks noChangeAspect="1"/>
+              </p:cNvPicPr>
+              <p:nvPr/>
+            </p:nvPicPr>
+            <p:blipFill rotWithShape="1">
+              <a:blip r:embed="rId6"/>
+              <a:srcRect t="2402" b="2910"/>
+              <a:stretch/>
+            </p:blipFill>
+            <p:spPr>
+              <a:xfrm>
+                <a:off x="259201" y="3821298"/>
+                <a:ext cx="3673695" cy="3137804"/>
+              </a:xfrm>
+              <a:prstGeom prst="rect">
+                <a:avLst/>
+              </a:prstGeom>
+            </p:spPr>
+          </p:pic>
+          <p:sp>
+            <p:nvSpPr>
+              <p:cNvPr id="63" name="Rectangle 62">
+                <a:extLst>
+                  <a:ext uri="{FF2B5EF4-FFF2-40B4-BE49-F238E27FC236}">
+                    <a16:creationId xmlns:a16="http://schemas.microsoft.com/office/drawing/2014/main" id="{65B8D986-C1F7-334C-AB94-5456567F90C2}"/>
+                  </a:ext>
+                </a:extLst>
+              </p:cNvPr>
+              <p:cNvSpPr/>
+              <p:nvPr/>
+            </p:nvSpPr>
+            <p:spPr>
+              <a:xfrm>
+                <a:off x="290886" y="3789671"/>
+                <a:ext cx="754840" cy="187949"/>
+              </a:xfrm>
+              <a:prstGeom prst="rect">
+                <a:avLst/>
+              </a:prstGeom>
+              <a:solidFill>
+                <a:schemeClr val="bg1"/>
+              </a:solidFill>
+              <a:ln>
+                <a:noFill/>
+              </a:ln>
+            </p:spPr>
+            <p:style>
+              <a:lnRef idx="2">
+                <a:schemeClr val="accent1">
+                  <a:shade val="50000"/>
+                </a:schemeClr>
+              </a:lnRef>
+              <a:fillRef idx="1">
+                <a:schemeClr val="accent1"/>
+              </a:fillRef>
+              <a:effectRef idx="0">
+                <a:schemeClr val="accent1"/>
+              </a:effectRef>
+              <a:fontRef idx="minor">
+                <a:schemeClr val="lt1"/>
+              </a:fontRef>
+            </p:style>
+            <p:txBody>
+              <a:bodyPr rot="0" spcFirstLastPara="0" vertOverflow="overflow" horzOverflow="overflow" vert="horz" wrap="square" lIns="91440" tIns="45720" rIns="91440" bIns="45720" numCol="1" spcCol="0" rtlCol="0" fromWordArt="0" anchor="ctr" anchorCtr="0" forceAA="0" compatLnSpc="1">
+                <a:prstTxWarp prst="textNoShape">
+                  <a:avLst/>
+                </a:prstTxWarp>
+                <a:noAutofit/>
+              </a:bodyPr>
+              <a:lstStyle/>
+              <a:p>
+                <a:pPr algn="ctr"/>
+                <a:endParaRPr lang="en-US"/>
+              </a:p>
+            </p:txBody>
+          </p:sp>
+        </p:grpSp>
+        <p:sp>
+          <p:nvSpPr>
+            <p:cNvPr id="64" name="Rectangle 63">
+              <a:extLst>
+                <a:ext uri="{FF2B5EF4-FFF2-40B4-BE49-F238E27FC236}">
+                  <a16:creationId xmlns:a16="http://schemas.microsoft.com/office/drawing/2014/main" id="{3981B468-1E5C-4C40-BE96-FEDAF1FFC366}"/>
+                </a:ext>
+              </a:extLst>
+            </p:cNvPr>
+            <p:cNvSpPr/>
+            <p:nvPr/>
+          </p:nvSpPr>
+          <p:spPr>
+            <a:xfrm>
+              <a:off x="1022841" y="5287126"/>
+              <a:ext cx="64970" cy="64970"/>
+            </a:xfrm>
+            <a:prstGeom prst="rect">
+              <a:avLst/>
+            </a:prstGeom>
+            <a:solidFill>
+              <a:schemeClr val="bg1"/>
+            </a:solidFill>
+            <a:ln>
+              <a:noFill/>
+            </a:ln>
+          </p:spPr>
+          <p:style>
+            <a:lnRef idx="2">
+              <a:schemeClr val="accent1">
+                <a:shade val="50000"/>
+              </a:schemeClr>
+            </a:lnRef>
+            <a:fillRef idx="1">
+              <a:schemeClr val="accent1"/>
+            </a:fillRef>
+            <a:effectRef idx="0">
+              <a:schemeClr val="accent1"/>
+            </a:effectRef>
+            <a:fontRef idx="minor">
+              <a:schemeClr val="lt1"/>
+            </a:fontRef>
+          </p:style>
+          <p:txBody>
+            <a:bodyPr rot="0" spcFirstLastPara="0" vertOverflow="overflow" horzOverflow="overflow" vert="horz" wrap="square" lIns="91440" tIns="45720" rIns="91440" bIns="45720" numCol="1" spcCol="0" rtlCol="0" fromWordArt="0" anchor="ctr" anchorCtr="0" forceAA="0" compatLnSpc="1">
+              <a:prstTxWarp prst="textNoShape">
+                <a:avLst/>
+              </a:prstTxWarp>
+              <a:noAutofit/>
+            </a:bodyPr>
+            <a:lstStyle/>
+            <a:p>
+              <a:pPr algn="ctr"/>
+              <a:endParaRPr lang="en-US"/>
+            </a:p>
+          </p:txBody>
+        </p:sp>
+        <p:sp>
+          <p:nvSpPr>
+            <p:cNvPr id="65" name="Rectangle 64">
+              <a:extLst>
+                <a:ext uri="{FF2B5EF4-FFF2-40B4-BE49-F238E27FC236}">
+                  <a16:creationId xmlns:a16="http://schemas.microsoft.com/office/drawing/2014/main" id="{A8F6B48D-DAB1-D446-8874-BE6F9B092687}"/>
+                </a:ext>
+              </a:extLst>
+            </p:cNvPr>
+            <p:cNvSpPr/>
+            <p:nvPr/>
+          </p:nvSpPr>
+          <p:spPr>
+            <a:xfrm>
+              <a:off x="2655595" y="6758175"/>
+              <a:ext cx="64970" cy="64970"/>
+            </a:xfrm>
+            <a:prstGeom prst="rect">
+              <a:avLst/>
+            </a:prstGeom>
+            <a:solidFill>
+              <a:schemeClr val="bg1"/>
+            </a:solidFill>
+            <a:ln>
+              <a:noFill/>
+            </a:ln>
+          </p:spPr>
+          <p:style>
+            <a:lnRef idx="2">
+              <a:schemeClr val="accent1">
+                <a:shade val="50000"/>
+              </a:schemeClr>
+            </a:lnRef>
+            <a:fillRef idx="1">
+              <a:schemeClr val="accent1"/>
+            </a:fillRef>
+            <a:effectRef idx="0">
+              <a:schemeClr val="accent1"/>
+            </a:effectRef>
+            <a:fontRef idx="minor">
+              <a:schemeClr val="lt1"/>
+            </a:fontRef>
+          </p:style>
+          <p:txBody>
+            <a:bodyPr rot="0" spcFirstLastPara="0" vertOverflow="overflow" horzOverflow="overflow" vert="horz" wrap="square" lIns="91440" tIns="45720" rIns="91440" bIns="45720" numCol="1" spcCol="0" rtlCol="0" fromWordArt="0" anchor="ctr" anchorCtr="0" forceAA="0" compatLnSpc="1">
+              <a:prstTxWarp prst="textNoShape">
+                <a:avLst/>
+              </a:prstTxWarp>
+              <a:noAutofit/>
+            </a:bodyPr>
+            <a:lstStyle/>
+            <a:p>
+              <a:pPr algn="ctr"/>
+              <a:endParaRPr lang="en-US"/>
+            </a:p>
+          </p:txBody>
+        </p:sp>
+      </p:grpSp>
+      <p:sp>
+        <p:nvSpPr>
+          <p:cNvPr id="53" name="Rectangle 52">
+            <a:extLst>
+              <a:ext uri="{FF2B5EF4-FFF2-40B4-BE49-F238E27FC236}">
+                <a16:creationId xmlns:a16="http://schemas.microsoft.com/office/drawing/2014/main" id="{41FCDA0B-F931-CA42-B91E-AF1465142777}"/>
               </a:ext>
             </a:extLst>
           </p:cNvPr>
@@ -4038,67 +5010,38 @@
         </p:nvSpPr>
         <p:spPr>
           <a:xfrm>
-            <a:off x="7233148" y="2948281"/>
-            <a:ext cx="4733988" cy="246221"/>
+            <a:off x="222742" y="3601429"/>
+            <a:ext cx="407484" cy="461665"/>
           </a:xfrm>
           <a:prstGeom prst="rect">
             <a:avLst/>
           </a:prstGeom>
         </p:spPr>
         <p:txBody>
-          <a:bodyPr wrap="square">
+          <a:bodyPr wrap="none">
             <a:spAutoFit/>
           </a:bodyPr>
           <a:lstStyle/>
           <a:p>
             <a:r>
-              <a:rPr lang="en-US" sz="1000" dirty="0">
+              <a:rPr lang="en-US" sz="2400" dirty="0">
                 <a:solidFill>
                   <a:prstClr val="black"/>
                 </a:solidFill>
                 <a:latin typeface="Arial" panose="020B0604020202020204" pitchFamily="34" charset="0"/>
                 <a:cs typeface="Arial" panose="020B0604020202020204" pitchFamily="34" charset="0"/>
               </a:rPr>
-              <a:t>1960       1967       1974       1981       1988       1995        2002       2009       2016</a:t>
-            </a:r>
-          </a:p>
-        </p:txBody>
-      </p:sp>
-      <p:pic>
-        <p:nvPicPr>
-          <p:cNvPr id="30" name="Picture 29">
+              <a:t>C</a:t>
+            </a:r>
+          </a:p>
+        </p:txBody>
+      </p:sp>
+      <p:sp>
+        <p:nvSpPr>
+          <p:cNvPr id="42" name="Rectangle 41">
             <a:extLst>
               <a:ext uri="{FF2B5EF4-FFF2-40B4-BE49-F238E27FC236}">
-                <a16:creationId xmlns:a16="http://schemas.microsoft.com/office/drawing/2014/main" id="{779A965B-89FA-F044-A3AA-A3D5161AC0D7}"/>
-              </a:ext>
-            </a:extLst>
-          </p:cNvPr>
-          <p:cNvPicPr>
-            <a:picLocks noChangeAspect="1"/>
-          </p:cNvPicPr>
-          <p:nvPr/>
-        </p:nvPicPr>
-        <p:blipFill rotWithShape="1">
-          <a:blip r:embed="rId4"/>
-          <a:srcRect l="5140" t="3149" r="9315" b="2708"/>
-          <a:stretch/>
-        </p:blipFill>
-        <p:spPr>
-          <a:xfrm>
-            <a:off x="272956" y="382556"/>
-            <a:ext cx="6370560" cy="5842259"/>
-          </a:xfrm>
-          <a:prstGeom prst="rect">
-            <a:avLst/>
-          </a:prstGeom>
-        </p:spPr>
-      </p:pic>
-      <p:sp>
-        <p:nvSpPr>
-          <p:cNvPr id="31" name="Rectangle 30">
-            <a:extLst>
-              <a:ext uri="{FF2B5EF4-FFF2-40B4-BE49-F238E27FC236}">
-                <a16:creationId xmlns:a16="http://schemas.microsoft.com/office/drawing/2014/main" id="{028B0D8F-17D0-1941-A1E4-09FA37F5215E}"/>
+                <a16:creationId xmlns:a16="http://schemas.microsoft.com/office/drawing/2014/main" id="{41AECF1E-B844-2648-89EE-3DE357063528}"/>
               </a:ext>
             </a:extLst>
           </p:cNvPr>
@@ -4107,119 +5050,8 @@
         </p:nvSpPr>
         <p:spPr>
           <a:xfrm>
-            <a:off x="84139" y="18223"/>
-            <a:ext cx="389850" cy="461665"/>
-          </a:xfrm>
-          <a:prstGeom prst="rect">
-            <a:avLst/>
-          </a:prstGeom>
-        </p:spPr>
-        <p:txBody>
-          <a:bodyPr wrap="none">
-            <a:spAutoFit/>
-          </a:bodyPr>
-          <a:lstStyle/>
-          <a:p>
-            <a:r>
-              <a:rPr lang="en-US" sz="2400" dirty="0">
-                <a:latin typeface="Arial" panose="020B0604020202020204" pitchFamily="34" charset="0"/>
-                <a:cs typeface="Arial" panose="020B0604020202020204" pitchFamily="34" charset="0"/>
-              </a:rPr>
-              <a:t>A</a:t>
-            </a:r>
-          </a:p>
-        </p:txBody>
-      </p:sp>
-      <p:sp>
-        <p:nvSpPr>
-          <p:cNvPr id="32" name="Rectangle 31">
-            <a:extLst>
-              <a:ext uri="{FF2B5EF4-FFF2-40B4-BE49-F238E27FC236}">
-                <a16:creationId xmlns:a16="http://schemas.microsoft.com/office/drawing/2014/main" id="{159AA14E-0BB6-7E4C-9B25-628057BD119B}"/>
-              </a:ext>
-            </a:extLst>
-          </p:cNvPr>
-          <p:cNvSpPr/>
-          <p:nvPr/>
-        </p:nvSpPr>
-        <p:spPr>
-          <a:xfrm>
-            <a:off x="6673795" y="4575"/>
-            <a:ext cx="389850" cy="461665"/>
-          </a:xfrm>
-          <a:prstGeom prst="rect">
-            <a:avLst/>
-          </a:prstGeom>
-        </p:spPr>
-        <p:txBody>
-          <a:bodyPr wrap="none">
-            <a:spAutoFit/>
-          </a:bodyPr>
-          <a:lstStyle/>
-          <a:p>
-            <a:r>
-              <a:rPr lang="en-US" sz="2400" dirty="0">
-                <a:latin typeface="Arial" panose="020B0604020202020204" pitchFamily="34" charset="0"/>
-                <a:cs typeface="Arial" panose="020B0604020202020204" pitchFamily="34" charset="0"/>
-              </a:rPr>
-              <a:t>B</a:t>
-            </a:r>
-          </a:p>
-        </p:txBody>
-      </p:sp>
-      <p:sp>
-        <p:nvSpPr>
-          <p:cNvPr id="33" name="Rectangle 32">
-            <a:extLst>
-              <a:ext uri="{FF2B5EF4-FFF2-40B4-BE49-F238E27FC236}">
-                <a16:creationId xmlns:a16="http://schemas.microsoft.com/office/drawing/2014/main" id="{A57107E1-7C56-8D46-BE77-17C1C260E2F7}"/>
-              </a:ext>
-            </a:extLst>
-          </p:cNvPr>
-          <p:cNvSpPr/>
-          <p:nvPr/>
-        </p:nvSpPr>
-        <p:spPr>
-          <a:xfrm rot="16200000">
-            <a:off x="-1264904" y="2572474"/>
-            <a:ext cx="2752677" cy="307777"/>
-          </a:xfrm>
-          <a:prstGeom prst="rect">
-            <a:avLst/>
-          </a:prstGeom>
-        </p:spPr>
-        <p:txBody>
-          <a:bodyPr wrap="none">
-            <a:spAutoFit/>
-          </a:bodyPr>
-          <a:lstStyle/>
-          <a:p>
-            <a:r>
-              <a:rPr lang="en-US" sz="1400" dirty="0">
-                <a:latin typeface="Arial" panose="020B0604020202020204" pitchFamily="34" charset="0"/>
-                <a:cs typeface="Arial" panose="020B0604020202020204" pitchFamily="34" charset="0"/>
-              </a:rPr>
-              <a:t>Amino acid substitutions per site</a:t>
-            </a:r>
-          </a:p>
-        </p:txBody>
-      </p:sp>
-      <p:sp>
-        <p:nvSpPr>
-          <p:cNvPr id="35" name="TextBox 34">
-            <a:extLst>
-              <a:ext uri="{FF2B5EF4-FFF2-40B4-BE49-F238E27FC236}">
-                <a16:creationId xmlns:a16="http://schemas.microsoft.com/office/drawing/2014/main" id="{196BE6B7-9407-A34E-999E-66723CA8A74A}"/>
-              </a:ext>
-            </a:extLst>
-          </p:cNvPr>
-          <p:cNvSpPr txBox="1"/>
-          <p:nvPr/>
-        </p:nvSpPr>
-        <p:spPr>
-          <a:xfrm>
-            <a:off x="5655020" y="556160"/>
-            <a:ext cx="1030603" cy="646331"/>
+            <a:off x="2332399" y="3764477"/>
+            <a:ext cx="663964" cy="307777"/>
           </a:xfrm>
           <a:prstGeom prst="rect">
             <a:avLst/>
@@ -4227,59 +5059,32 @@
           <a:solidFill>
             <a:schemeClr val="bg1"/>
           </a:solidFill>
-          <a:ln w="15875" cap="rnd">
-            <a:solidFill>
-              <a:srgbClr val="D6D6D6"/>
-            </a:solidFill>
-          </a:ln>
         </p:spPr>
         <p:txBody>
-          <a:bodyPr wrap="none" rtlCol="0">
+          <a:bodyPr wrap="none">
             <a:spAutoFit/>
           </a:bodyPr>
           <a:lstStyle/>
           <a:p>
             <a:r>
-              <a:rPr lang="en-US" sz="1200" dirty="0">
+              <a:rPr lang="en-US" sz="1400" dirty="0">
+                <a:solidFill>
+                  <a:prstClr val="black"/>
+                </a:solidFill>
                 <a:latin typeface="Arial" panose="020B0604020202020204" pitchFamily="34" charset="0"/>
                 <a:cs typeface="Arial" panose="020B0604020202020204" pitchFamily="34" charset="0"/>
               </a:rPr>
-              <a:t>     </a:t>
-            </a:r>
-            <a:r>
-              <a:rPr lang="en-US" sz="1200" b="1" dirty="0">
-                <a:latin typeface="Arial" panose="020B0604020202020204" pitchFamily="34" charset="0"/>
-                <a:cs typeface="Arial" panose="020B0604020202020204" pitchFamily="34" charset="0"/>
-              </a:rPr>
-              <a:t>OC43</a:t>
-            </a:r>
-          </a:p>
-          <a:p>
-            <a:r>
-              <a:rPr lang="en-US" sz="1200" dirty="0">
-                <a:latin typeface="Arial" panose="020B0604020202020204" pitchFamily="34" charset="0"/>
-                <a:cs typeface="Arial" panose="020B0604020202020204" pitchFamily="34" charset="0"/>
-              </a:rPr>
-              <a:t>     lineage A</a:t>
-            </a:r>
-          </a:p>
-          <a:p>
-            <a:r>
-              <a:rPr lang="en-US" sz="1200" dirty="0">
-                <a:latin typeface="Arial" panose="020B0604020202020204" pitchFamily="34" charset="0"/>
-                <a:cs typeface="Arial" panose="020B0604020202020204" pitchFamily="34" charset="0"/>
-              </a:rPr>
-              <a:t>     lineage B</a:t>
-            </a:r>
-          </a:p>
-        </p:txBody>
-      </p:sp>
-      <p:sp>
-        <p:nvSpPr>
-          <p:cNvPr id="36" name="Oval 35">
+              <a:t>HKU1</a:t>
+            </a:r>
+          </a:p>
+        </p:txBody>
+      </p:sp>
+      <p:sp>
+        <p:nvSpPr>
+          <p:cNvPr id="40" name="Rectangle 39">
             <a:extLst>
               <a:ext uri="{FF2B5EF4-FFF2-40B4-BE49-F238E27FC236}">
-                <a16:creationId xmlns:a16="http://schemas.microsoft.com/office/drawing/2014/main" id="{623E61AA-99FC-3040-A9F4-0FF33374D30A}"/>
+                <a16:creationId xmlns:a16="http://schemas.microsoft.com/office/drawing/2014/main" id="{B0509F6C-219E-DC40-8F9B-098BB2EF4A9D}"/>
               </a:ext>
             </a:extLst>
           </p:cNvPr>
@@ -4288,122 +5093,8 @@
         </p:nvSpPr>
         <p:spPr>
           <a:xfrm>
-            <a:off x="5733615" y="794597"/>
-            <a:ext cx="146304" cy="146304"/>
-          </a:xfrm>
-          <a:prstGeom prst="ellipse">
-            <a:avLst/>
-          </a:prstGeom>
-          <a:solidFill>
-            <a:srgbClr val="CB4335"/>
-          </a:solidFill>
-          <a:ln>
-            <a:noFill/>
-          </a:ln>
-        </p:spPr>
-        <p:style>
-          <a:lnRef idx="2">
-            <a:schemeClr val="accent1">
-              <a:shade val="50000"/>
-            </a:schemeClr>
-          </a:lnRef>
-          <a:fillRef idx="1">
-            <a:schemeClr val="accent1"/>
-          </a:fillRef>
-          <a:effectRef idx="0">
-            <a:schemeClr val="accent1"/>
-          </a:effectRef>
-          <a:fontRef idx="minor">
-            <a:schemeClr val="lt1"/>
-          </a:fontRef>
-        </p:style>
-        <p:txBody>
-          <a:bodyPr rot="0" spcFirstLastPara="0" vertOverflow="overflow" horzOverflow="overflow" vert="horz" wrap="square" lIns="91440" tIns="45720" rIns="91440" bIns="45720" numCol="1" spcCol="0" rtlCol="0" fromWordArt="0" anchor="ctr" anchorCtr="0" forceAA="0" compatLnSpc="1">
-            <a:prstTxWarp prst="textNoShape">
-              <a:avLst/>
-            </a:prstTxWarp>
-            <a:noAutofit/>
-          </a:bodyPr>
-          <a:lstStyle/>
-          <a:p>
-            <a:pPr algn="ctr"/>
-            <a:endParaRPr lang="en-US"/>
-          </a:p>
-        </p:txBody>
-      </p:sp>
-      <p:sp>
-        <p:nvSpPr>
-          <p:cNvPr id="37" name="Oval 36">
-            <a:extLst>
-              <a:ext uri="{FF2B5EF4-FFF2-40B4-BE49-F238E27FC236}">
-                <a16:creationId xmlns:a16="http://schemas.microsoft.com/office/drawing/2014/main" id="{7A831FDD-5EF6-0A4A-A59D-4BB38979463B}"/>
-              </a:ext>
-            </a:extLst>
-          </p:cNvPr>
-          <p:cNvSpPr/>
-          <p:nvPr/>
-        </p:nvSpPr>
-        <p:spPr>
-          <a:xfrm>
-            <a:off x="5733615" y="985978"/>
-            <a:ext cx="146304" cy="146304"/>
-          </a:xfrm>
-          <a:prstGeom prst="ellipse">
-            <a:avLst/>
-          </a:prstGeom>
-          <a:solidFill>
-            <a:srgbClr val="FF9A00"/>
-          </a:solidFill>
-          <a:ln>
-            <a:noFill/>
-          </a:ln>
-        </p:spPr>
-        <p:style>
-          <a:lnRef idx="2">
-            <a:schemeClr val="accent1">
-              <a:shade val="50000"/>
-            </a:schemeClr>
-          </a:lnRef>
-          <a:fillRef idx="1">
-            <a:schemeClr val="accent1"/>
-          </a:fillRef>
-          <a:effectRef idx="0">
-            <a:schemeClr val="accent1"/>
-          </a:effectRef>
-          <a:fontRef idx="minor">
-            <a:schemeClr val="lt1"/>
-          </a:fontRef>
-        </p:style>
-        <p:txBody>
-          <a:bodyPr rot="0" spcFirstLastPara="0" vertOverflow="overflow" horzOverflow="overflow" vert="horz" wrap="square" lIns="91440" tIns="45720" rIns="91440" bIns="45720" numCol="1" spcCol="0" rtlCol="0" fromWordArt="0" anchor="ctr" anchorCtr="0" forceAA="0" compatLnSpc="1">
-            <a:prstTxWarp prst="textNoShape">
-              <a:avLst/>
-            </a:prstTxWarp>
-            <a:noAutofit/>
-          </a:bodyPr>
-          <a:lstStyle/>
-          <a:p>
-            <a:pPr algn="ctr"/>
-            <a:endParaRPr lang="en-US"/>
-          </a:p>
-        </p:txBody>
-      </p:sp>
-      <p:sp>
-        <p:nvSpPr>
-          <p:cNvPr id="38" name="TextBox 37">
-            <a:extLst>
-              <a:ext uri="{FF2B5EF4-FFF2-40B4-BE49-F238E27FC236}">
-                <a16:creationId xmlns:a16="http://schemas.microsoft.com/office/drawing/2014/main" id="{D1A7CD29-A61D-2E44-BAF7-5522F659EEC9}"/>
-              </a:ext>
-            </a:extLst>
-          </p:cNvPr>
-          <p:cNvSpPr txBox="1"/>
-          <p:nvPr/>
-        </p:nvSpPr>
-        <p:spPr>
-          <a:xfrm>
-            <a:off x="5927082" y="3561169"/>
-            <a:ext cx="758541" cy="276999"/>
+            <a:off x="5769254" y="3764477"/>
+            <a:ext cx="612668" cy="307777"/>
           </a:xfrm>
           <a:prstGeom prst="rect">
             <a:avLst/>
@@ -4411,125 +5102,22 @@
           <a:solidFill>
             <a:schemeClr val="bg1"/>
           </a:solidFill>
-          <a:ln w="15875" cap="rnd">
-            <a:solidFill>
-              <a:srgbClr val="D6D6D6"/>
-            </a:solidFill>
-          </a:ln>
         </p:spPr>
         <p:txBody>
-          <a:bodyPr wrap="none" rtlCol="0">
+          <a:bodyPr wrap="none">
             <a:spAutoFit/>
           </a:bodyPr>
           <a:lstStyle/>
           <a:p>
             <a:r>
-              <a:rPr lang="en-US" sz="1200" dirty="0">
+              <a:rPr lang="en-US" sz="1400" dirty="0">
+                <a:solidFill>
+                  <a:prstClr val="black"/>
+                </a:solidFill>
                 <a:latin typeface="Arial" panose="020B0604020202020204" pitchFamily="34" charset="0"/>
                 <a:cs typeface="Arial" panose="020B0604020202020204" pitchFamily="34" charset="0"/>
               </a:rPr>
-              <a:t>     </a:t>
-            </a:r>
-            <a:r>
-              <a:rPr lang="en-US" sz="1200" b="1" dirty="0">
-                <a:latin typeface="Arial" panose="020B0604020202020204" pitchFamily="34" charset="0"/>
-                <a:cs typeface="Arial" panose="020B0604020202020204" pitchFamily="34" charset="0"/>
-              </a:rPr>
-              <a:t>229E</a:t>
-            </a:r>
-          </a:p>
-        </p:txBody>
-      </p:sp>
-      <p:sp>
-        <p:nvSpPr>
-          <p:cNvPr id="39" name="Oval 38">
-            <a:extLst>
-              <a:ext uri="{FF2B5EF4-FFF2-40B4-BE49-F238E27FC236}">
-                <a16:creationId xmlns:a16="http://schemas.microsoft.com/office/drawing/2014/main" id="{000563B3-641B-654B-8DB2-1EFF3DAC15DE}"/>
-              </a:ext>
-            </a:extLst>
-          </p:cNvPr>
-          <p:cNvSpPr/>
-          <p:nvPr/>
-        </p:nvSpPr>
-        <p:spPr>
-          <a:xfrm>
-            <a:off x="6005677" y="3627330"/>
-            <a:ext cx="146304" cy="146304"/>
-          </a:xfrm>
-          <a:prstGeom prst="ellipse">
-            <a:avLst/>
-          </a:prstGeom>
-          <a:solidFill>
-            <a:srgbClr val="2E86C1"/>
-          </a:solidFill>
-          <a:ln>
-            <a:noFill/>
-          </a:ln>
-        </p:spPr>
-        <p:style>
-          <a:lnRef idx="2">
-            <a:schemeClr val="accent1">
-              <a:shade val="50000"/>
-            </a:schemeClr>
-          </a:lnRef>
-          <a:fillRef idx="1">
-            <a:schemeClr val="accent1"/>
-          </a:fillRef>
-          <a:effectRef idx="0">
-            <a:schemeClr val="accent1"/>
-          </a:effectRef>
-          <a:fontRef idx="minor">
-            <a:schemeClr val="lt1"/>
-          </a:fontRef>
-        </p:style>
-        <p:txBody>
-          <a:bodyPr rot="0" spcFirstLastPara="0" vertOverflow="overflow" horzOverflow="overflow" vert="horz" wrap="square" lIns="91440" tIns="45720" rIns="91440" bIns="45720" numCol="1" spcCol="0" rtlCol="0" fromWordArt="0" anchor="ctr" anchorCtr="0" forceAA="0" compatLnSpc="1">
-            <a:prstTxWarp prst="textNoShape">
-              <a:avLst/>
-            </a:prstTxWarp>
-            <a:noAutofit/>
-          </a:bodyPr>
-          <a:lstStyle/>
-          <a:p>
-            <a:pPr algn="ctr"/>
-            <a:endParaRPr lang="en-US"/>
-          </a:p>
-        </p:txBody>
-      </p:sp>
-      <p:sp>
-        <p:nvSpPr>
-          <p:cNvPr id="40" name="Rectangle 39">
-            <a:extLst>
-              <a:ext uri="{FF2B5EF4-FFF2-40B4-BE49-F238E27FC236}">
-                <a16:creationId xmlns:a16="http://schemas.microsoft.com/office/drawing/2014/main" id="{D8DB164B-CCCA-C648-90DF-B0BA857DD89B}"/>
-              </a:ext>
-            </a:extLst>
-          </p:cNvPr>
-          <p:cNvSpPr/>
-          <p:nvPr/>
-        </p:nvSpPr>
-        <p:spPr>
-          <a:xfrm>
-            <a:off x="2350401" y="6172186"/>
-            <a:ext cx="2215671" cy="307777"/>
-          </a:xfrm>
-          <a:prstGeom prst="rect">
-            <a:avLst/>
-          </a:prstGeom>
-        </p:spPr>
-        <p:txBody>
-          <a:bodyPr wrap="none">
-            <a:spAutoFit/>
-          </a:bodyPr>
-          <a:lstStyle/>
-          <a:p>
-            <a:r>
-              <a:rPr lang="en-US" sz="1400" dirty="0">
-                <a:latin typeface="Arial" panose="020B0604020202020204" pitchFamily="34" charset="0"/>
-                <a:cs typeface="Arial" panose="020B0604020202020204" pitchFamily="34" charset="0"/>
-              </a:rPr>
-              <a:t>Spike amino acid position</a:t>
+              <a:t>NL63</a:t>
             </a:r>
           </a:p>
         </p:txBody>
@@ -4537,7 +5125,7 @@
     </p:spTree>
     <p:extLst>
       <p:ext uri="{BB962C8B-B14F-4D97-AF65-F5344CB8AC3E}">
-        <p14:creationId xmlns:p14="http://schemas.microsoft.com/office/powerpoint/2010/main" val="3223370521"/>
+        <p14:creationId xmlns:p14="http://schemas.microsoft.com/office/powerpoint/2010/main" val="2630389742"/>
       </p:ext>
     </p:extLst>
   </p:cSld>
@@ -4806,4 +5394,299 @@
     </a:ext>
   </a:extLst>
 </a:theme>
+</file>
+
+<file path=ppt/theme/theme2.xml><?xml version="1.0" encoding="utf-8"?>
+<a:theme xmlns:a="http://schemas.openxmlformats.org/drawingml/2006/main" name="Office Theme">
+  <a:themeElements>
+    <a:clrScheme name="Office">
+      <a:dk1>
+        <a:sysClr val="windowText" lastClr="000000"/>
+      </a:dk1>
+      <a:lt1>
+        <a:sysClr val="window" lastClr="FFFFFF"/>
+      </a:lt1>
+      <a:dk2>
+        <a:srgbClr val="44546A"/>
+      </a:dk2>
+      <a:lt2>
+        <a:srgbClr val="E7E6E6"/>
+      </a:lt2>
+      <a:accent1>
+        <a:srgbClr val="4472C4"/>
+      </a:accent1>
+      <a:accent2>
+        <a:srgbClr val="ED7D31"/>
+      </a:accent2>
+      <a:accent3>
+        <a:srgbClr val="A5A5A5"/>
+      </a:accent3>
+      <a:accent4>
+        <a:srgbClr val="FFC000"/>
+      </a:accent4>
+      <a:accent5>
+        <a:srgbClr val="5B9BD5"/>
+      </a:accent5>
+      <a:accent6>
+        <a:srgbClr val="70AD47"/>
+      </a:accent6>
+      <a:hlink>
+        <a:srgbClr val="0563C1"/>
+      </a:hlink>
+      <a:folHlink>
+        <a:srgbClr val="954F72"/>
+      </a:folHlink>
+    </a:clrScheme>
+    <a:fontScheme name="Office">
+      <a:majorFont>
+        <a:latin typeface="Calibri Light" panose="020F0302020204030204"/>
+        <a:ea typeface=""/>
+        <a:cs typeface=""/>
+        <a:font script="Jpan" typeface="游ゴシック Light"/>
+        <a:font script="Hang" typeface="맑은 고딕"/>
+        <a:font script="Hans" typeface="等线 Light"/>
+        <a:font script="Hant" typeface="新細明體"/>
+        <a:font script="Arab" typeface="Times New Roman"/>
+        <a:font script="Hebr" typeface="Times New Roman"/>
+        <a:font script="Thai" typeface="Angsana New"/>
+        <a:font script="Ethi" typeface="Nyala"/>
+        <a:font script="Beng" typeface="Vrinda"/>
+        <a:font script="Gujr" typeface="Shruti"/>
+        <a:font script="Khmr" typeface="MoolBoran"/>
+        <a:font script="Knda" typeface="Tunga"/>
+        <a:font script="Guru" typeface="Raavi"/>
+        <a:font script="Cans" typeface="Euphemia"/>
+        <a:font script="Cher" typeface="Plantagenet Cherokee"/>
+        <a:font script="Yiii" typeface="Microsoft Yi Baiti"/>
+        <a:font script="Tibt" typeface="Microsoft Himalaya"/>
+        <a:font script="Thaa" typeface="MV Boli"/>
+        <a:font script="Deva" typeface="Mangal"/>
+        <a:font script="Telu" typeface="Gautami"/>
+        <a:font script="Taml" typeface="Latha"/>
+        <a:font script="Syrc" typeface="Estrangelo Edessa"/>
+        <a:font script="Orya" typeface="Kalinga"/>
+        <a:font script="Mlym" typeface="Kartika"/>
+        <a:font script="Laoo" typeface="DokChampa"/>
+        <a:font script="Sinh" typeface="Iskoola Pota"/>
+        <a:font script="Mong" typeface="Mongolian Baiti"/>
+        <a:font script="Viet" typeface="Times New Roman"/>
+        <a:font script="Uigh" typeface="Microsoft Uighur"/>
+        <a:font script="Geor" typeface="Sylfaen"/>
+        <a:font script="Armn" typeface="Arial"/>
+        <a:font script="Bugi" typeface="Leelawadee UI"/>
+        <a:font script="Bopo" typeface="Microsoft JhengHei"/>
+        <a:font script="Java" typeface="Javanese Text"/>
+        <a:font script="Lisu" typeface="Segoe UI"/>
+        <a:font script="Mymr" typeface="Myanmar Text"/>
+        <a:font script="Nkoo" typeface="Ebrima"/>
+        <a:font script="Olck" typeface="Nirmala UI"/>
+        <a:font script="Osma" typeface="Ebrima"/>
+        <a:font script="Phag" typeface="Phagspa"/>
+        <a:font script="Syrn" typeface="Estrangelo Edessa"/>
+        <a:font script="Syrj" typeface="Estrangelo Edessa"/>
+        <a:font script="Syre" typeface="Estrangelo Edessa"/>
+        <a:font script="Sora" typeface="Nirmala UI"/>
+        <a:font script="Tale" typeface="Microsoft Tai Le"/>
+        <a:font script="Talu" typeface="Microsoft New Tai Lue"/>
+        <a:font script="Tfng" typeface="Ebrima"/>
+      </a:majorFont>
+      <a:minorFont>
+        <a:latin typeface="Calibri" panose="020F0502020204030204"/>
+        <a:ea typeface=""/>
+        <a:cs typeface=""/>
+        <a:font script="Jpan" typeface="游ゴシック"/>
+        <a:font script="Hang" typeface="맑은 고딕"/>
+        <a:font script="Hans" typeface="等线"/>
+        <a:font script="Hant" typeface="新細明體"/>
+        <a:font script="Arab" typeface="Arial"/>
+        <a:font script="Hebr" typeface="Arial"/>
+        <a:font script="Thai" typeface="Cordia New"/>
+        <a:font script="Ethi" typeface="Nyala"/>
+        <a:font script="Beng" typeface="Vrinda"/>
+        <a:font script="Gujr" typeface="Shruti"/>
+        <a:font script="Khmr" typeface="DaunPenh"/>
+        <a:font script="Knda" typeface="Tunga"/>
+        <a:font script="Guru" typeface="Raavi"/>
+        <a:font script="Cans" typeface="Euphemia"/>
+        <a:font script="Cher" typeface="Plantagenet Cherokee"/>
+        <a:font script="Yiii" typeface="Microsoft Yi Baiti"/>
+        <a:font script="Tibt" typeface="Microsoft Himalaya"/>
+        <a:font script="Thaa" typeface="MV Boli"/>
+        <a:font script="Deva" typeface="Mangal"/>
+        <a:font script="Telu" typeface="Gautami"/>
+        <a:font script="Taml" typeface="Latha"/>
+        <a:font script="Syrc" typeface="Estrangelo Edessa"/>
+        <a:font script="Orya" typeface="Kalinga"/>
+        <a:font script="Mlym" typeface="Kartika"/>
+        <a:font script="Laoo" typeface="DokChampa"/>
+        <a:font script="Sinh" typeface="Iskoola Pota"/>
+        <a:font script="Mong" typeface="Mongolian Baiti"/>
+        <a:font script="Viet" typeface="Arial"/>
+        <a:font script="Uigh" typeface="Microsoft Uighur"/>
+        <a:font script="Geor" typeface="Sylfaen"/>
+        <a:font script="Armn" typeface="Arial"/>
+        <a:font script="Bugi" typeface="Leelawadee UI"/>
+        <a:font script="Bopo" typeface="Microsoft JhengHei"/>
+        <a:font script="Java" typeface="Javanese Text"/>
+        <a:font script="Lisu" typeface="Segoe UI"/>
+        <a:font script="Mymr" typeface="Myanmar Text"/>
+        <a:font script="Nkoo" typeface="Ebrima"/>
+        <a:font script="Olck" typeface="Nirmala UI"/>
+        <a:font script="Osma" typeface="Ebrima"/>
+        <a:font script="Phag" typeface="Phagspa"/>
+        <a:font script="Syrn" typeface="Estrangelo Edessa"/>
+        <a:font script="Syrj" typeface="Estrangelo Edessa"/>
+        <a:font script="Syre" typeface="Estrangelo Edessa"/>
+        <a:font script="Sora" typeface="Nirmala UI"/>
+        <a:font script="Tale" typeface="Microsoft Tai Le"/>
+        <a:font script="Talu" typeface="Microsoft New Tai Lue"/>
+        <a:font script="Tfng" typeface="Ebrima"/>
+      </a:minorFont>
+    </a:fontScheme>
+    <a:fmtScheme name="Office">
+      <a:fillStyleLst>
+        <a:solidFill>
+          <a:schemeClr val="phClr"/>
+        </a:solidFill>
+        <a:gradFill rotWithShape="1">
+          <a:gsLst>
+            <a:gs pos="0">
+              <a:schemeClr val="phClr">
+                <a:lumMod val="110000"/>
+                <a:satMod val="105000"/>
+                <a:tint val="67000"/>
+              </a:schemeClr>
+            </a:gs>
+            <a:gs pos="50000">
+              <a:schemeClr val="phClr">
+                <a:lumMod val="105000"/>
+                <a:satMod val="103000"/>
+                <a:tint val="73000"/>
+              </a:schemeClr>
+            </a:gs>
+            <a:gs pos="100000">
+              <a:schemeClr val="phClr">
+                <a:lumMod val="105000"/>
+                <a:satMod val="109000"/>
+                <a:tint val="81000"/>
+              </a:schemeClr>
+            </a:gs>
+          </a:gsLst>
+          <a:lin ang="5400000" scaled="0"/>
+        </a:gradFill>
+        <a:gradFill rotWithShape="1">
+          <a:gsLst>
+            <a:gs pos="0">
+              <a:schemeClr val="phClr">
+                <a:satMod val="103000"/>
+                <a:lumMod val="102000"/>
+                <a:tint val="94000"/>
+              </a:schemeClr>
+            </a:gs>
+            <a:gs pos="50000">
+              <a:schemeClr val="phClr">
+                <a:satMod val="110000"/>
+                <a:lumMod val="100000"/>
+                <a:shade val="100000"/>
+              </a:schemeClr>
+            </a:gs>
+            <a:gs pos="100000">
+              <a:schemeClr val="phClr">
+                <a:lumMod val="99000"/>
+                <a:satMod val="120000"/>
+                <a:shade val="78000"/>
+              </a:schemeClr>
+            </a:gs>
+          </a:gsLst>
+          <a:lin ang="5400000" scaled="0"/>
+        </a:gradFill>
+      </a:fillStyleLst>
+      <a:lnStyleLst>
+        <a:ln w="6350" cap="flat" cmpd="sng" algn="ctr">
+          <a:solidFill>
+            <a:schemeClr val="phClr"/>
+          </a:solidFill>
+          <a:prstDash val="solid"/>
+          <a:miter lim="800000"/>
+        </a:ln>
+        <a:ln w="12700" cap="flat" cmpd="sng" algn="ctr">
+          <a:solidFill>
+            <a:schemeClr val="phClr"/>
+          </a:solidFill>
+          <a:prstDash val="solid"/>
+          <a:miter lim="800000"/>
+        </a:ln>
+        <a:ln w="19050" cap="flat" cmpd="sng" algn="ctr">
+          <a:solidFill>
+            <a:schemeClr val="phClr"/>
+          </a:solidFill>
+          <a:prstDash val="solid"/>
+          <a:miter lim="800000"/>
+        </a:ln>
+      </a:lnStyleLst>
+      <a:effectStyleLst>
+        <a:effectStyle>
+          <a:effectLst/>
+        </a:effectStyle>
+        <a:effectStyle>
+          <a:effectLst/>
+        </a:effectStyle>
+        <a:effectStyle>
+          <a:effectLst>
+            <a:outerShdw blurRad="57150" dist="19050" dir="5400000" algn="ctr" rotWithShape="0">
+              <a:srgbClr val="000000">
+                <a:alpha val="63000"/>
+              </a:srgbClr>
+            </a:outerShdw>
+          </a:effectLst>
+        </a:effectStyle>
+      </a:effectStyleLst>
+      <a:bgFillStyleLst>
+        <a:solidFill>
+          <a:schemeClr val="phClr"/>
+        </a:solidFill>
+        <a:solidFill>
+          <a:schemeClr val="phClr">
+            <a:tint val="95000"/>
+            <a:satMod val="170000"/>
+          </a:schemeClr>
+        </a:solidFill>
+        <a:gradFill rotWithShape="1">
+          <a:gsLst>
+            <a:gs pos="0">
+              <a:schemeClr val="phClr">
+                <a:tint val="93000"/>
+                <a:satMod val="150000"/>
+                <a:shade val="98000"/>
+                <a:lumMod val="102000"/>
+              </a:schemeClr>
+            </a:gs>
+            <a:gs pos="50000">
+              <a:schemeClr val="phClr">
+                <a:tint val="98000"/>
+                <a:satMod val="130000"/>
+                <a:shade val="90000"/>
+                <a:lumMod val="103000"/>
+              </a:schemeClr>
+            </a:gs>
+            <a:gs pos="100000">
+              <a:schemeClr val="phClr">
+                <a:shade val="63000"/>
+                <a:satMod val="120000"/>
+              </a:schemeClr>
+            </a:gs>
+          </a:gsLst>
+          <a:lin ang="5400000" scaled="0"/>
+        </a:gradFill>
+      </a:bgFillStyleLst>
+    </a:fmtScheme>
+  </a:themeElements>
+  <a:objectDefaults/>
+  <a:extraClrSchemeLst/>
+  <a:extLst>
+    <a:ext uri="{05A4C25C-085E-4340-85A3-A5531E510DB2}">
+      <thm15:themeFamily xmlns:thm15="http://schemas.microsoft.com/office/thememl/2012/main" name="Office Theme" id="{62F939B6-93AF-4DB8-9C6B-D6C7DFDC589F}" vid="{4A3C46E8-61CC-4603-A589-7422A47A8E4A}"/>
+    </a:ext>
+  </a:extLst>
+</a:theme>
 </file>